--- a/ObjectPool.pptx
+++ b/ObjectPool.pptx
@@ -5,19 +5,20 @@
     <p:sldMasterId id="2147483660" r:id="rId4"/>
   </p:sldMasterIdLst>
   <p:notesMasterIdLst>
-    <p:notesMasterId r:id="rId12"/>
+    <p:notesMasterId r:id="rId13"/>
   </p:notesMasterIdLst>
   <p:handoutMasterIdLst>
-    <p:handoutMasterId r:id="rId13"/>
+    <p:handoutMasterId r:id="rId14"/>
   </p:handoutMasterIdLst>
   <p:sldIdLst>
     <p:sldId id="256" r:id="rId5"/>
     <p:sldId id="257" r:id="rId6"/>
     <p:sldId id="266" r:id="rId7"/>
     <p:sldId id="270" r:id="rId8"/>
-    <p:sldId id="268" r:id="rId9"/>
-    <p:sldId id="269" r:id="rId10"/>
-    <p:sldId id="271" r:id="rId11"/>
+    <p:sldId id="272" r:id="rId9"/>
+    <p:sldId id="268" r:id="rId10"/>
+    <p:sldId id="273" r:id="rId11"/>
+    <p:sldId id="271" r:id="rId12"/>
   </p:sldIdLst>
   <p:sldSz cx="12192000" cy="6858000"/>
   <p:notesSz cx="6858000" cy="9144000"/>
@@ -220,7 +221,7 @@
           <a:p>
             <a:fld id="{2FDDF452-7448-4852-9314-306C8A6C3119}" type="datetime1">
               <a:rPr lang="ru-RU" smtClean="0"/>
-              <a:t>27.11.2020</a:t>
+              <a:t>29.11.2020</a:t>
             </a:fld>
             <a:endParaRPr lang="ru-RU" dirty="0"/>
           </a:p>
@@ -387,7 +388,7 @@
             <a:fld id="{C2F720F1-B25C-4E3A-B0CB-A1993D0DE272}" type="datetime1">
               <a:rPr lang="ru-RU" smtClean="0"/>
               <a:pPr/>
-              <a:t>27.11.2020</a:t>
+              <a:t>29.11.2020</a:t>
             </a:fld>
             <a:endParaRPr lang="ru-RU" dirty="0"/>
           </a:p>
@@ -1218,7 +1219,7 @@
             <a:pPr rtl="0"/>
             <a:fld id="{D5D79418-37EB-4378-AD22-89DBB000B0DA}" type="slidenum">
               <a:rPr lang="ru-RU" smtClean="0"/>
-              <a:t>5</a:t>
+              <a:t>6</a:t>
             </a:fld>
             <a:endParaRPr lang="ru-RU" dirty="0"/>
           </a:p>
@@ -1228,92 +1229,6 @@
     <p:extLst>
       <p:ext uri="{BB962C8B-B14F-4D97-AF65-F5344CB8AC3E}">
         <p14:creationId xmlns:p14="http://schemas.microsoft.com/office/powerpoint/2010/main" val="1219416845"/>
-      </p:ext>
-    </p:extLst>
-  </p:cSld>
-  <p:clrMapOvr>
-    <a:masterClrMapping/>
-  </p:clrMapOvr>
-</p:notes>
-</file>
-
-<file path=ppt/notesSlides/notesSlide5.xml><?xml version="1.0" encoding="utf-8"?>
-<p:notes xmlns:a="http://schemas.openxmlformats.org/drawingml/2006/main" xmlns:r="http://schemas.openxmlformats.org/officeDocument/2006/relationships" xmlns:p="http://schemas.openxmlformats.org/presentationml/2006/main">
-  <p:cSld>
-    <p:spTree>
-      <p:nvGrpSpPr>
-        <p:cNvPr id="1" name=""/>
-        <p:cNvGrpSpPr/>
-        <p:nvPr/>
-      </p:nvGrpSpPr>
-      <p:grpSpPr>
-        <a:xfrm>
-          <a:off x="0" y="0"/>
-          <a:ext cx="0" cy="0"/>
-          <a:chOff x="0" y="0"/>
-          <a:chExt cx="0" cy="0"/>
-        </a:xfrm>
-      </p:grpSpPr>
-      <p:sp>
-        <p:nvSpPr>
-          <p:cNvPr id="2" name="Образ слайда 1"/>
-          <p:cNvSpPr>
-            <a:spLocks noGrp="1" noRot="1" noChangeAspect="1"/>
-          </p:cNvSpPr>
-          <p:nvPr>
-            <p:ph type="sldImg"/>
-          </p:nvPr>
-        </p:nvSpPr>
-        <p:spPr/>
-      </p:sp>
-      <p:sp>
-        <p:nvSpPr>
-          <p:cNvPr id="3" name="Заметки 2"/>
-          <p:cNvSpPr>
-            <a:spLocks noGrp="1"/>
-          </p:cNvSpPr>
-          <p:nvPr>
-            <p:ph type="body" idx="1"/>
-          </p:nvPr>
-        </p:nvSpPr>
-        <p:spPr/>
-        <p:txBody>
-          <a:bodyPr rtlCol="0"/>
-          <a:lstStyle/>
-          <a:p>
-            <a:pPr rtl="0"/>
-            <a:endParaRPr lang="ru-RU" dirty="0"/>
-          </a:p>
-        </p:txBody>
-      </p:sp>
-      <p:sp>
-        <p:nvSpPr>
-          <p:cNvPr id="4" name="Номер слайда 3"/>
-          <p:cNvSpPr>
-            <a:spLocks noGrp="1"/>
-          </p:cNvSpPr>
-          <p:nvPr>
-            <p:ph type="sldNum" sz="quarter" idx="10"/>
-          </p:nvPr>
-        </p:nvSpPr>
-        <p:spPr/>
-        <p:txBody>
-          <a:bodyPr rtlCol="0"/>
-          <a:lstStyle/>
-          <a:p>
-            <a:pPr rtl="0"/>
-            <a:fld id="{D5D79418-37EB-4378-AD22-89DBB000B0DA}" type="slidenum">
-              <a:rPr lang="ru-RU" smtClean="0"/>
-              <a:t>6</a:t>
-            </a:fld>
-            <a:endParaRPr lang="ru-RU" dirty="0"/>
-          </a:p>
-        </p:txBody>
-      </p:sp>
-    </p:spTree>
-    <p:extLst>
-      <p:ext uri="{BB962C8B-B14F-4D97-AF65-F5344CB8AC3E}">
-        <p14:creationId xmlns:p14="http://schemas.microsoft.com/office/powerpoint/2010/main" val="1786370065"/>
       </p:ext>
     </p:extLst>
   </p:cSld>
@@ -1386,7 +1301,7 @@
                   <a14:useLocalDpi xmlns:a14="http://schemas.microsoft.com/office/drawing/2010/main" val="0"/>
                 </a:ext>
                 <a:ext uri="{96DAC541-7B7A-43D3-8B79-37D633B846F1}">
-                  <asvg:svgBlip xmlns:asvg="http://schemas.microsoft.com/office/drawing/2016/SVG/main" xmlns="" r:embed="rId3"/>
+                  <asvg:svgBlip xmlns="" xmlns:asvg="http://schemas.microsoft.com/office/drawing/2016/SVG/main" r:embed="rId3"/>
                 </a:ext>
               </a:extLst>
             </a:blip>
@@ -1424,7 +1339,7 @@
                   <a14:useLocalDpi xmlns:a14="http://schemas.microsoft.com/office/drawing/2010/main" val="0"/>
                 </a:ext>
                 <a:ext uri="{96DAC541-7B7A-43D3-8B79-37D633B846F1}">
-                  <asvg:svgBlip xmlns:asvg="http://schemas.microsoft.com/office/drawing/2016/SVG/main" xmlns="" r:embed="rId3"/>
+                  <asvg:svgBlip xmlns="" xmlns:asvg="http://schemas.microsoft.com/office/drawing/2016/SVG/main" r:embed="rId3"/>
                 </a:ext>
               </a:extLst>
             </a:blip>
@@ -1463,7 +1378,7 @@
                   <a14:useLocalDpi xmlns:a14="http://schemas.microsoft.com/office/drawing/2010/main" val="0"/>
                 </a:ext>
                 <a:ext uri="{96DAC541-7B7A-43D3-8B79-37D633B846F1}">
-                  <asvg:svgBlip xmlns:asvg="http://schemas.microsoft.com/office/drawing/2016/SVG/main" xmlns="" r:embed="rId3"/>
+                  <asvg:svgBlip xmlns="" xmlns:asvg="http://schemas.microsoft.com/office/drawing/2016/SVG/main" r:embed="rId3"/>
                 </a:ext>
               </a:extLst>
             </a:blip>
@@ -1502,7 +1417,7 @@
                   <a14:useLocalDpi xmlns:a14="http://schemas.microsoft.com/office/drawing/2010/main" val="0"/>
                 </a:ext>
                 <a:ext uri="{96DAC541-7B7A-43D3-8B79-37D633B846F1}">
-                  <asvg:svgBlip xmlns:asvg="http://schemas.microsoft.com/office/drawing/2016/SVG/main" xmlns="" r:embed="rId3"/>
+                  <asvg:svgBlip xmlns="" xmlns:asvg="http://schemas.microsoft.com/office/drawing/2016/SVG/main" r:embed="rId3"/>
                 </a:ext>
               </a:extLst>
             </a:blip>
@@ -1695,7 +1610,7 @@
             <a:pPr rtl="0"/>
             <a:fld id="{A79FDCCF-06A5-4C0C-ABFF-93AF4A8F91D0}" type="datetime1">
               <a:rPr lang="ru-RU" noProof="0" smtClean="0"/>
-              <a:t>27.11.2020</a:t>
+              <a:t>29.11.2020</a:t>
             </a:fld>
             <a:endParaRPr lang="ru-RU" noProof="0" dirty="0"/>
           </a:p>
@@ -1936,7 +1851,7 @@
                   <a14:useLocalDpi xmlns:a14="http://schemas.microsoft.com/office/drawing/2010/main" val="0"/>
                 </a:ext>
                 <a:ext uri="{96DAC541-7B7A-43D3-8B79-37D633B846F1}">
-                  <asvg:svgBlip xmlns:asvg="http://schemas.microsoft.com/office/drawing/2016/SVG/main" xmlns="" r:embed="rId3"/>
+                  <asvg:svgBlip xmlns="" xmlns:asvg="http://schemas.microsoft.com/office/drawing/2016/SVG/main" r:embed="rId3"/>
                 </a:ext>
               </a:extLst>
             </a:blip>
@@ -1974,7 +1889,7 @@
                   <a14:useLocalDpi xmlns:a14="http://schemas.microsoft.com/office/drawing/2010/main" val="0"/>
                 </a:ext>
                 <a:ext uri="{96DAC541-7B7A-43D3-8B79-37D633B846F1}">
-                  <asvg:svgBlip xmlns:asvg="http://schemas.microsoft.com/office/drawing/2016/SVG/main" xmlns="" r:embed="rId3"/>
+                  <asvg:svgBlip xmlns="" xmlns:asvg="http://schemas.microsoft.com/office/drawing/2016/SVG/main" r:embed="rId3"/>
                 </a:ext>
               </a:extLst>
             </a:blip>
@@ -2013,7 +1928,7 @@
                   <a14:useLocalDpi xmlns:a14="http://schemas.microsoft.com/office/drawing/2010/main" val="0"/>
                 </a:ext>
                 <a:ext uri="{96DAC541-7B7A-43D3-8B79-37D633B846F1}">
-                  <asvg:svgBlip xmlns:asvg="http://schemas.microsoft.com/office/drawing/2016/SVG/main" xmlns="" r:embed="rId3"/>
+                  <asvg:svgBlip xmlns="" xmlns:asvg="http://schemas.microsoft.com/office/drawing/2016/SVG/main" r:embed="rId3"/>
                 </a:ext>
               </a:extLst>
             </a:blip>
@@ -2052,7 +1967,7 @@
                   <a14:useLocalDpi xmlns:a14="http://schemas.microsoft.com/office/drawing/2010/main" val="0"/>
                 </a:ext>
                 <a:ext uri="{96DAC541-7B7A-43D3-8B79-37D633B846F1}">
-                  <asvg:svgBlip xmlns:asvg="http://schemas.microsoft.com/office/drawing/2016/SVG/main" xmlns="" r:embed="rId3"/>
+                  <asvg:svgBlip xmlns="" xmlns:asvg="http://schemas.microsoft.com/office/drawing/2016/SVG/main" r:embed="rId3"/>
                 </a:ext>
               </a:extLst>
             </a:blip>
@@ -2367,7 +2282,7 @@
             <a:pPr rtl="0"/>
             <a:fld id="{BF5AAA8D-4090-4274-96AA-AD6B0F42534A}" type="datetime1">
               <a:rPr lang="ru-RU" noProof="0" smtClean="0"/>
-              <a:t>27.11.2020</a:t>
+              <a:t>29.11.2020</a:t>
             </a:fld>
             <a:endParaRPr lang="ru-RU" noProof="0" dirty="0"/>
           </a:p>
@@ -2506,7 +2421,7 @@
                   <a14:useLocalDpi xmlns:a14="http://schemas.microsoft.com/office/drawing/2010/main" val="0"/>
                 </a:ext>
                 <a:ext uri="{96DAC541-7B7A-43D3-8B79-37D633B846F1}">
-                  <asvg:svgBlip xmlns:asvg="http://schemas.microsoft.com/office/drawing/2016/SVG/main" xmlns="" r:embed="rId3"/>
+                  <asvg:svgBlip xmlns="" xmlns:asvg="http://schemas.microsoft.com/office/drawing/2016/SVG/main" r:embed="rId3"/>
                 </a:ext>
               </a:extLst>
             </a:blip>
@@ -2544,7 +2459,7 @@
                   <a14:useLocalDpi xmlns:a14="http://schemas.microsoft.com/office/drawing/2010/main" val="0"/>
                 </a:ext>
                 <a:ext uri="{96DAC541-7B7A-43D3-8B79-37D633B846F1}">
-                  <asvg:svgBlip xmlns:asvg="http://schemas.microsoft.com/office/drawing/2016/SVG/main" xmlns="" r:embed="rId3"/>
+                  <asvg:svgBlip xmlns="" xmlns:asvg="http://schemas.microsoft.com/office/drawing/2016/SVG/main" r:embed="rId3"/>
                 </a:ext>
               </a:extLst>
             </a:blip>
@@ -2583,7 +2498,7 @@
                   <a14:useLocalDpi xmlns:a14="http://schemas.microsoft.com/office/drawing/2010/main" val="0"/>
                 </a:ext>
                 <a:ext uri="{96DAC541-7B7A-43D3-8B79-37D633B846F1}">
-                  <asvg:svgBlip xmlns:asvg="http://schemas.microsoft.com/office/drawing/2016/SVG/main" xmlns="" r:embed="rId3"/>
+                  <asvg:svgBlip xmlns="" xmlns:asvg="http://schemas.microsoft.com/office/drawing/2016/SVG/main" r:embed="rId3"/>
                 </a:ext>
               </a:extLst>
             </a:blip>
@@ -2622,7 +2537,7 @@
                   <a14:useLocalDpi xmlns:a14="http://schemas.microsoft.com/office/drawing/2010/main" val="0"/>
                 </a:ext>
                 <a:ext uri="{96DAC541-7B7A-43D3-8B79-37D633B846F1}">
-                  <asvg:svgBlip xmlns:asvg="http://schemas.microsoft.com/office/drawing/2016/SVG/main" xmlns="" r:embed="rId3"/>
+                  <asvg:svgBlip xmlns="" xmlns:asvg="http://schemas.microsoft.com/office/drawing/2016/SVG/main" r:embed="rId3"/>
                 </a:ext>
               </a:extLst>
             </a:blip>
@@ -2880,7 +2795,7 @@
             <a:pPr rtl="0"/>
             <a:fld id="{450BFE99-D7C0-40E7-B8AB-A5E5CCFB9A18}" type="datetime1">
               <a:rPr lang="ru-RU" noProof="0" smtClean="0"/>
-              <a:t>27.11.2020</a:t>
+              <a:t>29.11.2020</a:t>
             </a:fld>
             <a:endParaRPr lang="ru-RU" noProof="0" dirty="0"/>
           </a:p>
@@ -3237,7 +3152,7 @@
             <a:pPr rtl="0"/>
             <a:fld id="{7F3AEECF-DDF2-4378-AEB2-48186B35FAC4}" type="datetime1">
               <a:rPr lang="ru-RU" noProof="0" smtClean="0"/>
-              <a:t>27.11.2020</a:t>
+              <a:t>29.11.2020</a:t>
             </a:fld>
             <a:endParaRPr lang="ru-RU" noProof="0" dirty="0"/>
           </a:p>
@@ -3406,7 +3321,7 @@
                   <a14:useLocalDpi xmlns:a14="http://schemas.microsoft.com/office/drawing/2010/main" val="0"/>
                 </a:ext>
                 <a:ext uri="{96DAC541-7B7A-43D3-8B79-37D633B846F1}">
-                  <asvg:svgBlip xmlns:asvg="http://schemas.microsoft.com/office/drawing/2016/SVG/main" xmlns="" r:embed="rId3"/>
+                  <asvg:svgBlip xmlns="" xmlns:asvg="http://schemas.microsoft.com/office/drawing/2016/SVG/main" r:embed="rId3"/>
                 </a:ext>
               </a:extLst>
             </a:blip>
@@ -3444,7 +3359,7 @@
                   <a14:useLocalDpi xmlns:a14="http://schemas.microsoft.com/office/drawing/2010/main" val="0"/>
                 </a:ext>
                 <a:ext uri="{96DAC541-7B7A-43D3-8B79-37D633B846F1}">
-                  <asvg:svgBlip xmlns:asvg="http://schemas.microsoft.com/office/drawing/2016/SVG/main" xmlns="" r:embed="rId3"/>
+                  <asvg:svgBlip xmlns="" xmlns:asvg="http://schemas.microsoft.com/office/drawing/2016/SVG/main" r:embed="rId3"/>
                 </a:ext>
               </a:extLst>
             </a:blip>
@@ -3483,7 +3398,7 @@
                   <a14:useLocalDpi xmlns:a14="http://schemas.microsoft.com/office/drawing/2010/main" val="0"/>
                 </a:ext>
                 <a:ext uri="{96DAC541-7B7A-43D3-8B79-37D633B846F1}">
-                  <asvg:svgBlip xmlns:asvg="http://schemas.microsoft.com/office/drawing/2016/SVG/main" xmlns="" r:embed="rId3"/>
+                  <asvg:svgBlip xmlns="" xmlns:asvg="http://schemas.microsoft.com/office/drawing/2016/SVG/main" r:embed="rId3"/>
                 </a:ext>
               </a:extLst>
             </a:blip>
@@ -3522,7 +3437,7 @@
                   <a14:useLocalDpi xmlns:a14="http://schemas.microsoft.com/office/drawing/2010/main" val="0"/>
                 </a:ext>
                 <a:ext uri="{96DAC541-7B7A-43D3-8B79-37D633B846F1}">
-                  <asvg:svgBlip xmlns:asvg="http://schemas.microsoft.com/office/drawing/2016/SVG/main" xmlns="" r:embed="rId3"/>
+                  <asvg:svgBlip xmlns="" xmlns:asvg="http://schemas.microsoft.com/office/drawing/2016/SVG/main" r:embed="rId3"/>
                 </a:ext>
               </a:extLst>
             </a:blip>
@@ -3561,7 +3476,7 @@
                   <a14:useLocalDpi xmlns:a14="http://schemas.microsoft.com/office/drawing/2010/main" val="0"/>
                 </a:ext>
                 <a:ext uri="{96DAC541-7B7A-43D3-8B79-37D633B846F1}">
-                  <asvg:svgBlip xmlns:asvg="http://schemas.microsoft.com/office/drawing/2016/SVG/main" xmlns="" r:embed="rId3"/>
+                  <asvg:svgBlip xmlns="" xmlns:asvg="http://schemas.microsoft.com/office/drawing/2016/SVG/main" r:embed="rId3"/>
                 </a:ext>
               </a:extLst>
             </a:blip>
@@ -3835,7 +3750,7 @@
             <a:pPr rtl="0"/>
             <a:fld id="{A1794419-A28C-4EDB-8F38-9C37AFF16850}" type="datetime1">
               <a:rPr lang="ru-RU" noProof="0" smtClean="0"/>
-              <a:t>27.11.2020</a:t>
+              <a:t>29.11.2020</a:t>
             </a:fld>
             <a:endParaRPr lang="ru-RU" noProof="0" dirty="0"/>
           </a:p>
@@ -3969,7 +3884,7 @@
                   <a14:useLocalDpi xmlns:a14="http://schemas.microsoft.com/office/drawing/2010/main" val="0"/>
                 </a:ext>
                 <a:ext uri="{96DAC541-7B7A-43D3-8B79-37D633B846F1}">
-                  <asvg:svgBlip xmlns:asvg="http://schemas.microsoft.com/office/drawing/2016/SVG/main" xmlns="" r:embed="rId3"/>
+                  <asvg:svgBlip xmlns="" xmlns:asvg="http://schemas.microsoft.com/office/drawing/2016/SVG/main" r:embed="rId3"/>
                 </a:ext>
               </a:extLst>
             </a:blip>
@@ -4007,7 +3922,7 @@
                   <a14:useLocalDpi xmlns:a14="http://schemas.microsoft.com/office/drawing/2010/main" val="0"/>
                 </a:ext>
                 <a:ext uri="{96DAC541-7B7A-43D3-8B79-37D633B846F1}">
-                  <asvg:svgBlip xmlns:asvg="http://schemas.microsoft.com/office/drawing/2016/SVG/main" xmlns="" r:embed="rId3"/>
+                  <asvg:svgBlip xmlns="" xmlns:asvg="http://schemas.microsoft.com/office/drawing/2016/SVG/main" r:embed="rId3"/>
                 </a:ext>
               </a:extLst>
             </a:blip>
@@ -4046,7 +3961,7 @@
                   <a14:useLocalDpi xmlns:a14="http://schemas.microsoft.com/office/drawing/2010/main" val="0"/>
                 </a:ext>
                 <a:ext uri="{96DAC541-7B7A-43D3-8B79-37D633B846F1}">
-                  <asvg:svgBlip xmlns:asvg="http://schemas.microsoft.com/office/drawing/2016/SVG/main" xmlns="" r:embed="rId3"/>
+                  <asvg:svgBlip xmlns="" xmlns:asvg="http://schemas.microsoft.com/office/drawing/2016/SVG/main" r:embed="rId3"/>
                 </a:ext>
               </a:extLst>
             </a:blip>
@@ -4085,7 +4000,7 @@
                   <a14:useLocalDpi xmlns:a14="http://schemas.microsoft.com/office/drawing/2010/main" val="0"/>
                 </a:ext>
                 <a:ext uri="{96DAC541-7B7A-43D3-8B79-37D633B846F1}">
-                  <asvg:svgBlip xmlns:asvg="http://schemas.microsoft.com/office/drawing/2016/SVG/main" xmlns="" r:embed="rId3"/>
+                  <asvg:svgBlip xmlns="" xmlns:asvg="http://schemas.microsoft.com/office/drawing/2016/SVG/main" r:embed="rId3"/>
                 </a:ext>
               </a:extLst>
             </a:blip>
@@ -4428,7 +4343,7 @@
             <a:pPr rtl="0"/>
             <a:fld id="{A47CA3C0-BA25-49FE-9954-25288131DA86}" type="datetime1">
               <a:rPr lang="ru-RU" noProof="0" smtClean="0"/>
-              <a:t>27.11.2020</a:t>
+              <a:t>29.11.2020</a:t>
             </a:fld>
             <a:endParaRPr lang="ru-RU" noProof="0" dirty="0"/>
           </a:p>
@@ -4794,7 +4709,7 @@
                   <a14:useLocalDpi xmlns:a14="http://schemas.microsoft.com/office/drawing/2010/main" val="0"/>
                 </a:ext>
                 <a:ext uri="{96DAC541-7B7A-43D3-8B79-37D633B846F1}">
-                  <asvg:svgBlip xmlns:asvg="http://schemas.microsoft.com/office/drawing/2016/SVG/main" xmlns="" r:embed="rId3"/>
+                  <asvg:svgBlip xmlns="" xmlns:asvg="http://schemas.microsoft.com/office/drawing/2016/SVG/main" r:embed="rId3"/>
                 </a:ext>
               </a:extLst>
             </a:blip>
@@ -4832,7 +4747,7 @@
                   <a14:useLocalDpi xmlns:a14="http://schemas.microsoft.com/office/drawing/2010/main" val="0"/>
                 </a:ext>
                 <a:ext uri="{96DAC541-7B7A-43D3-8B79-37D633B846F1}">
-                  <asvg:svgBlip xmlns:asvg="http://schemas.microsoft.com/office/drawing/2016/SVG/main" xmlns="" r:embed="rId3"/>
+                  <asvg:svgBlip xmlns="" xmlns:asvg="http://schemas.microsoft.com/office/drawing/2016/SVG/main" r:embed="rId3"/>
                 </a:ext>
               </a:extLst>
             </a:blip>
@@ -4871,7 +4786,7 @@
                   <a14:useLocalDpi xmlns:a14="http://schemas.microsoft.com/office/drawing/2010/main" val="0"/>
                 </a:ext>
                 <a:ext uri="{96DAC541-7B7A-43D3-8B79-37D633B846F1}">
-                  <asvg:svgBlip xmlns:asvg="http://schemas.microsoft.com/office/drawing/2016/SVG/main" xmlns="" r:embed="rId3"/>
+                  <asvg:svgBlip xmlns="" xmlns:asvg="http://schemas.microsoft.com/office/drawing/2016/SVG/main" r:embed="rId3"/>
                 </a:ext>
               </a:extLst>
             </a:blip>
@@ -4910,7 +4825,7 @@
                   <a14:useLocalDpi xmlns:a14="http://schemas.microsoft.com/office/drawing/2010/main" val="0"/>
                 </a:ext>
                 <a:ext uri="{96DAC541-7B7A-43D3-8B79-37D633B846F1}">
-                  <asvg:svgBlip xmlns:asvg="http://schemas.microsoft.com/office/drawing/2016/SVG/main" xmlns="" r:embed="rId3"/>
+                  <asvg:svgBlip xmlns="" xmlns:asvg="http://schemas.microsoft.com/office/drawing/2016/SVG/main" r:embed="rId3"/>
                 </a:ext>
               </a:extLst>
             </a:blip>
@@ -4949,7 +4864,7 @@
                   <a14:useLocalDpi xmlns:a14="http://schemas.microsoft.com/office/drawing/2010/main" val="0"/>
                 </a:ext>
                 <a:ext uri="{96DAC541-7B7A-43D3-8B79-37D633B846F1}">
-                  <asvg:svgBlip xmlns:asvg="http://schemas.microsoft.com/office/drawing/2016/SVG/main" xmlns="" r:embed="rId3"/>
+                  <asvg:svgBlip xmlns="" xmlns:asvg="http://schemas.microsoft.com/office/drawing/2016/SVG/main" r:embed="rId3"/>
                 </a:ext>
               </a:extLst>
             </a:blip>
@@ -5205,7 +5120,7 @@
             <a:pPr rtl="0"/>
             <a:fld id="{D5E5F78F-9D46-4F2C-BD6F-D7C29B5C0995}" type="datetime1">
               <a:rPr lang="ru-RU" noProof="0" smtClean="0"/>
-              <a:t>27.11.2020</a:t>
+              <a:t>29.11.2020</a:t>
             </a:fld>
             <a:endParaRPr lang="ru-RU" noProof="0" dirty="0"/>
           </a:p>
@@ -5344,7 +5259,7 @@
                   <a14:useLocalDpi xmlns:a14="http://schemas.microsoft.com/office/drawing/2010/main" val="0"/>
                 </a:ext>
                 <a:ext uri="{96DAC541-7B7A-43D3-8B79-37D633B846F1}">
-                  <asvg:svgBlip xmlns:asvg="http://schemas.microsoft.com/office/drawing/2016/SVG/main" xmlns="" r:embed="rId3"/>
+                  <asvg:svgBlip xmlns="" xmlns:asvg="http://schemas.microsoft.com/office/drawing/2016/SVG/main" r:embed="rId3"/>
                 </a:ext>
               </a:extLst>
             </a:blip>
@@ -5382,7 +5297,7 @@
                   <a14:useLocalDpi xmlns:a14="http://schemas.microsoft.com/office/drawing/2010/main" val="0"/>
                 </a:ext>
                 <a:ext uri="{96DAC541-7B7A-43D3-8B79-37D633B846F1}">
-                  <asvg:svgBlip xmlns:asvg="http://schemas.microsoft.com/office/drawing/2016/SVG/main" xmlns="" r:embed="rId3"/>
+                  <asvg:svgBlip xmlns="" xmlns:asvg="http://schemas.microsoft.com/office/drawing/2016/SVG/main" r:embed="rId3"/>
                 </a:ext>
               </a:extLst>
             </a:blip>
@@ -5421,7 +5336,7 @@
                   <a14:useLocalDpi xmlns:a14="http://schemas.microsoft.com/office/drawing/2010/main" val="0"/>
                 </a:ext>
                 <a:ext uri="{96DAC541-7B7A-43D3-8B79-37D633B846F1}">
-                  <asvg:svgBlip xmlns:asvg="http://schemas.microsoft.com/office/drawing/2016/SVG/main" xmlns="" r:embed="rId3"/>
+                  <asvg:svgBlip xmlns="" xmlns:asvg="http://schemas.microsoft.com/office/drawing/2016/SVG/main" r:embed="rId3"/>
                 </a:ext>
               </a:extLst>
             </a:blip>
@@ -5460,7 +5375,7 @@
                   <a14:useLocalDpi xmlns:a14="http://schemas.microsoft.com/office/drawing/2010/main" val="0"/>
                 </a:ext>
                 <a:ext uri="{96DAC541-7B7A-43D3-8B79-37D633B846F1}">
-                  <asvg:svgBlip xmlns:asvg="http://schemas.microsoft.com/office/drawing/2016/SVG/main" xmlns="" r:embed="rId3"/>
+                  <asvg:svgBlip xmlns="" xmlns:asvg="http://schemas.microsoft.com/office/drawing/2016/SVG/main" r:embed="rId3"/>
                 </a:ext>
               </a:extLst>
             </a:blip>
@@ -6079,7 +5994,7 @@
             <a:pPr rtl="0"/>
             <a:fld id="{A6D7FB0F-7C69-48CD-BB58-095078AA9853}" type="datetime1">
               <a:rPr lang="ru-RU" noProof="0" smtClean="0"/>
-              <a:t>27.11.2020</a:t>
+              <a:t>29.11.2020</a:t>
             </a:fld>
             <a:endParaRPr lang="ru-RU" noProof="0" dirty="0"/>
           </a:p>
@@ -6208,7 +6123,7 @@
                   <a14:useLocalDpi xmlns:a14="http://schemas.microsoft.com/office/drawing/2010/main" val="0"/>
                 </a:ext>
                 <a:ext uri="{96DAC541-7B7A-43D3-8B79-37D633B846F1}">
-                  <asvg:svgBlip xmlns:asvg="http://schemas.microsoft.com/office/drawing/2016/SVG/main" xmlns="" r:embed="rId3"/>
+                  <asvg:svgBlip xmlns="" xmlns:asvg="http://schemas.microsoft.com/office/drawing/2016/SVG/main" r:embed="rId3"/>
                 </a:ext>
               </a:extLst>
             </a:blip>
@@ -6246,7 +6161,7 @@
                   <a14:useLocalDpi xmlns:a14="http://schemas.microsoft.com/office/drawing/2010/main" val="0"/>
                 </a:ext>
                 <a:ext uri="{96DAC541-7B7A-43D3-8B79-37D633B846F1}">
-                  <asvg:svgBlip xmlns:asvg="http://schemas.microsoft.com/office/drawing/2016/SVG/main" xmlns="" r:embed="rId3"/>
+                  <asvg:svgBlip xmlns="" xmlns:asvg="http://schemas.microsoft.com/office/drawing/2016/SVG/main" r:embed="rId3"/>
                 </a:ext>
               </a:extLst>
             </a:blip>
@@ -6285,7 +6200,7 @@
                   <a14:useLocalDpi xmlns:a14="http://schemas.microsoft.com/office/drawing/2010/main" val="0"/>
                 </a:ext>
                 <a:ext uri="{96DAC541-7B7A-43D3-8B79-37D633B846F1}">
-                  <asvg:svgBlip xmlns:asvg="http://schemas.microsoft.com/office/drawing/2016/SVG/main" xmlns="" r:embed="rId3"/>
+                  <asvg:svgBlip xmlns="" xmlns:asvg="http://schemas.microsoft.com/office/drawing/2016/SVG/main" r:embed="rId3"/>
                 </a:ext>
               </a:extLst>
             </a:blip>
@@ -6324,7 +6239,7 @@
                   <a14:useLocalDpi xmlns:a14="http://schemas.microsoft.com/office/drawing/2010/main" val="0"/>
                 </a:ext>
                 <a:ext uri="{96DAC541-7B7A-43D3-8B79-37D633B846F1}">
-                  <asvg:svgBlip xmlns:asvg="http://schemas.microsoft.com/office/drawing/2016/SVG/main" xmlns="" r:embed="rId3"/>
+                  <asvg:svgBlip xmlns="" xmlns:asvg="http://schemas.microsoft.com/office/drawing/2016/SVG/main" r:embed="rId3"/>
                 </a:ext>
               </a:extLst>
             </a:blip>
@@ -6363,7 +6278,7 @@
                   <a14:useLocalDpi xmlns:a14="http://schemas.microsoft.com/office/drawing/2010/main" val="0"/>
                 </a:ext>
                 <a:ext uri="{96DAC541-7B7A-43D3-8B79-37D633B846F1}">
-                  <asvg:svgBlip xmlns:asvg="http://schemas.microsoft.com/office/drawing/2016/SVG/main" xmlns="" r:embed="rId3"/>
+                  <asvg:svgBlip xmlns="" xmlns:asvg="http://schemas.microsoft.com/office/drawing/2016/SVG/main" r:embed="rId3"/>
                 </a:ext>
               </a:extLst>
             </a:blip>
@@ -6551,7 +6466,7 @@
             <a:pPr rtl="0"/>
             <a:fld id="{95E0CC53-ACCE-429F-8F1D-1DAEC546233C}" type="datetime1">
               <a:rPr lang="ru-RU" noProof="0" smtClean="0"/>
-              <a:t>27.11.2020</a:t>
+              <a:t>29.11.2020</a:t>
             </a:fld>
             <a:endParaRPr lang="ru-RU" noProof="0" dirty="0"/>
           </a:p>
@@ -7169,7 +7084,7 @@
                   <a14:useLocalDpi xmlns:a14="http://schemas.microsoft.com/office/drawing/2010/main" val="0"/>
                 </a:ext>
                 <a:ext uri="{96DAC541-7B7A-43D3-8B79-37D633B846F1}">
-                  <asvg:svgBlip xmlns:asvg="http://schemas.microsoft.com/office/drawing/2016/SVG/main" xmlns="" r:embed="rId3"/>
+                  <asvg:svgBlip xmlns="" xmlns:asvg="http://schemas.microsoft.com/office/drawing/2016/SVG/main" r:embed="rId3"/>
                 </a:ext>
               </a:extLst>
             </a:blip>
@@ -7207,7 +7122,7 @@
                   <a14:useLocalDpi xmlns:a14="http://schemas.microsoft.com/office/drawing/2010/main" val="0"/>
                 </a:ext>
                 <a:ext uri="{96DAC541-7B7A-43D3-8B79-37D633B846F1}">
-                  <asvg:svgBlip xmlns:asvg="http://schemas.microsoft.com/office/drawing/2016/SVG/main" xmlns="" r:embed="rId3"/>
+                  <asvg:svgBlip xmlns="" xmlns:asvg="http://schemas.microsoft.com/office/drawing/2016/SVG/main" r:embed="rId3"/>
                 </a:ext>
               </a:extLst>
             </a:blip>
@@ -7246,7 +7161,7 @@
                   <a14:useLocalDpi xmlns:a14="http://schemas.microsoft.com/office/drawing/2010/main" val="0"/>
                 </a:ext>
                 <a:ext uri="{96DAC541-7B7A-43D3-8B79-37D633B846F1}">
-                  <asvg:svgBlip xmlns:asvg="http://schemas.microsoft.com/office/drawing/2016/SVG/main" xmlns="" r:embed="rId3"/>
+                  <asvg:svgBlip xmlns="" xmlns:asvg="http://schemas.microsoft.com/office/drawing/2016/SVG/main" r:embed="rId3"/>
                 </a:ext>
               </a:extLst>
             </a:blip>
@@ -7285,7 +7200,7 @@
                   <a14:useLocalDpi xmlns:a14="http://schemas.microsoft.com/office/drawing/2010/main" val="0"/>
                 </a:ext>
                 <a:ext uri="{96DAC541-7B7A-43D3-8B79-37D633B846F1}">
-                  <asvg:svgBlip xmlns:asvg="http://schemas.microsoft.com/office/drawing/2016/SVG/main" xmlns="" r:embed="rId3"/>
+                  <asvg:svgBlip xmlns="" xmlns:asvg="http://schemas.microsoft.com/office/drawing/2016/SVG/main" r:embed="rId3"/>
                 </a:ext>
               </a:extLst>
             </a:blip>
@@ -8144,7 +8059,7 @@
             <a:pPr rtl="0"/>
             <a:fld id="{7842E129-06A7-4AFC-94A4-3F7580A4770F}" type="datetime1">
               <a:rPr lang="ru-RU" noProof="0" smtClean="0"/>
-              <a:t>27.11.2020</a:t>
+              <a:t>29.11.2020</a:t>
             </a:fld>
             <a:endParaRPr lang="ru-RU" noProof="0" dirty="0"/>
           </a:p>
@@ -8352,7 +8267,7 @@
                   <a14:useLocalDpi xmlns:a14="http://schemas.microsoft.com/office/drawing/2010/main" val="0"/>
                 </a:ext>
                 <a:ext uri="{96DAC541-7B7A-43D3-8B79-37D633B846F1}">
-                  <asvg:svgBlip xmlns:asvg="http://schemas.microsoft.com/office/drawing/2016/SVG/main" xmlns="" r:embed="rId3"/>
+                  <asvg:svgBlip xmlns="" xmlns:asvg="http://schemas.microsoft.com/office/drawing/2016/SVG/main" r:embed="rId3"/>
                 </a:ext>
               </a:extLst>
             </a:blip>
@@ -8390,7 +8305,7 @@
                   <a14:useLocalDpi xmlns:a14="http://schemas.microsoft.com/office/drawing/2010/main" val="0"/>
                 </a:ext>
                 <a:ext uri="{96DAC541-7B7A-43D3-8B79-37D633B846F1}">
-                  <asvg:svgBlip xmlns:asvg="http://schemas.microsoft.com/office/drawing/2016/SVG/main" xmlns="" r:embed="rId3"/>
+                  <asvg:svgBlip xmlns="" xmlns:asvg="http://schemas.microsoft.com/office/drawing/2016/SVG/main" r:embed="rId3"/>
                 </a:ext>
               </a:extLst>
             </a:blip>
@@ -8429,7 +8344,7 @@
                   <a14:useLocalDpi xmlns:a14="http://schemas.microsoft.com/office/drawing/2010/main" val="0"/>
                 </a:ext>
                 <a:ext uri="{96DAC541-7B7A-43D3-8B79-37D633B846F1}">
-                  <asvg:svgBlip xmlns:asvg="http://schemas.microsoft.com/office/drawing/2016/SVG/main" xmlns="" r:embed="rId3"/>
+                  <asvg:svgBlip xmlns="" xmlns:asvg="http://schemas.microsoft.com/office/drawing/2016/SVG/main" r:embed="rId3"/>
                 </a:ext>
               </a:extLst>
             </a:blip>
@@ -8468,7 +8383,7 @@
                   <a14:useLocalDpi xmlns:a14="http://schemas.microsoft.com/office/drawing/2010/main" val="0"/>
                 </a:ext>
                 <a:ext uri="{96DAC541-7B7A-43D3-8B79-37D633B846F1}">
-                  <asvg:svgBlip xmlns:asvg="http://schemas.microsoft.com/office/drawing/2016/SVG/main" xmlns="" r:embed="rId3"/>
+                  <asvg:svgBlip xmlns="" xmlns:asvg="http://schemas.microsoft.com/office/drawing/2016/SVG/main" r:embed="rId3"/>
                 </a:ext>
               </a:extLst>
             </a:blip>
@@ -8668,7 +8583,7 @@
             <a:pPr rtl="0"/>
             <a:fld id="{319E251A-C5C0-4504-9052-0D643F118318}" type="datetime1">
               <a:rPr lang="ru-RU" noProof="0" smtClean="0"/>
-              <a:t>27.11.2020</a:t>
+              <a:t>29.11.2020</a:t>
             </a:fld>
             <a:endParaRPr lang="ru-RU" noProof="0" dirty="0"/>
           </a:p>
@@ -9034,7 +8949,7 @@
                   <a14:useLocalDpi xmlns:a14="http://schemas.microsoft.com/office/drawing/2010/main" val="0"/>
                 </a:ext>
                 <a:ext uri="{96DAC541-7B7A-43D3-8B79-37D633B846F1}">
-                  <asvg:svgBlip xmlns:asvg="http://schemas.microsoft.com/office/drawing/2016/SVG/main" xmlns="" r:embed="rId3"/>
+                  <asvg:svgBlip xmlns="" xmlns:asvg="http://schemas.microsoft.com/office/drawing/2016/SVG/main" r:embed="rId3"/>
                 </a:ext>
               </a:extLst>
             </a:blip>
@@ -9072,7 +8987,7 @@
                   <a14:useLocalDpi xmlns:a14="http://schemas.microsoft.com/office/drawing/2010/main" val="0"/>
                 </a:ext>
                 <a:ext uri="{96DAC541-7B7A-43D3-8B79-37D633B846F1}">
-                  <asvg:svgBlip xmlns:asvg="http://schemas.microsoft.com/office/drawing/2016/SVG/main" xmlns="" r:embed="rId3"/>
+                  <asvg:svgBlip xmlns="" xmlns:asvg="http://schemas.microsoft.com/office/drawing/2016/SVG/main" r:embed="rId3"/>
                 </a:ext>
               </a:extLst>
             </a:blip>
@@ -9111,7 +9026,7 @@
                   <a14:useLocalDpi xmlns:a14="http://schemas.microsoft.com/office/drawing/2010/main" val="0"/>
                 </a:ext>
                 <a:ext uri="{96DAC541-7B7A-43D3-8B79-37D633B846F1}">
-                  <asvg:svgBlip xmlns:asvg="http://schemas.microsoft.com/office/drawing/2016/SVG/main" xmlns="" r:embed="rId3"/>
+                  <asvg:svgBlip xmlns="" xmlns:asvg="http://schemas.microsoft.com/office/drawing/2016/SVG/main" r:embed="rId3"/>
                 </a:ext>
               </a:extLst>
             </a:blip>
@@ -9150,7 +9065,7 @@
                   <a14:useLocalDpi xmlns:a14="http://schemas.microsoft.com/office/drawing/2010/main" val="0"/>
                 </a:ext>
                 <a:ext uri="{96DAC541-7B7A-43D3-8B79-37D633B846F1}">
-                  <asvg:svgBlip xmlns:asvg="http://schemas.microsoft.com/office/drawing/2016/SVG/main" xmlns="" r:embed="rId3"/>
+                  <asvg:svgBlip xmlns="" xmlns:asvg="http://schemas.microsoft.com/office/drawing/2016/SVG/main" r:embed="rId3"/>
                 </a:ext>
               </a:extLst>
             </a:blip>
@@ -9189,7 +9104,7 @@
                   <a14:useLocalDpi xmlns:a14="http://schemas.microsoft.com/office/drawing/2010/main" val="0"/>
                 </a:ext>
                 <a:ext uri="{96DAC541-7B7A-43D3-8B79-37D633B846F1}">
-                  <asvg:svgBlip xmlns:asvg="http://schemas.microsoft.com/office/drawing/2016/SVG/main" xmlns="" r:embed="rId3"/>
+                  <asvg:svgBlip xmlns="" xmlns:asvg="http://schemas.microsoft.com/office/drawing/2016/SVG/main" r:embed="rId3"/>
                 </a:ext>
               </a:extLst>
             </a:blip>
@@ -9521,7 +9436,7 @@
             <a:pPr rtl="0"/>
             <a:fld id="{00B8BC9F-1804-4FF3-9E20-A0E015F19291}" type="datetime1">
               <a:rPr lang="ru-RU" noProof="0" smtClean="0"/>
-              <a:t>27.11.2020</a:t>
+              <a:t>29.11.2020</a:t>
             </a:fld>
             <a:endParaRPr lang="ru-RU" noProof="0" dirty="0"/>
           </a:p>
@@ -9655,7 +9570,7 @@
                   <a14:useLocalDpi xmlns:a14="http://schemas.microsoft.com/office/drawing/2010/main" val="0"/>
                 </a:ext>
                 <a:ext uri="{96DAC541-7B7A-43D3-8B79-37D633B846F1}">
-                  <asvg:svgBlip xmlns:asvg="http://schemas.microsoft.com/office/drawing/2016/SVG/main" xmlns="" r:embed="rId3"/>
+                  <asvg:svgBlip xmlns="" xmlns:asvg="http://schemas.microsoft.com/office/drawing/2016/SVG/main" r:embed="rId3"/>
                 </a:ext>
               </a:extLst>
             </a:blip>
@@ -9693,7 +9608,7 @@
                   <a14:useLocalDpi xmlns:a14="http://schemas.microsoft.com/office/drawing/2010/main" val="0"/>
                 </a:ext>
                 <a:ext uri="{96DAC541-7B7A-43D3-8B79-37D633B846F1}">
-                  <asvg:svgBlip xmlns:asvg="http://schemas.microsoft.com/office/drawing/2016/SVG/main" xmlns="" r:embed="rId3"/>
+                  <asvg:svgBlip xmlns="" xmlns:asvg="http://schemas.microsoft.com/office/drawing/2016/SVG/main" r:embed="rId3"/>
                 </a:ext>
               </a:extLst>
             </a:blip>
@@ -9732,7 +9647,7 @@
                   <a14:useLocalDpi xmlns:a14="http://schemas.microsoft.com/office/drawing/2010/main" val="0"/>
                 </a:ext>
                 <a:ext uri="{96DAC541-7B7A-43D3-8B79-37D633B846F1}">
-                  <asvg:svgBlip xmlns:asvg="http://schemas.microsoft.com/office/drawing/2016/SVG/main" xmlns="" r:embed="rId3"/>
+                  <asvg:svgBlip xmlns="" xmlns:asvg="http://schemas.microsoft.com/office/drawing/2016/SVG/main" r:embed="rId3"/>
                 </a:ext>
               </a:extLst>
             </a:blip>
@@ -9771,7 +9686,7 @@
                   <a14:useLocalDpi xmlns:a14="http://schemas.microsoft.com/office/drawing/2010/main" val="0"/>
                 </a:ext>
                 <a:ext uri="{96DAC541-7B7A-43D3-8B79-37D633B846F1}">
-                  <asvg:svgBlip xmlns:asvg="http://schemas.microsoft.com/office/drawing/2016/SVG/main" xmlns="" r:embed="rId3"/>
+                  <asvg:svgBlip xmlns="" xmlns:asvg="http://schemas.microsoft.com/office/drawing/2016/SVG/main" r:embed="rId3"/>
                 </a:ext>
               </a:extLst>
             </a:blip>
@@ -10085,7 +10000,7 @@
             <a:pPr rtl="0"/>
             <a:fld id="{158E6915-CF68-40C4-847A-0EA80C190CCE}" type="datetime1">
               <a:rPr lang="ru-RU" noProof="0" smtClean="0"/>
-              <a:t>27.11.2020</a:t>
+              <a:t>29.11.2020</a:t>
             </a:fld>
             <a:endParaRPr lang="ru-RU" noProof="0" dirty="0"/>
           </a:p>
@@ -10214,7 +10129,7 @@
                   <a14:useLocalDpi xmlns:a14="http://schemas.microsoft.com/office/drawing/2010/main" val="0"/>
                 </a:ext>
                 <a:ext uri="{96DAC541-7B7A-43D3-8B79-37D633B846F1}">
-                  <asvg:svgBlip xmlns:asvg="http://schemas.microsoft.com/office/drawing/2016/SVG/main" xmlns="" r:embed="rId3"/>
+                  <asvg:svgBlip xmlns="" xmlns:asvg="http://schemas.microsoft.com/office/drawing/2016/SVG/main" r:embed="rId3"/>
                 </a:ext>
               </a:extLst>
             </a:blip>
@@ -10252,7 +10167,7 @@
                   <a14:useLocalDpi xmlns:a14="http://schemas.microsoft.com/office/drawing/2010/main" val="0"/>
                 </a:ext>
                 <a:ext uri="{96DAC541-7B7A-43D3-8B79-37D633B846F1}">
-                  <asvg:svgBlip xmlns:asvg="http://schemas.microsoft.com/office/drawing/2016/SVG/main" xmlns="" r:embed="rId3"/>
+                  <asvg:svgBlip xmlns="" xmlns:asvg="http://schemas.microsoft.com/office/drawing/2016/SVG/main" r:embed="rId3"/>
                 </a:ext>
               </a:extLst>
             </a:blip>
@@ -10291,7 +10206,7 @@
                   <a14:useLocalDpi xmlns:a14="http://schemas.microsoft.com/office/drawing/2010/main" val="0"/>
                 </a:ext>
                 <a:ext uri="{96DAC541-7B7A-43D3-8B79-37D633B846F1}">
-                  <asvg:svgBlip xmlns:asvg="http://schemas.microsoft.com/office/drawing/2016/SVG/main" xmlns="" r:embed="rId3"/>
+                  <asvg:svgBlip xmlns="" xmlns:asvg="http://schemas.microsoft.com/office/drawing/2016/SVG/main" r:embed="rId3"/>
                 </a:ext>
               </a:extLst>
             </a:blip>
@@ -10330,7 +10245,7 @@
                   <a14:useLocalDpi xmlns:a14="http://schemas.microsoft.com/office/drawing/2010/main" val="0"/>
                 </a:ext>
                 <a:ext uri="{96DAC541-7B7A-43D3-8B79-37D633B846F1}">
-                  <asvg:svgBlip xmlns:asvg="http://schemas.microsoft.com/office/drawing/2016/SVG/main" xmlns="" r:embed="rId3"/>
+                  <asvg:svgBlip xmlns="" xmlns:asvg="http://schemas.microsoft.com/office/drawing/2016/SVG/main" r:embed="rId3"/>
                 </a:ext>
               </a:extLst>
             </a:blip>
@@ -10369,7 +10284,7 @@
                   <a14:useLocalDpi xmlns:a14="http://schemas.microsoft.com/office/drawing/2010/main" val="0"/>
                 </a:ext>
                 <a:ext uri="{96DAC541-7B7A-43D3-8B79-37D633B846F1}">
-                  <asvg:svgBlip xmlns:asvg="http://schemas.microsoft.com/office/drawing/2016/SVG/main" xmlns="" r:embed="rId3"/>
+                  <asvg:svgBlip xmlns="" xmlns:asvg="http://schemas.microsoft.com/office/drawing/2016/SVG/main" r:embed="rId3"/>
                 </a:ext>
               </a:extLst>
             </a:blip>
@@ -10686,7 +10601,7 @@
             <a:pPr rtl="0"/>
             <a:fld id="{1C953673-56B5-4EA3-8F30-1C5A6A2AF000}" type="datetime1">
               <a:rPr lang="ru-RU" noProof="0" smtClean="0"/>
-              <a:t>27.11.2020</a:t>
+              <a:t>29.11.2020</a:t>
             </a:fld>
             <a:endParaRPr lang="ru-RU" noProof="0" dirty="0"/>
           </a:p>
@@ -10825,7 +10740,7 @@
                   <a14:useLocalDpi xmlns:a14="http://schemas.microsoft.com/office/drawing/2010/main" val="0"/>
                 </a:ext>
                 <a:ext uri="{96DAC541-7B7A-43D3-8B79-37D633B846F1}">
-                  <asvg:svgBlip xmlns:asvg="http://schemas.microsoft.com/office/drawing/2016/SVG/main" xmlns="" r:embed="rId3"/>
+                  <asvg:svgBlip xmlns="" xmlns:asvg="http://schemas.microsoft.com/office/drawing/2016/SVG/main" r:embed="rId3"/>
                 </a:ext>
               </a:extLst>
             </a:blip>
@@ -10863,7 +10778,7 @@
                   <a14:useLocalDpi xmlns:a14="http://schemas.microsoft.com/office/drawing/2010/main" val="0"/>
                 </a:ext>
                 <a:ext uri="{96DAC541-7B7A-43D3-8B79-37D633B846F1}">
-                  <asvg:svgBlip xmlns:asvg="http://schemas.microsoft.com/office/drawing/2016/SVG/main" xmlns="" r:embed="rId3"/>
+                  <asvg:svgBlip xmlns="" xmlns:asvg="http://schemas.microsoft.com/office/drawing/2016/SVG/main" r:embed="rId3"/>
                 </a:ext>
               </a:extLst>
             </a:blip>
@@ -10902,7 +10817,7 @@
                   <a14:useLocalDpi xmlns:a14="http://schemas.microsoft.com/office/drawing/2010/main" val="0"/>
                 </a:ext>
                 <a:ext uri="{96DAC541-7B7A-43D3-8B79-37D633B846F1}">
-                  <asvg:svgBlip xmlns:asvg="http://schemas.microsoft.com/office/drawing/2016/SVG/main" xmlns="" r:embed="rId3"/>
+                  <asvg:svgBlip xmlns="" xmlns:asvg="http://schemas.microsoft.com/office/drawing/2016/SVG/main" r:embed="rId3"/>
                 </a:ext>
               </a:extLst>
             </a:blip>
@@ -10941,7 +10856,7 @@
                   <a14:useLocalDpi xmlns:a14="http://schemas.microsoft.com/office/drawing/2010/main" val="0"/>
                 </a:ext>
                 <a:ext uri="{96DAC541-7B7A-43D3-8B79-37D633B846F1}">
-                  <asvg:svgBlip xmlns:asvg="http://schemas.microsoft.com/office/drawing/2016/SVG/main" xmlns="" r:embed="rId3"/>
+                  <asvg:svgBlip xmlns="" xmlns:asvg="http://schemas.microsoft.com/office/drawing/2016/SVG/main" r:embed="rId3"/>
                 </a:ext>
               </a:extLst>
             </a:blip>
@@ -10980,7 +10895,7 @@
                   <a14:useLocalDpi xmlns:a14="http://schemas.microsoft.com/office/drawing/2010/main" val="0"/>
                 </a:ext>
                 <a:ext uri="{96DAC541-7B7A-43D3-8B79-37D633B846F1}">
-                  <asvg:svgBlip xmlns:asvg="http://schemas.microsoft.com/office/drawing/2016/SVG/main" xmlns="" r:embed="rId3"/>
+                  <asvg:svgBlip xmlns="" xmlns:asvg="http://schemas.microsoft.com/office/drawing/2016/SVG/main" r:embed="rId3"/>
                 </a:ext>
               </a:extLst>
             </a:blip>
@@ -11429,7 +11344,7 @@
             <a:pPr rtl="0"/>
             <a:fld id="{B0D5D628-E559-4D78-A66C-06C3A7EEF17A}" type="datetime1">
               <a:rPr lang="ru-RU" noProof="0" smtClean="0"/>
-              <a:t>27.11.2020</a:t>
+              <a:t>29.11.2020</a:t>
             </a:fld>
             <a:endParaRPr lang="ru-RU" noProof="0" dirty="0"/>
           </a:p>
@@ -11558,7 +11473,7 @@
                   <a14:useLocalDpi xmlns:a14="http://schemas.microsoft.com/office/drawing/2010/main" val="0"/>
                 </a:ext>
                 <a:ext uri="{96DAC541-7B7A-43D3-8B79-37D633B846F1}">
-                  <asvg:svgBlip xmlns:asvg="http://schemas.microsoft.com/office/drawing/2016/SVG/main" xmlns="" r:embed="rId3"/>
+                  <asvg:svgBlip xmlns="" xmlns:asvg="http://schemas.microsoft.com/office/drawing/2016/SVG/main" r:embed="rId3"/>
                 </a:ext>
               </a:extLst>
             </a:blip>
@@ -11596,7 +11511,7 @@
                   <a14:useLocalDpi xmlns:a14="http://schemas.microsoft.com/office/drawing/2010/main" val="0"/>
                 </a:ext>
                 <a:ext uri="{96DAC541-7B7A-43D3-8B79-37D633B846F1}">
-                  <asvg:svgBlip xmlns:asvg="http://schemas.microsoft.com/office/drawing/2016/SVG/main" xmlns="" r:embed="rId3"/>
+                  <asvg:svgBlip xmlns="" xmlns:asvg="http://schemas.microsoft.com/office/drawing/2016/SVG/main" r:embed="rId3"/>
                 </a:ext>
               </a:extLst>
             </a:blip>
@@ -11635,7 +11550,7 @@
                   <a14:useLocalDpi xmlns:a14="http://schemas.microsoft.com/office/drawing/2010/main" val="0"/>
                 </a:ext>
                 <a:ext uri="{96DAC541-7B7A-43D3-8B79-37D633B846F1}">
-                  <asvg:svgBlip xmlns:asvg="http://schemas.microsoft.com/office/drawing/2016/SVG/main" xmlns="" r:embed="rId3"/>
+                  <asvg:svgBlip xmlns="" xmlns:asvg="http://schemas.microsoft.com/office/drawing/2016/SVG/main" r:embed="rId3"/>
                 </a:ext>
               </a:extLst>
             </a:blip>
@@ -11674,7 +11589,7 @@
                   <a14:useLocalDpi xmlns:a14="http://schemas.microsoft.com/office/drawing/2010/main" val="0"/>
                 </a:ext>
                 <a:ext uri="{96DAC541-7B7A-43D3-8B79-37D633B846F1}">
-                  <asvg:svgBlip xmlns:asvg="http://schemas.microsoft.com/office/drawing/2016/SVG/main" xmlns="" r:embed="rId3"/>
+                  <asvg:svgBlip xmlns="" xmlns:asvg="http://schemas.microsoft.com/office/drawing/2016/SVG/main" r:embed="rId3"/>
                 </a:ext>
               </a:extLst>
             </a:blip>
@@ -11713,7 +11628,7 @@
                   <a14:useLocalDpi xmlns:a14="http://schemas.microsoft.com/office/drawing/2010/main" val="0"/>
                 </a:ext>
                 <a:ext uri="{96DAC541-7B7A-43D3-8B79-37D633B846F1}">
-                  <asvg:svgBlip xmlns:asvg="http://schemas.microsoft.com/office/drawing/2016/SVG/main" xmlns="" r:embed="rId3"/>
+                  <asvg:svgBlip xmlns="" xmlns:asvg="http://schemas.microsoft.com/office/drawing/2016/SVG/main" r:embed="rId3"/>
                 </a:ext>
               </a:extLst>
             </a:blip>
@@ -11900,7 +11815,7 @@
             <a:pPr rtl="0"/>
             <a:fld id="{0E5874C0-9939-4299-A6F1-96FC5CBE5794}" type="datetime1">
               <a:rPr lang="ru-RU" noProof="0" smtClean="0"/>
-              <a:t>27.11.2020</a:t>
+              <a:t>29.11.2020</a:t>
             </a:fld>
             <a:endParaRPr lang="ru-RU" noProof="0" dirty="0"/>
           </a:p>
@@ -12102,7 +12017,7 @@
                   <a14:useLocalDpi xmlns:a14="http://schemas.microsoft.com/office/drawing/2010/main" val="0"/>
                 </a:ext>
                 <a:ext uri="{96DAC541-7B7A-43D3-8B79-37D633B846F1}">
-                  <asvg:svgBlip xmlns:asvg="http://schemas.microsoft.com/office/drawing/2016/SVG/main" xmlns="" r:embed="rId3"/>
+                  <asvg:svgBlip xmlns="" xmlns:asvg="http://schemas.microsoft.com/office/drawing/2016/SVG/main" r:embed="rId3"/>
                 </a:ext>
               </a:extLst>
             </a:blip>
@@ -12140,7 +12055,7 @@
                   <a14:useLocalDpi xmlns:a14="http://schemas.microsoft.com/office/drawing/2010/main" val="0"/>
                 </a:ext>
                 <a:ext uri="{96DAC541-7B7A-43D3-8B79-37D633B846F1}">
-                  <asvg:svgBlip xmlns:asvg="http://schemas.microsoft.com/office/drawing/2016/SVG/main" xmlns="" r:embed="rId3"/>
+                  <asvg:svgBlip xmlns="" xmlns:asvg="http://schemas.microsoft.com/office/drawing/2016/SVG/main" r:embed="rId3"/>
                 </a:ext>
               </a:extLst>
             </a:blip>
@@ -12179,7 +12094,7 @@
                   <a14:useLocalDpi xmlns:a14="http://schemas.microsoft.com/office/drawing/2010/main" val="0"/>
                 </a:ext>
                 <a:ext uri="{96DAC541-7B7A-43D3-8B79-37D633B846F1}">
-                  <asvg:svgBlip xmlns:asvg="http://schemas.microsoft.com/office/drawing/2016/SVG/main" xmlns="" r:embed="rId3"/>
+                  <asvg:svgBlip xmlns="" xmlns:asvg="http://schemas.microsoft.com/office/drawing/2016/SVG/main" r:embed="rId3"/>
                 </a:ext>
               </a:extLst>
             </a:blip>
@@ -12218,7 +12133,7 @@
                   <a14:useLocalDpi xmlns:a14="http://schemas.microsoft.com/office/drawing/2010/main" val="0"/>
                 </a:ext>
                 <a:ext uri="{96DAC541-7B7A-43D3-8B79-37D633B846F1}">
-                  <asvg:svgBlip xmlns:asvg="http://schemas.microsoft.com/office/drawing/2016/SVG/main" xmlns="" r:embed="rId3"/>
+                  <asvg:svgBlip xmlns="" xmlns:asvg="http://schemas.microsoft.com/office/drawing/2016/SVG/main" r:embed="rId3"/>
                 </a:ext>
               </a:extLst>
             </a:blip>
@@ -12257,7 +12172,7 @@
                   <a14:useLocalDpi xmlns:a14="http://schemas.microsoft.com/office/drawing/2010/main" val="0"/>
                 </a:ext>
                 <a:ext uri="{96DAC541-7B7A-43D3-8B79-37D633B846F1}">
-                  <asvg:svgBlip xmlns:asvg="http://schemas.microsoft.com/office/drawing/2016/SVG/main" xmlns="" r:embed="rId3"/>
+                  <asvg:svgBlip xmlns="" xmlns:asvg="http://schemas.microsoft.com/office/drawing/2016/SVG/main" r:embed="rId3"/>
                 </a:ext>
               </a:extLst>
             </a:blip>
@@ -12457,7 +12372,7 @@
             <a:pPr rtl="0"/>
             <a:fld id="{E6CBC50C-F90C-4877-B7A7-F51A71B0245F}" type="datetime1">
               <a:rPr lang="ru-RU" noProof="0" smtClean="0"/>
-              <a:t>27.11.2020</a:t>
+              <a:t>29.11.2020</a:t>
             </a:fld>
             <a:endParaRPr lang="ru-RU" noProof="0" dirty="0"/>
           </a:p>
@@ -12586,7 +12501,7 @@
                   <a14:useLocalDpi xmlns:a14="http://schemas.microsoft.com/office/drawing/2010/main" val="0"/>
                 </a:ext>
                 <a:ext uri="{96DAC541-7B7A-43D3-8B79-37D633B846F1}">
-                  <asvg:svgBlip xmlns:asvg="http://schemas.microsoft.com/office/drawing/2016/SVG/main" xmlns="" r:embed="rId3"/>
+                  <asvg:svgBlip xmlns="" xmlns:asvg="http://schemas.microsoft.com/office/drawing/2016/SVG/main" r:embed="rId3"/>
                 </a:ext>
               </a:extLst>
             </a:blip>
@@ -12624,7 +12539,7 @@
                   <a14:useLocalDpi xmlns:a14="http://schemas.microsoft.com/office/drawing/2010/main" val="0"/>
                 </a:ext>
                 <a:ext uri="{96DAC541-7B7A-43D3-8B79-37D633B846F1}">
-                  <asvg:svgBlip xmlns:asvg="http://schemas.microsoft.com/office/drawing/2016/SVG/main" xmlns="" r:embed="rId3"/>
+                  <asvg:svgBlip xmlns="" xmlns:asvg="http://schemas.microsoft.com/office/drawing/2016/SVG/main" r:embed="rId3"/>
                 </a:ext>
               </a:extLst>
             </a:blip>
@@ -12663,7 +12578,7 @@
                   <a14:useLocalDpi xmlns:a14="http://schemas.microsoft.com/office/drawing/2010/main" val="0"/>
                 </a:ext>
                 <a:ext uri="{96DAC541-7B7A-43D3-8B79-37D633B846F1}">
-                  <asvg:svgBlip xmlns:asvg="http://schemas.microsoft.com/office/drawing/2016/SVG/main" xmlns="" r:embed="rId3"/>
+                  <asvg:svgBlip xmlns="" xmlns:asvg="http://schemas.microsoft.com/office/drawing/2016/SVG/main" r:embed="rId3"/>
                 </a:ext>
               </a:extLst>
             </a:blip>
@@ -12702,7 +12617,7 @@
                   <a14:useLocalDpi xmlns:a14="http://schemas.microsoft.com/office/drawing/2010/main" val="0"/>
                 </a:ext>
                 <a:ext uri="{96DAC541-7B7A-43D3-8B79-37D633B846F1}">
-                  <asvg:svgBlip xmlns:asvg="http://schemas.microsoft.com/office/drawing/2016/SVG/main" xmlns="" r:embed="rId3"/>
+                  <asvg:svgBlip xmlns="" xmlns:asvg="http://schemas.microsoft.com/office/drawing/2016/SVG/main" r:embed="rId3"/>
                 </a:ext>
               </a:extLst>
             </a:blip>
@@ -12807,7 +12722,7 @@
             <a:pPr rtl="0"/>
             <a:fld id="{45FFFD88-FA86-4F08-85AA-7654CCCCCB65}" type="datetime1">
               <a:rPr lang="ru-RU" noProof="0" smtClean="0"/>
-              <a:t>27.11.2020</a:t>
+              <a:t>29.11.2020</a:t>
             </a:fld>
             <a:endParaRPr lang="ru-RU" noProof="0" dirty="0"/>
           </a:p>
@@ -13079,7 +12994,7 @@
             <a:pPr rtl="0"/>
             <a:fld id="{7451D678-49A0-4EA1-BD84-3EC88371B20F}" type="datetime1">
               <a:rPr lang="ru-RU" noProof="0" smtClean="0"/>
-              <a:t>27.11.2020</a:t>
+              <a:t>29.11.2020</a:t>
             </a:fld>
             <a:endParaRPr lang="ru-RU" noProof="0" dirty="0"/>
           </a:p>
@@ -13609,7 +13524,7 @@
                 <a14:useLocalDpi xmlns:a14="http://schemas.microsoft.com/office/drawing/2010/main" val="0"/>
               </a:ext>
               <a:ext uri="{96DAC541-7B7A-43D3-8B79-37D633B846F1}">
-                <asvg:svgBlip xmlns:asvg="http://schemas.microsoft.com/office/drawing/2016/SVG/main" xmlns="" r:embed="rId4"/>
+                <asvg:svgBlip xmlns="" xmlns:asvg="http://schemas.microsoft.com/office/drawing/2016/SVG/main" r:embed="rId4"/>
               </a:ext>
             </a:extLst>
           </a:blip>
@@ -13637,6 +13552,13 @@
   <p:clrMapOvr>
     <a:masterClrMapping/>
   </p:clrMapOvr>
+  <p:timing>
+    <p:tnLst>
+      <p:par>
+        <p:cTn id="1" dur="indefinite" restart="never" nodeType="tmRoot"/>
+      </p:par>
+    </p:tnLst>
+  </p:timing>
 </p:sld>
 </file>
 
@@ -13778,7 +13700,7 @@
                 <a14:useLocalDpi xmlns:a14="http://schemas.microsoft.com/office/drawing/2010/main" val="0"/>
               </a:ext>
               <a:ext uri="{96DAC541-7B7A-43D3-8B79-37D633B846F1}">
-                <asvg:svgBlip xmlns:asvg="http://schemas.microsoft.com/office/drawing/2016/SVG/main" xmlns="" r:embed="rId4"/>
+                <asvg:svgBlip xmlns="" xmlns:asvg="http://schemas.microsoft.com/office/drawing/2016/SVG/main" r:embed="rId4"/>
               </a:ext>
             </a:extLst>
           </a:blip>
@@ -13806,6 +13728,13 @@
   <p:clrMapOvr>
     <a:masterClrMapping/>
   </p:clrMapOvr>
+  <p:timing>
+    <p:tnLst>
+      <p:par>
+        <p:cTn id="1" dur="indefinite" restart="never" nodeType="tmRoot"/>
+      </p:par>
+    </p:tnLst>
+  </p:timing>
 </p:sld>
 </file>
 
@@ -13943,7 +13872,7 @@
                 <a14:useLocalDpi xmlns:a14="http://schemas.microsoft.com/office/drawing/2010/main" val="0"/>
               </a:ext>
               <a:ext uri="{96DAC541-7B7A-43D3-8B79-37D633B846F1}">
-                <asvg:svgBlip xmlns:asvg="http://schemas.microsoft.com/office/drawing/2016/SVG/main" xmlns="" r:embed="rId4"/>
+                <asvg:svgBlip xmlns="" xmlns:asvg="http://schemas.microsoft.com/office/drawing/2016/SVG/main" r:embed="rId4"/>
               </a:ext>
             </a:extLst>
           </a:blip>
@@ -13971,6 +13900,13 @@
   <p:clrMapOvr>
     <a:masterClrMapping/>
   </p:clrMapOvr>
+  <p:timing>
+    <p:tnLst>
+      <p:par>
+        <p:cTn id="1" dur="indefinite" restart="never" nodeType="tmRoot"/>
+      </p:par>
+    </p:tnLst>
+  </p:timing>
 </p:sld>
 </file>
 
@@ -14026,8 +13962,8 @@
         </p:nvSpPr>
         <p:spPr>
           <a:xfrm>
-            <a:off x="1963795" y="2050625"/>
-            <a:ext cx="6043168" cy="1694439"/>
+            <a:off x="1963794" y="2050625"/>
+            <a:ext cx="8396755" cy="3109772"/>
           </a:xfrm>
         </p:spPr>
         <p:txBody>
@@ -14041,9 +13977,18 @@
               <a:buChar char="•"/>
             </a:pPr>
             <a:r>
-              <a:rPr lang="ru-RU" sz="3200" dirty="0" smtClean="0"/>
-              <a:t>Пул выданных объектов</a:t>
-            </a:r>
+              <a:rPr lang="ru-RU" sz="2400" dirty="0" smtClean="0"/>
+              <a:t>Пул </a:t>
+            </a:r>
+            <a:r>
+              <a:rPr lang="en-US" sz="2400" dirty="0" smtClean="0"/>
+              <a:t>(</a:t>
+            </a:r>
+            <a:r>
+              <a:rPr lang="ru-RU" sz="2400" dirty="0" smtClean="0"/>
+              <a:t>массив, стек, список) объектов</a:t>
+            </a:r>
+            <a:endParaRPr lang="en-US" sz="2400" dirty="0" smtClean="0"/>
           </a:p>
           <a:p>
             <a:pPr marL="285750" indent="-285750">
@@ -14051,10 +13996,40 @@
               <a:buChar char="•"/>
             </a:pPr>
             <a:r>
-              <a:rPr lang="ru-RU" sz="3200" dirty="0" smtClean="0"/>
-              <a:t>Пул свободных объектов</a:t>
-            </a:r>
-            <a:endParaRPr lang="ru-RU" sz="3200" dirty="0"/>
+              <a:rPr lang="ru-RU" sz="2400" dirty="0" smtClean="0"/>
+              <a:t>Опционально:</a:t>
+            </a:r>
+          </a:p>
+          <a:p>
+            <a:pPr marL="914400" lvl="1" indent="-457200">
+              <a:buFont typeface="Courier New" panose="02070309020205020404" pitchFamily="49" charset="0"/>
+              <a:buChar char="o"/>
+            </a:pPr>
+            <a:r>
+              <a:rPr lang="ru-RU" sz="2400" dirty="0" smtClean="0"/>
+              <a:t>Максимальное количество объектов пула</a:t>
+            </a:r>
+          </a:p>
+          <a:p>
+            <a:pPr marL="914400" lvl="1" indent="-457200">
+              <a:buFont typeface="Courier New" panose="02070309020205020404" pitchFamily="49" charset="0"/>
+              <a:buChar char="o"/>
+            </a:pPr>
+            <a:r>
+              <a:rPr lang="ru-RU" sz="2400" dirty="0" smtClean="0"/>
+              <a:t>Используемое количество объектов пула</a:t>
+            </a:r>
+          </a:p>
+          <a:p>
+            <a:pPr marL="914400" lvl="1" indent="-457200">
+              <a:buFont typeface="Courier New" panose="02070309020205020404" pitchFamily="49" charset="0"/>
+              <a:buChar char="o"/>
+            </a:pPr>
+            <a:r>
+              <a:rPr lang="ru-RU" sz="2400" dirty="0" smtClean="0"/>
+              <a:t>Другие модификации…</a:t>
+            </a:r>
+            <a:endParaRPr lang="ru-RU" sz="2400" dirty="0" smtClean="0"/>
           </a:p>
         </p:txBody>
       </p:sp>
@@ -14068,10 +14043,131 @@
   <p:clrMapOvr>
     <a:masterClrMapping/>
   </p:clrMapOvr>
+  <p:timing>
+    <p:tnLst>
+      <p:par>
+        <p:cTn id="1" dur="indefinite" restart="never" nodeType="tmRoot"/>
+      </p:par>
+    </p:tnLst>
+  </p:timing>
 </p:sld>
 </file>
 
 <file path=ppt/slides/slide5.xml><?xml version="1.0" encoding="utf-8"?>
+<p:sld xmlns:a="http://schemas.openxmlformats.org/drawingml/2006/main" xmlns:r="http://schemas.openxmlformats.org/officeDocument/2006/relationships" xmlns:p="http://schemas.openxmlformats.org/presentationml/2006/main">
+  <p:cSld>
+    <p:spTree>
+      <p:nvGrpSpPr>
+        <p:cNvPr id="1" name=""/>
+        <p:cNvGrpSpPr/>
+        <p:nvPr/>
+      </p:nvGrpSpPr>
+      <p:grpSpPr>
+        <a:xfrm>
+          <a:off x="0" y="0"/>
+          <a:ext cx="0" cy="0"/>
+          <a:chOff x="0" y="0"/>
+          <a:chExt cx="0" cy="0"/>
+        </a:xfrm>
+      </p:grpSpPr>
+      <p:sp>
+        <p:nvSpPr>
+          <p:cNvPr id="2" name="Заголовок 1"/>
+          <p:cNvSpPr>
+            <a:spLocks noGrp="1"/>
+          </p:cNvSpPr>
+          <p:nvPr>
+            <p:ph type="title"/>
+          </p:nvPr>
+        </p:nvSpPr>
+        <p:spPr/>
+        <p:txBody>
+          <a:bodyPr/>
+          <a:lstStyle/>
+          <a:p>
+            <a:r>
+              <a:rPr lang="ru-RU" dirty="0" smtClean="0"/>
+              <a:t>Способы описания</a:t>
+            </a:r>
+            <a:endParaRPr lang="ru-RU" dirty="0"/>
+          </a:p>
+        </p:txBody>
+      </p:sp>
+      <p:sp>
+        <p:nvSpPr>
+          <p:cNvPr id="3" name="Текст 2"/>
+          <p:cNvSpPr>
+            <a:spLocks noGrp="1"/>
+          </p:cNvSpPr>
+          <p:nvPr>
+            <p:ph type="body" sz="half" idx="2"/>
+          </p:nvPr>
+        </p:nvSpPr>
+        <p:spPr>
+          <a:xfrm>
+            <a:off x="1780915" y="2034724"/>
+            <a:ext cx="9358862" cy="2394154"/>
+          </a:xfrm>
+        </p:spPr>
+        <p:txBody>
+          <a:bodyPr>
+            <a:normAutofit/>
+          </a:bodyPr>
+          <a:lstStyle/>
+          <a:p>
+            <a:pPr marL="285750" indent="-285750">
+              <a:buFont typeface="Arial" panose="020B0604020202020204" pitchFamily="34" charset="0"/>
+              <a:buChar char="•"/>
+            </a:pPr>
+            <a:r>
+              <a:rPr lang="ru-RU" sz="2400" dirty="0" smtClean="0"/>
+              <a:t>Пул с фиксированным размером</a:t>
+            </a:r>
+          </a:p>
+          <a:p>
+            <a:pPr marL="285750" indent="-285750">
+              <a:buFont typeface="Arial" panose="020B0604020202020204" pitchFamily="34" charset="0"/>
+              <a:buChar char="•"/>
+            </a:pPr>
+            <a:r>
+              <a:rPr lang="ru-RU" sz="2400" dirty="0" smtClean="0"/>
+              <a:t>Заранее созданный пул</a:t>
+            </a:r>
+          </a:p>
+          <a:p>
+            <a:pPr marL="285750" indent="-285750">
+              <a:buFont typeface="Arial" panose="020B0604020202020204" pitchFamily="34" charset="0"/>
+              <a:buChar char="•"/>
+            </a:pPr>
+            <a:r>
+              <a:rPr lang="ru-RU" sz="2400" dirty="0" smtClean="0"/>
+              <a:t>Наполняемый пул</a:t>
+            </a:r>
+            <a:endParaRPr lang="ru-RU" sz="2400" dirty="0"/>
+          </a:p>
+        </p:txBody>
+      </p:sp>
+    </p:spTree>
+    <p:extLst>
+      <p:ext uri="{BB962C8B-B14F-4D97-AF65-F5344CB8AC3E}">
+        <p14:creationId xmlns:p14="http://schemas.microsoft.com/office/powerpoint/2010/main" val="1469015882"/>
+      </p:ext>
+    </p:extLst>
+  </p:cSld>
+  <p:clrMapOvr>
+    <a:masterClrMapping/>
+  </p:clrMapOvr>
+  <p:timing>
+    <p:tnLst>
+      <p:par>
+        <p:cTn id="1" dur="indefinite" restart="never" nodeType="tmRoot"/>
+      </p:par>
+    </p:tnLst>
+  </p:timing>
+</p:sld>
+</file>
+
+<file path=ppt/slides/slide6.xml><?xml version="1.0" encoding="utf-8"?>
 <p:sld xmlns:a="http://schemas.openxmlformats.org/drawingml/2006/main" xmlns:r="http://schemas.openxmlformats.org/officeDocument/2006/relationships" xmlns:p="http://schemas.openxmlformats.org/presentationml/2006/main">
   <p:cSld>
     <p:spTree>
@@ -14154,55 +14250,13 @@
   <p:clrMapOvr>
     <a:masterClrMapping/>
   </p:clrMapOvr>
-</p:sld>
-</file>
-
-<file path=ppt/slides/slide6.xml><?xml version="1.0" encoding="utf-8"?>
-<p:sld xmlns:a="http://schemas.openxmlformats.org/drawingml/2006/main" xmlns:r="http://schemas.openxmlformats.org/officeDocument/2006/relationships" xmlns:p="http://schemas.openxmlformats.org/presentationml/2006/main">
-  <p:cSld>
-    <p:spTree>
-      <p:nvGrpSpPr>
-        <p:cNvPr id="1" name=""/>
-        <p:cNvGrpSpPr/>
-        <p:nvPr/>
-      </p:nvGrpSpPr>
-      <p:grpSpPr>
-        <a:xfrm>
-          <a:off x="0" y="0"/>
-          <a:ext cx="0" cy="0"/>
-          <a:chOff x="0" y="0"/>
-          <a:chExt cx="0" cy="0"/>
-        </a:xfrm>
-      </p:grpSpPr>
-      <p:sp>
-        <p:nvSpPr>
-          <p:cNvPr id="2" name="Заголовок 1"/>
-          <p:cNvSpPr>
-            <a:spLocks noGrp="1"/>
-          </p:cNvSpPr>
-          <p:nvPr>
-            <p:ph type="title"/>
-          </p:nvPr>
-        </p:nvSpPr>
-        <p:spPr/>
-        <p:txBody>
-          <a:bodyPr/>
-          <a:lstStyle/>
-          <a:p>
-            <a:endParaRPr lang="ru-RU"/>
-          </a:p>
-        </p:txBody>
-      </p:sp>
-    </p:spTree>
-    <p:extLst>
-      <p:ext uri="{BB962C8B-B14F-4D97-AF65-F5344CB8AC3E}">
-        <p14:creationId xmlns:p14="http://schemas.microsoft.com/office/powerpoint/2010/main" val="2394598200"/>
-      </p:ext>
-    </p:extLst>
-  </p:cSld>
-  <p:clrMapOvr>
-    <a:masterClrMapping/>
-  </p:clrMapOvr>
+  <p:timing>
+    <p:tnLst>
+      <p:par>
+        <p:cTn id="1" dur="indefinite" restart="never" nodeType="tmRoot"/>
+      </p:par>
+    </p:tnLst>
+  </p:timing>
 </p:sld>
 </file>
 
@@ -14225,6 +14279,154 @@
       </p:grpSpPr>
       <p:sp>
         <p:nvSpPr>
+          <p:cNvPr id="2" name="Заголовок 1"/>
+          <p:cNvSpPr>
+            <a:spLocks noGrp="1"/>
+          </p:cNvSpPr>
+          <p:nvPr>
+            <p:ph type="title"/>
+          </p:nvPr>
+        </p:nvSpPr>
+        <p:spPr/>
+        <p:txBody>
+          <a:bodyPr/>
+          <a:lstStyle/>
+          <a:p>
+            <a:r>
+              <a:rPr lang="ru-RU" dirty="0" smtClean="0"/>
+              <a:t>Перейдем к рассмотрению практической части</a:t>
+            </a:r>
+            <a:endParaRPr lang="ru-RU" dirty="0"/>
+          </a:p>
+        </p:txBody>
+      </p:sp>
+      <p:graphicFrame>
+        <p:nvGraphicFramePr>
+          <p:cNvPr id="5" name="Объект 4"/>
+          <p:cNvGraphicFramePr>
+            <a:graphicFrameLocks noChangeAspect="1"/>
+          </p:cNvGraphicFramePr>
+          <p:nvPr>
+            <p:extLst>
+              <p:ext uri="{D42A27DB-BD31-4B8C-83A1-F6EECF244321}">
+                <p14:modId xmlns:p14="http://schemas.microsoft.com/office/powerpoint/2010/main" val="898438184"/>
+              </p:ext>
+            </p:extLst>
+          </p:nvPr>
+        </p:nvGraphicFramePr>
+        <p:xfrm>
+          <a:off x="1358430" y="2377438"/>
+          <a:ext cx="2577465" cy="4338353"/>
+        </p:xfrm>
+        <a:graphic>
+          <a:graphicData uri="http://schemas.openxmlformats.org/presentationml/2006/ole">
+            <mc:AlternateContent xmlns:mc="http://schemas.openxmlformats.org/markup-compatibility/2006">
+              <mc:Choice xmlns:v="urn:schemas-microsoft-com:vml" Requires="v">
+                <p:oleObj spid="_x0000_s1026" name="Document" r:id="rId3" imgW="5862962" imgH="9214234" progId="Word.Document.8">
+                  <p:link updateAutomatic="1"/>
+                </p:oleObj>
+              </mc:Choice>
+              <mc:Fallback>
+                <p:oleObj name="Document" r:id="rId3" imgW="5862962" imgH="9214234" progId="Word.Document.8">
+                  <p:link updateAutomatic="1"/>
+                  <p:pic>
+                    <p:nvPicPr>
+                      <p:cNvPr id="0" name=""/>
+                      <p:cNvPicPr/>
+                      <p:nvPr/>
+                    </p:nvPicPr>
+                    <p:blipFill>
+                      <a:blip r:embed="rId4">
+                        <a:lum bright="-100000" contrast="100000"/>
+                      </a:blip>
+                      <a:stretch>
+                        <a:fillRect/>
+                      </a:stretch>
+                    </p:blipFill>
+                    <p:spPr>
+                      <a:xfrm>
+                        <a:off x="1358430" y="2377438"/>
+                        <a:ext cx="2577465" cy="4338353"/>
+                      </a:xfrm>
+                      <a:prstGeom prst="rect">
+                        <a:avLst/>
+                      </a:prstGeom>
+                      <a:gradFill>
+                        <a:gsLst>
+                          <a:gs pos="0">
+                            <a:schemeClr val="accent1">
+                              <a:lumMod val="5000"/>
+                              <a:lumOff val="95000"/>
+                            </a:schemeClr>
+                          </a:gs>
+                          <a:gs pos="74000">
+                            <a:schemeClr val="accent1">
+                              <a:lumMod val="45000"/>
+                              <a:lumOff val="55000"/>
+                            </a:schemeClr>
+                          </a:gs>
+                          <a:gs pos="83000">
+                            <a:schemeClr val="accent1">
+                              <a:lumMod val="45000"/>
+                              <a:lumOff val="55000"/>
+                            </a:schemeClr>
+                          </a:gs>
+                          <a:gs pos="100000">
+                            <a:schemeClr val="accent1">
+                              <a:lumMod val="30000"/>
+                              <a:lumOff val="70000"/>
+                            </a:schemeClr>
+                          </a:gs>
+                        </a:gsLst>
+                        <a:lin ang="5400000" scaled="1"/>
+                      </a:gradFill>
+                    </p:spPr>
+                  </p:pic>
+                </p:oleObj>
+              </mc:Fallback>
+            </mc:AlternateContent>
+          </a:graphicData>
+        </a:graphic>
+      </p:graphicFrame>
+    </p:spTree>
+    <p:extLst>
+      <p:ext uri="{BB962C8B-B14F-4D97-AF65-F5344CB8AC3E}">
+        <p14:creationId xmlns:p14="http://schemas.microsoft.com/office/powerpoint/2010/main" val="548067186"/>
+      </p:ext>
+    </p:extLst>
+  </p:cSld>
+  <p:clrMapOvr>
+    <a:masterClrMapping/>
+  </p:clrMapOvr>
+  <p:timing>
+    <p:tnLst>
+      <p:par>
+        <p:cTn id="1" dur="indefinite" restart="never" nodeType="tmRoot"/>
+      </p:par>
+    </p:tnLst>
+  </p:timing>
+</p:sld>
+</file>
+
+<file path=ppt/slides/slide8.xml><?xml version="1.0" encoding="utf-8"?>
+<p:sld xmlns:a="http://schemas.openxmlformats.org/drawingml/2006/main" xmlns:r="http://schemas.openxmlformats.org/officeDocument/2006/relationships" xmlns:p="http://schemas.openxmlformats.org/presentationml/2006/main">
+  <p:cSld>
+    <p:spTree>
+      <p:nvGrpSpPr>
+        <p:cNvPr id="1" name=""/>
+        <p:cNvGrpSpPr/>
+        <p:nvPr/>
+      </p:nvGrpSpPr>
+      <p:grpSpPr>
+        <a:xfrm>
+          <a:off x="0" y="0"/>
+          <a:ext cx="0" cy="0"/>
+          <a:chOff x="0" y="0"/>
+          <a:chExt cx="0" cy="0"/>
+        </a:xfrm>
+      </p:grpSpPr>
+      <p:sp>
+        <p:nvSpPr>
           <p:cNvPr id="3" name="TextBox 2"/>
           <p:cNvSpPr txBox="1"/>
           <p:nvPr/>
@@ -14263,6 +14465,13 @@
   <p:clrMapOvr>
     <a:masterClrMapping/>
   </p:clrMapOvr>
+  <p:timing>
+    <p:tnLst>
+      <p:par>
+        <p:cTn id="1" dur="indefinite" restart="never" nodeType="tmRoot"/>
+      </p:par>
+    </p:tnLst>
+  </p:timing>
 </p:sld>
 </file>
 
@@ -15053,24 +15262,6 @@
 </file>
 
 <file path=customXml/item1.xml><?xml version="1.0" encoding="utf-8"?>
-<?mso-contentType ?>
-<FormTemplates xmlns="http://schemas.microsoft.com/sharepoint/v3/contenttype/forms">
-  <Display>DocumentLibraryForm</Display>
-  <Edit>DocumentLibraryForm</Edit>
-  <New>DocumentLibraryForm</New>
-</FormTemplates>
-</file>
-
-<file path=customXml/item2.xml><?xml version="1.0" encoding="utf-8"?>
-<p:properties xmlns:p="http://schemas.microsoft.com/office/2006/metadata/properties" xmlns:xsi="http://www.w3.org/2001/XMLSchema-instance" xmlns:pc="http://schemas.microsoft.com/office/infopath/2007/PartnerControls">
-  <documentManagement>
-    <_ip_UnifiedCompliancePolicyUIAction xmlns="http://schemas.microsoft.com/sharepoint/v3" xsi:nil="true"/>
-    <_ip_UnifiedCompliancePolicyProperties xmlns="http://schemas.microsoft.com/sharepoint/v3" xsi:nil="true"/>
-  </documentManagement>
-</p:properties>
-</file>
-
-<file path=customXml/item3.xml><?xml version="1.0" encoding="utf-8"?>
 <ct:contentTypeSchema xmlns:ct="http://schemas.microsoft.com/office/2006/metadata/contentType" xmlns:ma="http://schemas.microsoft.com/office/2006/metadata/properties/metaAttributes" ct:_="" ma:_="" ma:contentTypeName="Document" ma:contentTypeID="0x010100DEEA25CC0A0AC24199CDC46C25B8B0BC" ma:contentTypeVersion="10" ma:contentTypeDescription="Create a new document." ma:contentTypeScope="" ma:versionID="e3b47856d4cf355c0dacb39e1084d14f">
   <xsd:schema xmlns:xsd="http://www.w3.org/2001/XMLSchema" xmlns:xs="http://www.w3.org/2001/XMLSchema" xmlns:p="http://schemas.microsoft.com/office/2006/metadata/properties" xmlns:ns1="http://schemas.microsoft.com/sharepoint/v3" xmlns:ns2="6dc4bcd6-49db-4c07-9060-8acfc67cef9f" xmlns:ns3="fb0879af-3eba-417a-a55a-ffe6dcd6ca77" targetNamespace="http://schemas.microsoft.com/office/2006/metadata/properties" ma:root="true" ma:fieldsID="a845a615265fdb1f7b12cc65ac20ecbd" ns1:_="" ns2:_="" ns3:_="">
     <xsd:import namespace="http://schemas.microsoft.com/sharepoint/v3"/>
@@ -15278,10 +15469,40 @@
 </ct:contentTypeSchema>
 </file>
 
+<file path=customXml/item2.xml><?xml version="1.0" encoding="utf-8"?>
+<p:properties xmlns:p="http://schemas.microsoft.com/office/2006/metadata/properties" xmlns:xsi="http://www.w3.org/2001/XMLSchema-instance" xmlns:pc="http://schemas.microsoft.com/office/infopath/2007/PartnerControls">
+  <documentManagement>
+    <_ip_UnifiedCompliancePolicyUIAction xmlns="http://schemas.microsoft.com/sharepoint/v3" xsi:nil="true"/>
+    <_ip_UnifiedCompliancePolicyProperties xmlns="http://schemas.microsoft.com/sharepoint/v3" xsi:nil="true"/>
+  </documentManagement>
+</p:properties>
+</file>
+
+<file path=customXml/item3.xml><?xml version="1.0" encoding="utf-8"?>
+<?mso-contentType ?>
+<FormTemplates xmlns="http://schemas.microsoft.com/sharepoint/v3/contenttype/forms">
+  <Display>DocumentLibraryForm</Display>
+  <Edit>DocumentLibraryForm</Edit>
+  <New>DocumentLibraryForm</New>
+</FormTemplates>
+</file>
+
 <file path=customXml/itemProps1.xml><?xml version="1.0" encoding="utf-8"?>
-<ds:datastoreItem xmlns:ds="http://schemas.openxmlformats.org/officeDocument/2006/customXml" ds:itemID="{F5873FAD-10D7-4DE7-A029-14288C05F594}">
+<ds:datastoreItem xmlns:ds="http://schemas.openxmlformats.org/officeDocument/2006/customXml" ds:itemID="{26D6F43F-4C69-4843-A937-9D003759F974}">
   <ds:schemaRefs>
-    <ds:schemaRef ds:uri="http://schemas.microsoft.com/sharepoint/v3/contenttype/forms"/>
+    <ds:schemaRef ds:uri="http://schemas.microsoft.com/office/2006/metadata/contentType"/>
+    <ds:schemaRef ds:uri="http://schemas.microsoft.com/office/2006/metadata/properties/metaAttributes"/>
+    <ds:schemaRef ds:uri="http://www.w3.org/2001/XMLSchema"/>
+    <ds:schemaRef ds:uri="http://schemas.microsoft.com/office/2006/metadata/properties"/>
+    <ds:schemaRef ds:uri="http://schemas.microsoft.com/sharepoint/v3"/>
+    <ds:schemaRef ds:uri="6dc4bcd6-49db-4c07-9060-8acfc67cef9f"/>
+    <ds:schemaRef ds:uri="fb0879af-3eba-417a-a55a-ffe6dcd6ca77"/>
+    <ds:schemaRef ds:uri="http://schemas.microsoft.com/office/2006/documentManagement/types"/>
+    <ds:schemaRef ds:uri="http://schemas.microsoft.com/office/infopath/2007/PartnerControls"/>
+    <ds:schemaRef ds:uri="http://schemas.openxmlformats.org/package/2006/metadata/core-properties"/>
+    <ds:schemaRef ds:uri="http://purl.org/dc/elements/1.1/"/>
+    <ds:schemaRef ds:uri="http://purl.org/dc/terms/"/>
+    <ds:schemaRef ds:uri="http://schemas.microsoft.com/internal/obd"/>
   </ds:schemaRefs>
 </ds:datastoreItem>
 </file>
@@ -15305,21 +15526,9 @@
 </file>
 
 <file path=customXml/itemProps3.xml><?xml version="1.0" encoding="utf-8"?>
-<ds:datastoreItem xmlns:ds="http://schemas.openxmlformats.org/officeDocument/2006/customXml" ds:itemID="{26D6F43F-4C69-4843-A937-9D003759F974}">
+<ds:datastoreItem xmlns:ds="http://schemas.openxmlformats.org/officeDocument/2006/customXml" ds:itemID="{F5873FAD-10D7-4DE7-A029-14288C05F594}">
   <ds:schemaRefs>
-    <ds:schemaRef ds:uri="http://schemas.microsoft.com/office/2006/metadata/contentType"/>
-    <ds:schemaRef ds:uri="http://schemas.microsoft.com/office/2006/metadata/properties/metaAttributes"/>
-    <ds:schemaRef ds:uri="http://www.w3.org/2001/XMLSchema"/>
-    <ds:schemaRef ds:uri="http://schemas.microsoft.com/office/2006/metadata/properties"/>
-    <ds:schemaRef ds:uri="http://schemas.microsoft.com/sharepoint/v3"/>
-    <ds:schemaRef ds:uri="6dc4bcd6-49db-4c07-9060-8acfc67cef9f"/>
-    <ds:schemaRef ds:uri="fb0879af-3eba-417a-a55a-ffe6dcd6ca77"/>
-    <ds:schemaRef ds:uri="http://schemas.microsoft.com/office/2006/documentManagement/types"/>
-    <ds:schemaRef ds:uri="http://schemas.microsoft.com/office/infopath/2007/PartnerControls"/>
-    <ds:schemaRef ds:uri="http://schemas.openxmlformats.org/package/2006/metadata/core-properties"/>
-    <ds:schemaRef ds:uri="http://purl.org/dc/elements/1.1/"/>
-    <ds:schemaRef ds:uri="http://purl.org/dc/terms/"/>
-    <ds:schemaRef ds:uri="http://schemas.microsoft.com/internal/obd"/>
+    <ds:schemaRef ds:uri="http://schemas.microsoft.com/sharepoint/v3/contenttype/forms"/>
   </ds:schemaRefs>
 </ds:datastoreItem>
 </file>
--- a/ObjectPool.pptx
+++ b/ObjectPool.pptx
@@ -221,7 +221,7 @@
           <a:p>
             <a:fld id="{2FDDF452-7448-4852-9314-306C8A6C3119}" type="datetime1">
               <a:rPr lang="ru-RU" smtClean="0"/>
-              <a:t>29.11.2020</a:t>
+              <a:t>30.11.2020</a:t>
             </a:fld>
             <a:endParaRPr lang="ru-RU" dirty="0"/>
           </a:p>
@@ -388,7 +388,7 @@
             <a:fld id="{C2F720F1-B25C-4E3A-B0CB-A1993D0DE272}" type="datetime1">
               <a:rPr lang="ru-RU" smtClean="0"/>
               <a:pPr/>
-              <a:t>29.11.2020</a:t>
+              <a:t>30.11.2020</a:t>
             </a:fld>
             <a:endParaRPr lang="ru-RU" dirty="0"/>
           </a:p>
@@ -1301,7 +1301,7 @@
                   <a14:useLocalDpi xmlns:a14="http://schemas.microsoft.com/office/drawing/2010/main" val="0"/>
                 </a:ext>
                 <a:ext uri="{96DAC541-7B7A-43D3-8B79-37D633B846F1}">
-                  <asvg:svgBlip xmlns="" xmlns:asvg="http://schemas.microsoft.com/office/drawing/2016/SVG/main" r:embed="rId3"/>
+                  <asvg:svgBlip xmlns:asvg="http://schemas.microsoft.com/office/drawing/2016/SVG/main" xmlns="" r:embed="rId3"/>
                 </a:ext>
               </a:extLst>
             </a:blip>
@@ -1339,7 +1339,7 @@
                   <a14:useLocalDpi xmlns:a14="http://schemas.microsoft.com/office/drawing/2010/main" val="0"/>
                 </a:ext>
                 <a:ext uri="{96DAC541-7B7A-43D3-8B79-37D633B846F1}">
-                  <asvg:svgBlip xmlns="" xmlns:asvg="http://schemas.microsoft.com/office/drawing/2016/SVG/main" r:embed="rId3"/>
+                  <asvg:svgBlip xmlns:asvg="http://schemas.microsoft.com/office/drawing/2016/SVG/main" xmlns="" r:embed="rId3"/>
                 </a:ext>
               </a:extLst>
             </a:blip>
@@ -1378,7 +1378,7 @@
                   <a14:useLocalDpi xmlns:a14="http://schemas.microsoft.com/office/drawing/2010/main" val="0"/>
                 </a:ext>
                 <a:ext uri="{96DAC541-7B7A-43D3-8B79-37D633B846F1}">
-                  <asvg:svgBlip xmlns="" xmlns:asvg="http://schemas.microsoft.com/office/drawing/2016/SVG/main" r:embed="rId3"/>
+                  <asvg:svgBlip xmlns:asvg="http://schemas.microsoft.com/office/drawing/2016/SVG/main" xmlns="" r:embed="rId3"/>
                 </a:ext>
               </a:extLst>
             </a:blip>
@@ -1417,7 +1417,7 @@
                   <a14:useLocalDpi xmlns:a14="http://schemas.microsoft.com/office/drawing/2010/main" val="0"/>
                 </a:ext>
                 <a:ext uri="{96DAC541-7B7A-43D3-8B79-37D633B846F1}">
-                  <asvg:svgBlip xmlns="" xmlns:asvg="http://schemas.microsoft.com/office/drawing/2016/SVG/main" r:embed="rId3"/>
+                  <asvg:svgBlip xmlns:asvg="http://schemas.microsoft.com/office/drawing/2016/SVG/main" xmlns="" r:embed="rId3"/>
                 </a:ext>
               </a:extLst>
             </a:blip>
@@ -1610,7 +1610,7 @@
             <a:pPr rtl="0"/>
             <a:fld id="{A79FDCCF-06A5-4C0C-ABFF-93AF4A8F91D0}" type="datetime1">
               <a:rPr lang="ru-RU" noProof="0" smtClean="0"/>
-              <a:t>29.11.2020</a:t>
+              <a:t>30.11.2020</a:t>
             </a:fld>
             <a:endParaRPr lang="ru-RU" noProof="0" dirty="0"/>
           </a:p>
@@ -1851,7 +1851,7 @@
                   <a14:useLocalDpi xmlns:a14="http://schemas.microsoft.com/office/drawing/2010/main" val="0"/>
                 </a:ext>
                 <a:ext uri="{96DAC541-7B7A-43D3-8B79-37D633B846F1}">
-                  <asvg:svgBlip xmlns="" xmlns:asvg="http://schemas.microsoft.com/office/drawing/2016/SVG/main" r:embed="rId3"/>
+                  <asvg:svgBlip xmlns:asvg="http://schemas.microsoft.com/office/drawing/2016/SVG/main" xmlns="" r:embed="rId3"/>
                 </a:ext>
               </a:extLst>
             </a:blip>
@@ -1889,7 +1889,7 @@
                   <a14:useLocalDpi xmlns:a14="http://schemas.microsoft.com/office/drawing/2010/main" val="0"/>
                 </a:ext>
                 <a:ext uri="{96DAC541-7B7A-43D3-8B79-37D633B846F1}">
-                  <asvg:svgBlip xmlns="" xmlns:asvg="http://schemas.microsoft.com/office/drawing/2016/SVG/main" r:embed="rId3"/>
+                  <asvg:svgBlip xmlns:asvg="http://schemas.microsoft.com/office/drawing/2016/SVG/main" xmlns="" r:embed="rId3"/>
                 </a:ext>
               </a:extLst>
             </a:blip>
@@ -1928,7 +1928,7 @@
                   <a14:useLocalDpi xmlns:a14="http://schemas.microsoft.com/office/drawing/2010/main" val="0"/>
                 </a:ext>
                 <a:ext uri="{96DAC541-7B7A-43D3-8B79-37D633B846F1}">
-                  <asvg:svgBlip xmlns="" xmlns:asvg="http://schemas.microsoft.com/office/drawing/2016/SVG/main" r:embed="rId3"/>
+                  <asvg:svgBlip xmlns:asvg="http://schemas.microsoft.com/office/drawing/2016/SVG/main" xmlns="" r:embed="rId3"/>
                 </a:ext>
               </a:extLst>
             </a:blip>
@@ -1967,7 +1967,7 @@
                   <a14:useLocalDpi xmlns:a14="http://schemas.microsoft.com/office/drawing/2010/main" val="0"/>
                 </a:ext>
                 <a:ext uri="{96DAC541-7B7A-43D3-8B79-37D633B846F1}">
-                  <asvg:svgBlip xmlns="" xmlns:asvg="http://schemas.microsoft.com/office/drawing/2016/SVG/main" r:embed="rId3"/>
+                  <asvg:svgBlip xmlns:asvg="http://schemas.microsoft.com/office/drawing/2016/SVG/main" xmlns="" r:embed="rId3"/>
                 </a:ext>
               </a:extLst>
             </a:blip>
@@ -2282,7 +2282,7 @@
             <a:pPr rtl="0"/>
             <a:fld id="{BF5AAA8D-4090-4274-96AA-AD6B0F42534A}" type="datetime1">
               <a:rPr lang="ru-RU" noProof="0" smtClean="0"/>
-              <a:t>29.11.2020</a:t>
+              <a:t>30.11.2020</a:t>
             </a:fld>
             <a:endParaRPr lang="ru-RU" noProof="0" dirty="0"/>
           </a:p>
@@ -2421,7 +2421,7 @@
                   <a14:useLocalDpi xmlns:a14="http://schemas.microsoft.com/office/drawing/2010/main" val="0"/>
                 </a:ext>
                 <a:ext uri="{96DAC541-7B7A-43D3-8B79-37D633B846F1}">
-                  <asvg:svgBlip xmlns="" xmlns:asvg="http://schemas.microsoft.com/office/drawing/2016/SVG/main" r:embed="rId3"/>
+                  <asvg:svgBlip xmlns:asvg="http://schemas.microsoft.com/office/drawing/2016/SVG/main" xmlns="" r:embed="rId3"/>
                 </a:ext>
               </a:extLst>
             </a:blip>
@@ -2459,7 +2459,7 @@
                   <a14:useLocalDpi xmlns:a14="http://schemas.microsoft.com/office/drawing/2010/main" val="0"/>
                 </a:ext>
                 <a:ext uri="{96DAC541-7B7A-43D3-8B79-37D633B846F1}">
-                  <asvg:svgBlip xmlns="" xmlns:asvg="http://schemas.microsoft.com/office/drawing/2016/SVG/main" r:embed="rId3"/>
+                  <asvg:svgBlip xmlns:asvg="http://schemas.microsoft.com/office/drawing/2016/SVG/main" xmlns="" r:embed="rId3"/>
                 </a:ext>
               </a:extLst>
             </a:blip>
@@ -2498,7 +2498,7 @@
                   <a14:useLocalDpi xmlns:a14="http://schemas.microsoft.com/office/drawing/2010/main" val="0"/>
                 </a:ext>
                 <a:ext uri="{96DAC541-7B7A-43D3-8B79-37D633B846F1}">
-                  <asvg:svgBlip xmlns="" xmlns:asvg="http://schemas.microsoft.com/office/drawing/2016/SVG/main" r:embed="rId3"/>
+                  <asvg:svgBlip xmlns:asvg="http://schemas.microsoft.com/office/drawing/2016/SVG/main" xmlns="" r:embed="rId3"/>
                 </a:ext>
               </a:extLst>
             </a:blip>
@@ -2537,7 +2537,7 @@
                   <a14:useLocalDpi xmlns:a14="http://schemas.microsoft.com/office/drawing/2010/main" val="0"/>
                 </a:ext>
                 <a:ext uri="{96DAC541-7B7A-43D3-8B79-37D633B846F1}">
-                  <asvg:svgBlip xmlns="" xmlns:asvg="http://schemas.microsoft.com/office/drawing/2016/SVG/main" r:embed="rId3"/>
+                  <asvg:svgBlip xmlns:asvg="http://schemas.microsoft.com/office/drawing/2016/SVG/main" xmlns="" r:embed="rId3"/>
                 </a:ext>
               </a:extLst>
             </a:blip>
@@ -2795,7 +2795,7 @@
             <a:pPr rtl="0"/>
             <a:fld id="{450BFE99-D7C0-40E7-B8AB-A5E5CCFB9A18}" type="datetime1">
               <a:rPr lang="ru-RU" noProof="0" smtClean="0"/>
-              <a:t>29.11.2020</a:t>
+              <a:t>30.11.2020</a:t>
             </a:fld>
             <a:endParaRPr lang="ru-RU" noProof="0" dirty="0"/>
           </a:p>
@@ -3152,7 +3152,7 @@
             <a:pPr rtl="0"/>
             <a:fld id="{7F3AEECF-DDF2-4378-AEB2-48186B35FAC4}" type="datetime1">
               <a:rPr lang="ru-RU" noProof="0" smtClean="0"/>
-              <a:t>29.11.2020</a:t>
+              <a:t>30.11.2020</a:t>
             </a:fld>
             <a:endParaRPr lang="ru-RU" noProof="0" dirty="0"/>
           </a:p>
@@ -3321,7 +3321,7 @@
                   <a14:useLocalDpi xmlns:a14="http://schemas.microsoft.com/office/drawing/2010/main" val="0"/>
                 </a:ext>
                 <a:ext uri="{96DAC541-7B7A-43D3-8B79-37D633B846F1}">
-                  <asvg:svgBlip xmlns="" xmlns:asvg="http://schemas.microsoft.com/office/drawing/2016/SVG/main" r:embed="rId3"/>
+                  <asvg:svgBlip xmlns:asvg="http://schemas.microsoft.com/office/drawing/2016/SVG/main" xmlns="" r:embed="rId3"/>
                 </a:ext>
               </a:extLst>
             </a:blip>
@@ -3359,7 +3359,7 @@
                   <a14:useLocalDpi xmlns:a14="http://schemas.microsoft.com/office/drawing/2010/main" val="0"/>
                 </a:ext>
                 <a:ext uri="{96DAC541-7B7A-43D3-8B79-37D633B846F1}">
-                  <asvg:svgBlip xmlns="" xmlns:asvg="http://schemas.microsoft.com/office/drawing/2016/SVG/main" r:embed="rId3"/>
+                  <asvg:svgBlip xmlns:asvg="http://schemas.microsoft.com/office/drawing/2016/SVG/main" xmlns="" r:embed="rId3"/>
                 </a:ext>
               </a:extLst>
             </a:blip>
@@ -3398,7 +3398,7 @@
                   <a14:useLocalDpi xmlns:a14="http://schemas.microsoft.com/office/drawing/2010/main" val="0"/>
                 </a:ext>
                 <a:ext uri="{96DAC541-7B7A-43D3-8B79-37D633B846F1}">
-                  <asvg:svgBlip xmlns="" xmlns:asvg="http://schemas.microsoft.com/office/drawing/2016/SVG/main" r:embed="rId3"/>
+                  <asvg:svgBlip xmlns:asvg="http://schemas.microsoft.com/office/drawing/2016/SVG/main" xmlns="" r:embed="rId3"/>
                 </a:ext>
               </a:extLst>
             </a:blip>
@@ -3437,7 +3437,7 @@
                   <a14:useLocalDpi xmlns:a14="http://schemas.microsoft.com/office/drawing/2010/main" val="0"/>
                 </a:ext>
                 <a:ext uri="{96DAC541-7B7A-43D3-8B79-37D633B846F1}">
-                  <asvg:svgBlip xmlns="" xmlns:asvg="http://schemas.microsoft.com/office/drawing/2016/SVG/main" r:embed="rId3"/>
+                  <asvg:svgBlip xmlns:asvg="http://schemas.microsoft.com/office/drawing/2016/SVG/main" xmlns="" r:embed="rId3"/>
                 </a:ext>
               </a:extLst>
             </a:blip>
@@ -3476,7 +3476,7 @@
                   <a14:useLocalDpi xmlns:a14="http://schemas.microsoft.com/office/drawing/2010/main" val="0"/>
                 </a:ext>
                 <a:ext uri="{96DAC541-7B7A-43D3-8B79-37D633B846F1}">
-                  <asvg:svgBlip xmlns="" xmlns:asvg="http://schemas.microsoft.com/office/drawing/2016/SVG/main" r:embed="rId3"/>
+                  <asvg:svgBlip xmlns:asvg="http://schemas.microsoft.com/office/drawing/2016/SVG/main" xmlns="" r:embed="rId3"/>
                 </a:ext>
               </a:extLst>
             </a:blip>
@@ -3750,7 +3750,7 @@
             <a:pPr rtl="0"/>
             <a:fld id="{A1794419-A28C-4EDB-8F38-9C37AFF16850}" type="datetime1">
               <a:rPr lang="ru-RU" noProof="0" smtClean="0"/>
-              <a:t>29.11.2020</a:t>
+              <a:t>30.11.2020</a:t>
             </a:fld>
             <a:endParaRPr lang="ru-RU" noProof="0" dirty="0"/>
           </a:p>
@@ -3884,7 +3884,7 @@
                   <a14:useLocalDpi xmlns:a14="http://schemas.microsoft.com/office/drawing/2010/main" val="0"/>
                 </a:ext>
                 <a:ext uri="{96DAC541-7B7A-43D3-8B79-37D633B846F1}">
-                  <asvg:svgBlip xmlns="" xmlns:asvg="http://schemas.microsoft.com/office/drawing/2016/SVG/main" r:embed="rId3"/>
+                  <asvg:svgBlip xmlns:asvg="http://schemas.microsoft.com/office/drawing/2016/SVG/main" xmlns="" r:embed="rId3"/>
                 </a:ext>
               </a:extLst>
             </a:blip>
@@ -3922,7 +3922,7 @@
                   <a14:useLocalDpi xmlns:a14="http://schemas.microsoft.com/office/drawing/2010/main" val="0"/>
                 </a:ext>
                 <a:ext uri="{96DAC541-7B7A-43D3-8B79-37D633B846F1}">
-                  <asvg:svgBlip xmlns="" xmlns:asvg="http://schemas.microsoft.com/office/drawing/2016/SVG/main" r:embed="rId3"/>
+                  <asvg:svgBlip xmlns:asvg="http://schemas.microsoft.com/office/drawing/2016/SVG/main" xmlns="" r:embed="rId3"/>
                 </a:ext>
               </a:extLst>
             </a:blip>
@@ -3961,7 +3961,7 @@
                   <a14:useLocalDpi xmlns:a14="http://schemas.microsoft.com/office/drawing/2010/main" val="0"/>
                 </a:ext>
                 <a:ext uri="{96DAC541-7B7A-43D3-8B79-37D633B846F1}">
-                  <asvg:svgBlip xmlns="" xmlns:asvg="http://schemas.microsoft.com/office/drawing/2016/SVG/main" r:embed="rId3"/>
+                  <asvg:svgBlip xmlns:asvg="http://schemas.microsoft.com/office/drawing/2016/SVG/main" xmlns="" r:embed="rId3"/>
                 </a:ext>
               </a:extLst>
             </a:blip>
@@ -4000,7 +4000,7 @@
                   <a14:useLocalDpi xmlns:a14="http://schemas.microsoft.com/office/drawing/2010/main" val="0"/>
                 </a:ext>
                 <a:ext uri="{96DAC541-7B7A-43D3-8B79-37D633B846F1}">
-                  <asvg:svgBlip xmlns="" xmlns:asvg="http://schemas.microsoft.com/office/drawing/2016/SVG/main" r:embed="rId3"/>
+                  <asvg:svgBlip xmlns:asvg="http://schemas.microsoft.com/office/drawing/2016/SVG/main" xmlns="" r:embed="rId3"/>
                 </a:ext>
               </a:extLst>
             </a:blip>
@@ -4343,7 +4343,7 @@
             <a:pPr rtl="0"/>
             <a:fld id="{A47CA3C0-BA25-49FE-9954-25288131DA86}" type="datetime1">
               <a:rPr lang="ru-RU" noProof="0" smtClean="0"/>
-              <a:t>29.11.2020</a:t>
+              <a:t>30.11.2020</a:t>
             </a:fld>
             <a:endParaRPr lang="ru-RU" noProof="0" dirty="0"/>
           </a:p>
@@ -4709,7 +4709,7 @@
                   <a14:useLocalDpi xmlns:a14="http://schemas.microsoft.com/office/drawing/2010/main" val="0"/>
                 </a:ext>
                 <a:ext uri="{96DAC541-7B7A-43D3-8B79-37D633B846F1}">
-                  <asvg:svgBlip xmlns="" xmlns:asvg="http://schemas.microsoft.com/office/drawing/2016/SVG/main" r:embed="rId3"/>
+                  <asvg:svgBlip xmlns:asvg="http://schemas.microsoft.com/office/drawing/2016/SVG/main" xmlns="" r:embed="rId3"/>
                 </a:ext>
               </a:extLst>
             </a:blip>
@@ -4747,7 +4747,7 @@
                   <a14:useLocalDpi xmlns:a14="http://schemas.microsoft.com/office/drawing/2010/main" val="0"/>
                 </a:ext>
                 <a:ext uri="{96DAC541-7B7A-43D3-8B79-37D633B846F1}">
-                  <asvg:svgBlip xmlns="" xmlns:asvg="http://schemas.microsoft.com/office/drawing/2016/SVG/main" r:embed="rId3"/>
+                  <asvg:svgBlip xmlns:asvg="http://schemas.microsoft.com/office/drawing/2016/SVG/main" xmlns="" r:embed="rId3"/>
                 </a:ext>
               </a:extLst>
             </a:blip>
@@ -4786,7 +4786,7 @@
                   <a14:useLocalDpi xmlns:a14="http://schemas.microsoft.com/office/drawing/2010/main" val="0"/>
                 </a:ext>
                 <a:ext uri="{96DAC541-7B7A-43D3-8B79-37D633B846F1}">
-                  <asvg:svgBlip xmlns="" xmlns:asvg="http://schemas.microsoft.com/office/drawing/2016/SVG/main" r:embed="rId3"/>
+                  <asvg:svgBlip xmlns:asvg="http://schemas.microsoft.com/office/drawing/2016/SVG/main" xmlns="" r:embed="rId3"/>
                 </a:ext>
               </a:extLst>
             </a:blip>
@@ -4825,7 +4825,7 @@
                   <a14:useLocalDpi xmlns:a14="http://schemas.microsoft.com/office/drawing/2010/main" val="0"/>
                 </a:ext>
                 <a:ext uri="{96DAC541-7B7A-43D3-8B79-37D633B846F1}">
-                  <asvg:svgBlip xmlns="" xmlns:asvg="http://schemas.microsoft.com/office/drawing/2016/SVG/main" r:embed="rId3"/>
+                  <asvg:svgBlip xmlns:asvg="http://schemas.microsoft.com/office/drawing/2016/SVG/main" xmlns="" r:embed="rId3"/>
                 </a:ext>
               </a:extLst>
             </a:blip>
@@ -4864,7 +4864,7 @@
                   <a14:useLocalDpi xmlns:a14="http://schemas.microsoft.com/office/drawing/2010/main" val="0"/>
                 </a:ext>
                 <a:ext uri="{96DAC541-7B7A-43D3-8B79-37D633B846F1}">
-                  <asvg:svgBlip xmlns="" xmlns:asvg="http://schemas.microsoft.com/office/drawing/2016/SVG/main" r:embed="rId3"/>
+                  <asvg:svgBlip xmlns:asvg="http://schemas.microsoft.com/office/drawing/2016/SVG/main" xmlns="" r:embed="rId3"/>
                 </a:ext>
               </a:extLst>
             </a:blip>
@@ -5120,7 +5120,7 @@
             <a:pPr rtl="0"/>
             <a:fld id="{D5E5F78F-9D46-4F2C-BD6F-D7C29B5C0995}" type="datetime1">
               <a:rPr lang="ru-RU" noProof="0" smtClean="0"/>
-              <a:t>29.11.2020</a:t>
+              <a:t>30.11.2020</a:t>
             </a:fld>
             <a:endParaRPr lang="ru-RU" noProof="0" dirty="0"/>
           </a:p>
@@ -5259,7 +5259,7 @@
                   <a14:useLocalDpi xmlns:a14="http://schemas.microsoft.com/office/drawing/2010/main" val="0"/>
                 </a:ext>
                 <a:ext uri="{96DAC541-7B7A-43D3-8B79-37D633B846F1}">
-                  <asvg:svgBlip xmlns="" xmlns:asvg="http://schemas.microsoft.com/office/drawing/2016/SVG/main" r:embed="rId3"/>
+                  <asvg:svgBlip xmlns:asvg="http://schemas.microsoft.com/office/drawing/2016/SVG/main" xmlns="" r:embed="rId3"/>
                 </a:ext>
               </a:extLst>
             </a:blip>
@@ -5297,7 +5297,7 @@
                   <a14:useLocalDpi xmlns:a14="http://schemas.microsoft.com/office/drawing/2010/main" val="0"/>
                 </a:ext>
                 <a:ext uri="{96DAC541-7B7A-43D3-8B79-37D633B846F1}">
-                  <asvg:svgBlip xmlns="" xmlns:asvg="http://schemas.microsoft.com/office/drawing/2016/SVG/main" r:embed="rId3"/>
+                  <asvg:svgBlip xmlns:asvg="http://schemas.microsoft.com/office/drawing/2016/SVG/main" xmlns="" r:embed="rId3"/>
                 </a:ext>
               </a:extLst>
             </a:blip>
@@ -5336,7 +5336,7 @@
                   <a14:useLocalDpi xmlns:a14="http://schemas.microsoft.com/office/drawing/2010/main" val="0"/>
                 </a:ext>
                 <a:ext uri="{96DAC541-7B7A-43D3-8B79-37D633B846F1}">
-                  <asvg:svgBlip xmlns="" xmlns:asvg="http://schemas.microsoft.com/office/drawing/2016/SVG/main" r:embed="rId3"/>
+                  <asvg:svgBlip xmlns:asvg="http://schemas.microsoft.com/office/drawing/2016/SVG/main" xmlns="" r:embed="rId3"/>
                 </a:ext>
               </a:extLst>
             </a:blip>
@@ -5375,7 +5375,7 @@
                   <a14:useLocalDpi xmlns:a14="http://schemas.microsoft.com/office/drawing/2010/main" val="0"/>
                 </a:ext>
                 <a:ext uri="{96DAC541-7B7A-43D3-8B79-37D633B846F1}">
-                  <asvg:svgBlip xmlns="" xmlns:asvg="http://schemas.microsoft.com/office/drawing/2016/SVG/main" r:embed="rId3"/>
+                  <asvg:svgBlip xmlns:asvg="http://schemas.microsoft.com/office/drawing/2016/SVG/main" xmlns="" r:embed="rId3"/>
                 </a:ext>
               </a:extLst>
             </a:blip>
@@ -5994,7 +5994,7 @@
             <a:pPr rtl="0"/>
             <a:fld id="{A6D7FB0F-7C69-48CD-BB58-095078AA9853}" type="datetime1">
               <a:rPr lang="ru-RU" noProof="0" smtClean="0"/>
-              <a:t>29.11.2020</a:t>
+              <a:t>30.11.2020</a:t>
             </a:fld>
             <a:endParaRPr lang="ru-RU" noProof="0" dirty="0"/>
           </a:p>
@@ -6123,7 +6123,7 @@
                   <a14:useLocalDpi xmlns:a14="http://schemas.microsoft.com/office/drawing/2010/main" val="0"/>
                 </a:ext>
                 <a:ext uri="{96DAC541-7B7A-43D3-8B79-37D633B846F1}">
-                  <asvg:svgBlip xmlns="" xmlns:asvg="http://schemas.microsoft.com/office/drawing/2016/SVG/main" r:embed="rId3"/>
+                  <asvg:svgBlip xmlns:asvg="http://schemas.microsoft.com/office/drawing/2016/SVG/main" xmlns="" r:embed="rId3"/>
                 </a:ext>
               </a:extLst>
             </a:blip>
@@ -6161,7 +6161,7 @@
                   <a14:useLocalDpi xmlns:a14="http://schemas.microsoft.com/office/drawing/2010/main" val="0"/>
                 </a:ext>
                 <a:ext uri="{96DAC541-7B7A-43D3-8B79-37D633B846F1}">
-                  <asvg:svgBlip xmlns="" xmlns:asvg="http://schemas.microsoft.com/office/drawing/2016/SVG/main" r:embed="rId3"/>
+                  <asvg:svgBlip xmlns:asvg="http://schemas.microsoft.com/office/drawing/2016/SVG/main" xmlns="" r:embed="rId3"/>
                 </a:ext>
               </a:extLst>
             </a:blip>
@@ -6200,7 +6200,7 @@
                   <a14:useLocalDpi xmlns:a14="http://schemas.microsoft.com/office/drawing/2010/main" val="0"/>
                 </a:ext>
                 <a:ext uri="{96DAC541-7B7A-43D3-8B79-37D633B846F1}">
-                  <asvg:svgBlip xmlns="" xmlns:asvg="http://schemas.microsoft.com/office/drawing/2016/SVG/main" r:embed="rId3"/>
+                  <asvg:svgBlip xmlns:asvg="http://schemas.microsoft.com/office/drawing/2016/SVG/main" xmlns="" r:embed="rId3"/>
                 </a:ext>
               </a:extLst>
             </a:blip>
@@ -6239,7 +6239,7 @@
                   <a14:useLocalDpi xmlns:a14="http://schemas.microsoft.com/office/drawing/2010/main" val="0"/>
                 </a:ext>
                 <a:ext uri="{96DAC541-7B7A-43D3-8B79-37D633B846F1}">
-                  <asvg:svgBlip xmlns="" xmlns:asvg="http://schemas.microsoft.com/office/drawing/2016/SVG/main" r:embed="rId3"/>
+                  <asvg:svgBlip xmlns:asvg="http://schemas.microsoft.com/office/drawing/2016/SVG/main" xmlns="" r:embed="rId3"/>
                 </a:ext>
               </a:extLst>
             </a:blip>
@@ -6278,7 +6278,7 @@
                   <a14:useLocalDpi xmlns:a14="http://schemas.microsoft.com/office/drawing/2010/main" val="0"/>
                 </a:ext>
                 <a:ext uri="{96DAC541-7B7A-43D3-8B79-37D633B846F1}">
-                  <asvg:svgBlip xmlns="" xmlns:asvg="http://schemas.microsoft.com/office/drawing/2016/SVG/main" r:embed="rId3"/>
+                  <asvg:svgBlip xmlns:asvg="http://schemas.microsoft.com/office/drawing/2016/SVG/main" xmlns="" r:embed="rId3"/>
                 </a:ext>
               </a:extLst>
             </a:blip>
@@ -6466,7 +6466,7 @@
             <a:pPr rtl="0"/>
             <a:fld id="{95E0CC53-ACCE-429F-8F1D-1DAEC546233C}" type="datetime1">
               <a:rPr lang="ru-RU" noProof="0" smtClean="0"/>
-              <a:t>29.11.2020</a:t>
+              <a:t>30.11.2020</a:t>
             </a:fld>
             <a:endParaRPr lang="ru-RU" noProof="0" dirty="0"/>
           </a:p>
@@ -7084,7 +7084,7 @@
                   <a14:useLocalDpi xmlns:a14="http://schemas.microsoft.com/office/drawing/2010/main" val="0"/>
                 </a:ext>
                 <a:ext uri="{96DAC541-7B7A-43D3-8B79-37D633B846F1}">
-                  <asvg:svgBlip xmlns="" xmlns:asvg="http://schemas.microsoft.com/office/drawing/2016/SVG/main" r:embed="rId3"/>
+                  <asvg:svgBlip xmlns:asvg="http://schemas.microsoft.com/office/drawing/2016/SVG/main" xmlns="" r:embed="rId3"/>
                 </a:ext>
               </a:extLst>
             </a:blip>
@@ -7122,7 +7122,7 @@
                   <a14:useLocalDpi xmlns:a14="http://schemas.microsoft.com/office/drawing/2010/main" val="0"/>
                 </a:ext>
                 <a:ext uri="{96DAC541-7B7A-43D3-8B79-37D633B846F1}">
-                  <asvg:svgBlip xmlns="" xmlns:asvg="http://schemas.microsoft.com/office/drawing/2016/SVG/main" r:embed="rId3"/>
+                  <asvg:svgBlip xmlns:asvg="http://schemas.microsoft.com/office/drawing/2016/SVG/main" xmlns="" r:embed="rId3"/>
                 </a:ext>
               </a:extLst>
             </a:blip>
@@ -7161,7 +7161,7 @@
                   <a14:useLocalDpi xmlns:a14="http://schemas.microsoft.com/office/drawing/2010/main" val="0"/>
                 </a:ext>
                 <a:ext uri="{96DAC541-7B7A-43D3-8B79-37D633B846F1}">
-                  <asvg:svgBlip xmlns="" xmlns:asvg="http://schemas.microsoft.com/office/drawing/2016/SVG/main" r:embed="rId3"/>
+                  <asvg:svgBlip xmlns:asvg="http://schemas.microsoft.com/office/drawing/2016/SVG/main" xmlns="" r:embed="rId3"/>
                 </a:ext>
               </a:extLst>
             </a:blip>
@@ -7200,7 +7200,7 @@
                   <a14:useLocalDpi xmlns:a14="http://schemas.microsoft.com/office/drawing/2010/main" val="0"/>
                 </a:ext>
                 <a:ext uri="{96DAC541-7B7A-43D3-8B79-37D633B846F1}">
-                  <asvg:svgBlip xmlns="" xmlns:asvg="http://schemas.microsoft.com/office/drawing/2016/SVG/main" r:embed="rId3"/>
+                  <asvg:svgBlip xmlns:asvg="http://schemas.microsoft.com/office/drawing/2016/SVG/main" xmlns="" r:embed="rId3"/>
                 </a:ext>
               </a:extLst>
             </a:blip>
@@ -8059,7 +8059,7 @@
             <a:pPr rtl="0"/>
             <a:fld id="{7842E129-06A7-4AFC-94A4-3F7580A4770F}" type="datetime1">
               <a:rPr lang="ru-RU" noProof="0" smtClean="0"/>
-              <a:t>29.11.2020</a:t>
+              <a:t>30.11.2020</a:t>
             </a:fld>
             <a:endParaRPr lang="ru-RU" noProof="0" dirty="0"/>
           </a:p>
@@ -8267,7 +8267,7 @@
                   <a14:useLocalDpi xmlns:a14="http://schemas.microsoft.com/office/drawing/2010/main" val="0"/>
                 </a:ext>
                 <a:ext uri="{96DAC541-7B7A-43D3-8B79-37D633B846F1}">
-                  <asvg:svgBlip xmlns="" xmlns:asvg="http://schemas.microsoft.com/office/drawing/2016/SVG/main" r:embed="rId3"/>
+                  <asvg:svgBlip xmlns:asvg="http://schemas.microsoft.com/office/drawing/2016/SVG/main" xmlns="" r:embed="rId3"/>
                 </a:ext>
               </a:extLst>
             </a:blip>
@@ -8305,7 +8305,7 @@
                   <a14:useLocalDpi xmlns:a14="http://schemas.microsoft.com/office/drawing/2010/main" val="0"/>
                 </a:ext>
                 <a:ext uri="{96DAC541-7B7A-43D3-8B79-37D633B846F1}">
-                  <asvg:svgBlip xmlns="" xmlns:asvg="http://schemas.microsoft.com/office/drawing/2016/SVG/main" r:embed="rId3"/>
+                  <asvg:svgBlip xmlns:asvg="http://schemas.microsoft.com/office/drawing/2016/SVG/main" xmlns="" r:embed="rId3"/>
                 </a:ext>
               </a:extLst>
             </a:blip>
@@ -8344,7 +8344,7 @@
                   <a14:useLocalDpi xmlns:a14="http://schemas.microsoft.com/office/drawing/2010/main" val="0"/>
                 </a:ext>
                 <a:ext uri="{96DAC541-7B7A-43D3-8B79-37D633B846F1}">
-                  <asvg:svgBlip xmlns="" xmlns:asvg="http://schemas.microsoft.com/office/drawing/2016/SVG/main" r:embed="rId3"/>
+                  <asvg:svgBlip xmlns:asvg="http://schemas.microsoft.com/office/drawing/2016/SVG/main" xmlns="" r:embed="rId3"/>
                 </a:ext>
               </a:extLst>
             </a:blip>
@@ -8383,7 +8383,7 @@
                   <a14:useLocalDpi xmlns:a14="http://schemas.microsoft.com/office/drawing/2010/main" val="0"/>
                 </a:ext>
                 <a:ext uri="{96DAC541-7B7A-43D3-8B79-37D633B846F1}">
-                  <asvg:svgBlip xmlns="" xmlns:asvg="http://schemas.microsoft.com/office/drawing/2016/SVG/main" r:embed="rId3"/>
+                  <asvg:svgBlip xmlns:asvg="http://schemas.microsoft.com/office/drawing/2016/SVG/main" xmlns="" r:embed="rId3"/>
                 </a:ext>
               </a:extLst>
             </a:blip>
@@ -8583,7 +8583,7 @@
             <a:pPr rtl="0"/>
             <a:fld id="{319E251A-C5C0-4504-9052-0D643F118318}" type="datetime1">
               <a:rPr lang="ru-RU" noProof="0" smtClean="0"/>
-              <a:t>29.11.2020</a:t>
+              <a:t>30.11.2020</a:t>
             </a:fld>
             <a:endParaRPr lang="ru-RU" noProof="0" dirty="0"/>
           </a:p>
@@ -8949,7 +8949,7 @@
                   <a14:useLocalDpi xmlns:a14="http://schemas.microsoft.com/office/drawing/2010/main" val="0"/>
                 </a:ext>
                 <a:ext uri="{96DAC541-7B7A-43D3-8B79-37D633B846F1}">
-                  <asvg:svgBlip xmlns="" xmlns:asvg="http://schemas.microsoft.com/office/drawing/2016/SVG/main" r:embed="rId3"/>
+                  <asvg:svgBlip xmlns:asvg="http://schemas.microsoft.com/office/drawing/2016/SVG/main" xmlns="" r:embed="rId3"/>
                 </a:ext>
               </a:extLst>
             </a:blip>
@@ -8987,7 +8987,7 @@
                   <a14:useLocalDpi xmlns:a14="http://schemas.microsoft.com/office/drawing/2010/main" val="0"/>
                 </a:ext>
                 <a:ext uri="{96DAC541-7B7A-43D3-8B79-37D633B846F1}">
-                  <asvg:svgBlip xmlns="" xmlns:asvg="http://schemas.microsoft.com/office/drawing/2016/SVG/main" r:embed="rId3"/>
+                  <asvg:svgBlip xmlns:asvg="http://schemas.microsoft.com/office/drawing/2016/SVG/main" xmlns="" r:embed="rId3"/>
                 </a:ext>
               </a:extLst>
             </a:blip>
@@ -9026,7 +9026,7 @@
                   <a14:useLocalDpi xmlns:a14="http://schemas.microsoft.com/office/drawing/2010/main" val="0"/>
                 </a:ext>
                 <a:ext uri="{96DAC541-7B7A-43D3-8B79-37D633B846F1}">
-                  <asvg:svgBlip xmlns="" xmlns:asvg="http://schemas.microsoft.com/office/drawing/2016/SVG/main" r:embed="rId3"/>
+                  <asvg:svgBlip xmlns:asvg="http://schemas.microsoft.com/office/drawing/2016/SVG/main" xmlns="" r:embed="rId3"/>
                 </a:ext>
               </a:extLst>
             </a:blip>
@@ -9065,7 +9065,7 @@
                   <a14:useLocalDpi xmlns:a14="http://schemas.microsoft.com/office/drawing/2010/main" val="0"/>
                 </a:ext>
                 <a:ext uri="{96DAC541-7B7A-43D3-8B79-37D633B846F1}">
-                  <asvg:svgBlip xmlns="" xmlns:asvg="http://schemas.microsoft.com/office/drawing/2016/SVG/main" r:embed="rId3"/>
+                  <asvg:svgBlip xmlns:asvg="http://schemas.microsoft.com/office/drawing/2016/SVG/main" xmlns="" r:embed="rId3"/>
                 </a:ext>
               </a:extLst>
             </a:blip>
@@ -9104,7 +9104,7 @@
                   <a14:useLocalDpi xmlns:a14="http://schemas.microsoft.com/office/drawing/2010/main" val="0"/>
                 </a:ext>
                 <a:ext uri="{96DAC541-7B7A-43D3-8B79-37D633B846F1}">
-                  <asvg:svgBlip xmlns="" xmlns:asvg="http://schemas.microsoft.com/office/drawing/2016/SVG/main" r:embed="rId3"/>
+                  <asvg:svgBlip xmlns:asvg="http://schemas.microsoft.com/office/drawing/2016/SVG/main" xmlns="" r:embed="rId3"/>
                 </a:ext>
               </a:extLst>
             </a:blip>
@@ -9436,7 +9436,7 @@
             <a:pPr rtl="0"/>
             <a:fld id="{00B8BC9F-1804-4FF3-9E20-A0E015F19291}" type="datetime1">
               <a:rPr lang="ru-RU" noProof="0" smtClean="0"/>
-              <a:t>29.11.2020</a:t>
+              <a:t>30.11.2020</a:t>
             </a:fld>
             <a:endParaRPr lang="ru-RU" noProof="0" dirty="0"/>
           </a:p>
@@ -9570,7 +9570,7 @@
                   <a14:useLocalDpi xmlns:a14="http://schemas.microsoft.com/office/drawing/2010/main" val="0"/>
                 </a:ext>
                 <a:ext uri="{96DAC541-7B7A-43D3-8B79-37D633B846F1}">
-                  <asvg:svgBlip xmlns="" xmlns:asvg="http://schemas.microsoft.com/office/drawing/2016/SVG/main" r:embed="rId3"/>
+                  <asvg:svgBlip xmlns:asvg="http://schemas.microsoft.com/office/drawing/2016/SVG/main" xmlns="" r:embed="rId3"/>
                 </a:ext>
               </a:extLst>
             </a:blip>
@@ -9608,7 +9608,7 @@
                   <a14:useLocalDpi xmlns:a14="http://schemas.microsoft.com/office/drawing/2010/main" val="0"/>
                 </a:ext>
                 <a:ext uri="{96DAC541-7B7A-43D3-8B79-37D633B846F1}">
-                  <asvg:svgBlip xmlns="" xmlns:asvg="http://schemas.microsoft.com/office/drawing/2016/SVG/main" r:embed="rId3"/>
+                  <asvg:svgBlip xmlns:asvg="http://schemas.microsoft.com/office/drawing/2016/SVG/main" xmlns="" r:embed="rId3"/>
                 </a:ext>
               </a:extLst>
             </a:blip>
@@ -9647,7 +9647,7 @@
                   <a14:useLocalDpi xmlns:a14="http://schemas.microsoft.com/office/drawing/2010/main" val="0"/>
                 </a:ext>
                 <a:ext uri="{96DAC541-7B7A-43D3-8B79-37D633B846F1}">
-                  <asvg:svgBlip xmlns="" xmlns:asvg="http://schemas.microsoft.com/office/drawing/2016/SVG/main" r:embed="rId3"/>
+                  <asvg:svgBlip xmlns:asvg="http://schemas.microsoft.com/office/drawing/2016/SVG/main" xmlns="" r:embed="rId3"/>
                 </a:ext>
               </a:extLst>
             </a:blip>
@@ -9686,7 +9686,7 @@
                   <a14:useLocalDpi xmlns:a14="http://schemas.microsoft.com/office/drawing/2010/main" val="0"/>
                 </a:ext>
                 <a:ext uri="{96DAC541-7B7A-43D3-8B79-37D633B846F1}">
-                  <asvg:svgBlip xmlns="" xmlns:asvg="http://schemas.microsoft.com/office/drawing/2016/SVG/main" r:embed="rId3"/>
+                  <asvg:svgBlip xmlns:asvg="http://schemas.microsoft.com/office/drawing/2016/SVG/main" xmlns="" r:embed="rId3"/>
                 </a:ext>
               </a:extLst>
             </a:blip>
@@ -10000,7 +10000,7 @@
             <a:pPr rtl="0"/>
             <a:fld id="{158E6915-CF68-40C4-847A-0EA80C190CCE}" type="datetime1">
               <a:rPr lang="ru-RU" noProof="0" smtClean="0"/>
-              <a:t>29.11.2020</a:t>
+              <a:t>30.11.2020</a:t>
             </a:fld>
             <a:endParaRPr lang="ru-RU" noProof="0" dirty="0"/>
           </a:p>
@@ -10129,7 +10129,7 @@
                   <a14:useLocalDpi xmlns:a14="http://schemas.microsoft.com/office/drawing/2010/main" val="0"/>
                 </a:ext>
                 <a:ext uri="{96DAC541-7B7A-43D3-8B79-37D633B846F1}">
-                  <asvg:svgBlip xmlns="" xmlns:asvg="http://schemas.microsoft.com/office/drawing/2016/SVG/main" r:embed="rId3"/>
+                  <asvg:svgBlip xmlns:asvg="http://schemas.microsoft.com/office/drawing/2016/SVG/main" xmlns="" r:embed="rId3"/>
                 </a:ext>
               </a:extLst>
             </a:blip>
@@ -10167,7 +10167,7 @@
                   <a14:useLocalDpi xmlns:a14="http://schemas.microsoft.com/office/drawing/2010/main" val="0"/>
                 </a:ext>
                 <a:ext uri="{96DAC541-7B7A-43D3-8B79-37D633B846F1}">
-                  <asvg:svgBlip xmlns="" xmlns:asvg="http://schemas.microsoft.com/office/drawing/2016/SVG/main" r:embed="rId3"/>
+                  <asvg:svgBlip xmlns:asvg="http://schemas.microsoft.com/office/drawing/2016/SVG/main" xmlns="" r:embed="rId3"/>
                 </a:ext>
               </a:extLst>
             </a:blip>
@@ -10206,7 +10206,7 @@
                   <a14:useLocalDpi xmlns:a14="http://schemas.microsoft.com/office/drawing/2010/main" val="0"/>
                 </a:ext>
                 <a:ext uri="{96DAC541-7B7A-43D3-8B79-37D633B846F1}">
-                  <asvg:svgBlip xmlns="" xmlns:asvg="http://schemas.microsoft.com/office/drawing/2016/SVG/main" r:embed="rId3"/>
+                  <asvg:svgBlip xmlns:asvg="http://schemas.microsoft.com/office/drawing/2016/SVG/main" xmlns="" r:embed="rId3"/>
                 </a:ext>
               </a:extLst>
             </a:blip>
@@ -10245,7 +10245,7 @@
                   <a14:useLocalDpi xmlns:a14="http://schemas.microsoft.com/office/drawing/2010/main" val="0"/>
                 </a:ext>
                 <a:ext uri="{96DAC541-7B7A-43D3-8B79-37D633B846F1}">
-                  <asvg:svgBlip xmlns="" xmlns:asvg="http://schemas.microsoft.com/office/drawing/2016/SVG/main" r:embed="rId3"/>
+                  <asvg:svgBlip xmlns:asvg="http://schemas.microsoft.com/office/drawing/2016/SVG/main" xmlns="" r:embed="rId3"/>
                 </a:ext>
               </a:extLst>
             </a:blip>
@@ -10284,7 +10284,7 @@
                   <a14:useLocalDpi xmlns:a14="http://schemas.microsoft.com/office/drawing/2010/main" val="0"/>
                 </a:ext>
                 <a:ext uri="{96DAC541-7B7A-43D3-8B79-37D633B846F1}">
-                  <asvg:svgBlip xmlns="" xmlns:asvg="http://schemas.microsoft.com/office/drawing/2016/SVG/main" r:embed="rId3"/>
+                  <asvg:svgBlip xmlns:asvg="http://schemas.microsoft.com/office/drawing/2016/SVG/main" xmlns="" r:embed="rId3"/>
                 </a:ext>
               </a:extLst>
             </a:blip>
@@ -10601,7 +10601,7 @@
             <a:pPr rtl="0"/>
             <a:fld id="{1C953673-56B5-4EA3-8F30-1C5A6A2AF000}" type="datetime1">
               <a:rPr lang="ru-RU" noProof="0" smtClean="0"/>
-              <a:t>29.11.2020</a:t>
+              <a:t>30.11.2020</a:t>
             </a:fld>
             <a:endParaRPr lang="ru-RU" noProof="0" dirty="0"/>
           </a:p>
@@ -10740,7 +10740,7 @@
                   <a14:useLocalDpi xmlns:a14="http://schemas.microsoft.com/office/drawing/2010/main" val="0"/>
                 </a:ext>
                 <a:ext uri="{96DAC541-7B7A-43D3-8B79-37D633B846F1}">
-                  <asvg:svgBlip xmlns="" xmlns:asvg="http://schemas.microsoft.com/office/drawing/2016/SVG/main" r:embed="rId3"/>
+                  <asvg:svgBlip xmlns:asvg="http://schemas.microsoft.com/office/drawing/2016/SVG/main" xmlns="" r:embed="rId3"/>
                 </a:ext>
               </a:extLst>
             </a:blip>
@@ -10778,7 +10778,7 @@
                   <a14:useLocalDpi xmlns:a14="http://schemas.microsoft.com/office/drawing/2010/main" val="0"/>
                 </a:ext>
                 <a:ext uri="{96DAC541-7B7A-43D3-8B79-37D633B846F1}">
-                  <asvg:svgBlip xmlns="" xmlns:asvg="http://schemas.microsoft.com/office/drawing/2016/SVG/main" r:embed="rId3"/>
+                  <asvg:svgBlip xmlns:asvg="http://schemas.microsoft.com/office/drawing/2016/SVG/main" xmlns="" r:embed="rId3"/>
                 </a:ext>
               </a:extLst>
             </a:blip>
@@ -10817,7 +10817,7 @@
                   <a14:useLocalDpi xmlns:a14="http://schemas.microsoft.com/office/drawing/2010/main" val="0"/>
                 </a:ext>
                 <a:ext uri="{96DAC541-7B7A-43D3-8B79-37D633B846F1}">
-                  <asvg:svgBlip xmlns="" xmlns:asvg="http://schemas.microsoft.com/office/drawing/2016/SVG/main" r:embed="rId3"/>
+                  <asvg:svgBlip xmlns:asvg="http://schemas.microsoft.com/office/drawing/2016/SVG/main" xmlns="" r:embed="rId3"/>
                 </a:ext>
               </a:extLst>
             </a:blip>
@@ -10856,7 +10856,7 @@
                   <a14:useLocalDpi xmlns:a14="http://schemas.microsoft.com/office/drawing/2010/main" val="0"/>
                 </a:ext>
                 <a:ext uri="{96DAC541-7B7A-43D3-8B79-37D633B846F1}">
-                  <asvg:svgBlip xmlns="" xmlns:asvg="http://schemas.microsoft.com/office/drawing/2016/SVG/main" r:embed="rId3"/>
+                  <asvg:svgBlip xmlns:asvg="http://schemas.microsoft.com/office/drawing/2016/SVG/main" xmlns="" r:embed="rId3"/>
                 </a:ext>
               </a:extLst>
             </a:blip>
@@ -10895,7 +10895,7 @@
                   <a14:useLocalDpi xmlns:a14="http://schemas.microsoft.com/office/drawing/2010/main" val="0"/>
                 </a:ext>
                 <a:ext uri="{96DAC541-7B7A-43D3-8B79-37D633B846F1}">
-                  <asvg:svgBlip xmlns="" xmlns:asvg="http://schemas.microsoft.com/office/drawing/2016/SVG/main" r:embed="rId3"/>
+                  <asvg:svgBlip xmlns:asvg="http://schemas.microsoft.com/office/drawing/2016/SVG/main" xmlns="" r:embed="rId3"/>
                 </a:ext>
               </a:extLst>
             </a:blip>
@@ -11344,7 +11344,7 @@
             <a:pPr rtl="0"/>
             <a:fld id="{B0D5D628-E559-4D78-A66C-06C3A7EEF17A}" type="datetime1">
               <a:rPr lang="ru-RU" noProof="0" smtClean="0"/>
-              <a:t>29.11.2020</a:t>
+              <a:t>30.11.2020</a:t>
             </a:fld>
             <a:endParaRPr lang="ru-RU" noProof="0" dirty="0"/>
           </a:p>
@@ -11473,7 +11473,7 @@
                   <a14:useLocalDpi xmlns:a14="http://schemas.microsoft.com/office/drawing/2010/main" val="0"/>
                 </a:ext>
                 <a:ext uri="{96DAC541-7B7A-43D3-8B79-37D633B846F1}">
-                  <asvg:svgBlip xmlns="" xmlns:asvg="http://schemas.microsoft.com/office/drawing/2016/SVG/main" r:embed="rId3"/>
+                  <asvg:svgBlip xmlns:asvg="http://schemas.microsoft.com/office/drawing/2016/SVG/main" xmlns="" r:embed="rId3"/>
                 </a:ext>
               </a:extLst>
             </a:blip>
@@ -11511,7 +11511,7 @@
                   <a14:useLocalDpi xmlns:a14="http://schemas.microsoft.com/office/drawing/2010/main" val="0"/>
                 </a:ext>
                 <a:ext uri="{96DAC541-7B7A-43D3-8B79-37D633B846F1}">
-                  <asvg:svgBlip xmlns="" xmlns:asvg="http://schemas.microsoft.com/office/drawing/2016/SVG/main" r:embed="rId3"/>
+                  <asvg:svgBlip xmlns:asvg="http://schemas.microsoft.com/office/drawing/2016/SVG/main" xmlns="" r:embed="rId3"/>
                 </a:ext>
               </a:extLst>
             </a:blip>
@@ -11550,7 +11550,7 @@
                   <a14:useLocalDpi xmlns:a14="http://schemas.microsoft.com/office/drawing/2010/main" val="0"/>
                 </a:ext>
                 <a:ext uri="{96DAC541-7B7A-43D3-8B79-37D633B846F1}">
-                  <asvg:svgBlip xmlns="" xmlns:asvg="http://schemas.microsoft.com/office/drawing/2016/SVG/main" r:embed="rId3"/>
+                  <asvg:svgBlip xmlns:asvg="http://schemas.microsoft.com/office/drawing/2016/SVG/main" xmlns="" r:embed="rId3"/>
                 </a:ext>
               </a:extLst>
             </a:blip>
@@ -11589,7 +11589,7 @@
                   <a14:useLocalDpi xmlns:a14="http://schemas.microsoft.com/office/drawing/2010/main" val="0"/>
                 </a:ext>
                 <a:ext uri="{96DAC541-7B7A-43D3-8B79-37D633B846F1}">
-                  <asvg:svgBlip xmlns="" xmlns:asvg="http://schemas.microsoft.com/office/drawing/2016/SVG/main" r:embed="rId3"/>
+                  <asvg:svgBlip xmlns:asvg="http://schemas.microsoft.com/office/drawing/2016/SVG/main" xmlns="" r:embed="rId3"/>
                 </a:ext>
               </a:extLst>
             </a:blip>
@@ -11628,7 +11628,7 @@
                   <a14:useLocalDpi xmlns:a14="http://schemas.microsoft.com/office/drawing/2010/main" val="0"/>
                 </a:ext>
                 <a:ext uri="{96DAC541-7B7A-43D3-8B79-37D633B846F1}">
-                  <asvg:svgBlip xmlns="" xmlns:asvg="http://schemas.microsoft.com/office/drawing/2016/SVG/main" r:embed="rId3"/>
+                  <asvg:svgBlip xmlns:asvg="http://schemas.microsoft.com/office/drawing/2016/SVG/main" xmlns="" r:embed="rId3"/>
                 </a:ext>
               </a:extLst>
             </a:blip>
@@ -11815,7 +11815,7 @@
             <a:pPr rtl="0"/>
             <a:fld id="{0E5874C0-9939-4299-A6F1-96FC5CBE5794}" type="datetime1">
               <a:rPr lang="ru-RU" noProof="0" smtClean="0"/>
-              <a:t>29.11.2020</a:t>
+              <a:t>30.11.2020</a:t>
             </a:fld>
             <a:endParaRPr lang="ru-RU" noProof="0" dirty="0"/>
           </a:p>
@@ -12017,7 +12017,7 @@
                   <a14:useLocalDpi xmlns:a14="http://schemas.microsoft.com/office/drawing/2010/main" val="0"/>
                 </a:ext>
                 <a:ext uri="{96DAC541-7B7A-43D3-8B79-37D633B846F1}">
-                  <asvg:svgBlip xmlns="" xmlns:asvg="http://schemas.microsoft.com/office/drawing/2016/SVG/main" r:embed="rId3"/>
+                  <asvg:svgBlip xmlns:asvg="http://schemas.microsoft.com/office/drawing/2016/SVG/main" xmlns="" r:embed="rId3"/>
                 </a:ext>
               </a:extLst>
             </a:blip>
@@ -12055,7 +12055,7 @@
                   <a14:useLocalDpi xmlns:a14="http://schemas.microsoft.com/office/drawing/2010/main" val="0"/>
                 </a:ext>
                 <a:ext uri="{96DAC541-7B7A-43D3-8B79-37D633B846F1}">
-                  <asvg:svgBlip xmlns="" xmlns:asvg="http://schemas.microsoft.com/office/drawing/2016/SVG/main" r:embed="rId3"/>
+                  <asvg:svgBlip xmlns:asvg="http://schemas.microsoft.com/office/drawing/2016/SVG/main" xmlns="" r:embed="rId3"/>
                 </a:ext>
               </a:extLst>
             </a:blip>
@@ -12094,7 +12094,7 @@
                   <a14:useLocalDpi xmlns:a14="http://schemas.microsoft.com/office/drawing/2010/main" val="0"/>
                 </a:ext>
                 <a:ext uri="{96DAC541-7B7A-43D3-8B79-37D633B846F1}">
-                  <asvg:svgBlip xmlns="" xmlns:asvg="http://schemas.microsoft.com/office/drawing/2016/SVG/main" r:embed="rId3"/>
+                  <asvg:svgBlip xmlns:asvg="http://schemas.microsoft.com/office/drawing/2016/SVG/main" xmlns="" r:embed="rId3"/>
                 </a:ext>
               </a:extLst>
             </a:blip>
@@ -12133,7 +12133,7 @@
                   <a14:useLocalDpi xmlns:a14="http://schemas.microsoft.com/office/drawing/2010/main" val="0"/>
                 </a:ext>
                 <a:ext uri="{96DAC541-7B7A-43D3-8B79-37D633B846F1}">
-                  <asvg:svgBlip xmlns="" xmlns:asvg="http://schemas.microsoft.com/office/drawing/2016/SVG/main" r:embed="rId3"/>
+                  <asvg:svgBlip xmlns:asvg="http://schemas.microsoft.com/office/drawing/2016/SVG/main" xmlns="" r:embed="rId3"/>
                 </a:ext>
               </a:extLst>
             </a:blip>
@@ -12172,7 +12172,7 @@
                   <a14:useLocalDpi xmlns:a14="http://schemas.microsoft.com/office/drawing/2010/main" val="0"/>
                 </a:ext>
                 <a:ext uri="{96DAC541-7B7A-43D3-8B79-37D633B846F1}">
-                  <asvg:svgBlip xmlns="" xmlns:asvg="http://schemas.microsoft.com/office/drawing/2016/SVG/main" r:embed="rId3"/>
+                  <asvg:svgBlip xmlns:asvg="http://schemas.microsoft.com/office/drawing/2016/SVG/main" xmlns="" r:embed="rId3"/>
                 </a:ext>
               </a:extLst>
             </a:blip>
@@ -12372,7 +12372,7 @@
             <a:pPr rtl="0"/>
             <a:fld id="{E6CBC50C-F90C-4877-B7A7-F51A71B0245F}" type="datetime1">
               <a:rPr lang="ru-RU" noProof="0" smtClean="0"/>
-              <a:t>29.11.2020</a:t>
+              <a:t>30.11.2020</a:t>
             </a:fld>
             <a:endParaRPr lang="ru-RU" noProof="0" dirty="0"/>
           </a:p>
@@ -12501,7 +12501,7 @@
                   <a14:useLocalDpi xmlns:a14="http://schemas.microsoft.com/office/drawing/2010/main" val="0"/>
                 </a:ext>
                 <a:ext uri="{96DAC541-7B7A-43D3-8B79-37D633B846F1}">
-                  <asvg:svgBlip xmlns="" xmlns:asvg="http://schemas.microsoft.com/office/drawing/2016/SVG/main" r:embed="rId3"/>
+                  <asvg:svgBlip xmlns:asvg="http://schemas.microsoft.com/office/drawing/2016/SVG/main" xmlns="" r:embed="rId3"/>
                 </a:ext>
               </a:extLst>
             </a:blip>
@@ -12539,7 +12539,7 @@
                   <a14:useLocalDpi xmlns:a14="http://schemas.microsoft.com/office/drawing/2010/main" val="0"/>
                 </a:ext>
                 <a:ext uri="{96DAC541-7B7A-43D3-8B79-37D633B846F1}">
-                  <asvg:svgBlip xmlns="" xmlns:asvg="http://schemas.microsoft.com/office/drawing/2016/SVG/main" r:embed="rId3"/>
+                  <asvg:svgBlip xmlns:asvg="http://schemas.microsoft.com/office/drawing/2016/SVG/main" xmlns="" r:embed="rId3"/>
                 </a:ext>
               </a:extLst>
             </a:blip>
@@ -12578,7 +12578,7 @@
                   <a14:useLocalDpi xmlns:a14="http://schemas.microsoft.com/office/drawing/2010/main" val="0"/>
                 </a:ext>
                 <a:ext uri="{96DAC541-7B7A-43D3-8B79-37D633B846F1}">
-                  <asvg:svgBlip xmlns="" xmlns:asvg="http://schemas.microsoft.com/office/drawing/2016/SVG/main" r:embed="rId3"/>
+                  <asvg:svgBlip xmlns:asvg="http://schemas.microsoft.com/office/drawing/2016/SVG/main" xmlns="" r:embed="rId3"/>
                 </a:ext>
               </a:extLst>
             </a:blip>
@@ -12617,7 +12617,7 @@
                   <a14:useLocalDpi xmlns:a14="http://schemas.microsoft.com/office/drawing/2010/main" val="0"/>
                 </a:ext>
                 <a:ext uri="{96DAC541-7B7A-43D3-8B79-37D633B846F1}">
-                  <asvg:svgBlip xmlns="" xmlns:asvg="http://schemas.microsoft.com/office/drawing/2016/SVG/main" r:embed="rId3"/>
+                  <asvg:svgBlip xmlns:asvg="http://schemas.microsoft.com/office/drawing/2016/SVG/main" xmlns="" r:embed="rId3"/>
                 </a:ext>
               </a:extLst>
             </a:blip>
@@ -12722,7 +12722,7 @@
             <a:pPr rtl="0"/>
             <a:fld id="{45FFFD88-FA86-4F08-85AA-7654CCCCCB65}" type="datetime1">
               <a:rPr lang="ru-RU" noProof="0" smtClean="0"/>
-              <a:t>29.11.2020</a:t>
+              <a:t>30.11.2020</a:t>
             </a:fld>
             <a:endParaRPr lang="ru-RU" noProof="0" dirty="0"/>
           </a:p>
@@ -12994,7 +12994,7 @@
             <a:pPr rtl="0"/>
             <a:fld id="{7451D678-49A0-4EA1-BD84-3EC88371B20F}" type="datetime1">
               <a:rPr lang="ru-RU" noProof="0" smtClean="0"/>
-              <a:t>29.11.2020</a:t>
+              <a:t>30.11.2020</a:t>
             </a:fld>
             <a:endParaRPr lang="ru-RU" noProof="0" dirty="0"/>
           </a:p>
@@ -13524,7 +13524,7 @@
                 <a14:useLocalDpi xmlns:a14="http://schemas.microsoft.com/office/drawing/2010/main" val="0"/>
               </a:ext>
               <a:ext uri="{96DAC541-7B7A-43D3-8B79-37D633B846F1}">
-                <asvg:svgBlip xmlns="" xmlns:asvg="http://schemas.microsoft.com/office/drawing/2016/SVG/main" r:embed="rId4"/>
+                <asvg:svgBlip xmlns:asvg="http://schemas.microsoft.com/office/drawing/2016/SVG/main" xmlns="" r:embed="rId4"/>
               </a:ext>
             </a:extLst>
           </a:blip>
@@ -13700,7 +13700,7 @@
                 <a14:useLocalDpi xmlns:a14="http://schemas.microsoft.com/office/drawing/2010/main" val="0"/>
               </a:ext>
               <a:ext uri="{96DAC541-7B7A-43D3-8B79-37D633B846F1}">
-                <asvg:svgBlip xmlns="" xmlns:asvg="http://schemas.microsoft.com/office/drawing/2016/SVG/main" r:embed="rId4"/>
+                <asvg:svgBlip xmlns:asvg="http://schemas.microsoft.com/office/drawing/2016/SVG/main" xmlns="" r:embed="rId4"/>
               </a:ext>
             </a:extLst>
           </a:blip>
@@ -13872,7 +13872,7 @@
                 <a14:useLocalDpi xmlns:a14="http://schemas.microsoft.com/office/drawing/2010/main" val="0"/>
               </a:ext>
               <a:ext uri="{96DAC541-7B7A-43D3-8B79-37D633B846F1}">
-                <asvg:svgBlip xmlns="" xmlns:asvg="http://schemas.microsoft.com/office/drawing/2016/SVG/main" r:embed="rId4"/>
+                <asvg:svgBlip xmlns:asvg="http://schemas.microsoft.com/office/drawing/2016/SVG/main" xmlns="" r:embed="rId4"/>
               </a:ext>
             </a:extLst>
           </a:blip>
@@ -13962,13 +13962,13 @@
         </p:nvSpPr>
         <p:spPr>
           <a:xfrm>
-            <a:off x="1963794" y="2050625"/>
-            <a:ext cx="8396755" cy="3109772"/>
+            <a:off x="2432921" y="1988546"/>
+            <a:ext cx="8396755" cy="2915961"/>
           </a:xfrm>
         </p:spPr>
         <p:txBody>
           <a:bodyPr>
-            <a:normAutofit/>
+            <a:normAutofit fontScale="92500" lnSpcReduction="20000"/>
           </a:bodyPr>
           <a:lstStyle/>
           <a:p>
@@ -13978,15 +13978,7 @@
             </a:pPr>
             <a:r>
               <a:rPr lang="ru-RU" sz="2400" dirty="0" smtClean="0"/>
-              <a:t>Пул </a:t>
-            </a:r>
-            <a:r>
-              <a:rPr lang="en-US" sz="2400" dirty="0" smtClean="0"/>
-              <a:t>(</a:t>
-            </a:r>
-            <a:r>
-              <a:rPr lang="ru-RU" sz="2400" dirty="0" smtClean="0"/>
-              <a:t>массив, стек, список) объектов</a:t>
+              <a:t>Приватный конструктор</a:t>
             </a:r>
             <a:endParaRPr lang="en-US" sz="2400" dirty="0" smtClean="0"/>
           </a:p>
@@ -13997,6 +13989,49 @@
             </a:pPr>
             <a:r>
               <a:rPr lang="ru-RU" sz="2400" dirty="0" smtClean="0"/>
+              <a:t>Пул </a:t>
+            </a:r>
+            <a:r>
+              <a:rPr lang="en-US" sz="2400" dirty="0" smtClean="0"/>
+              <a:t>(</a:t>
+            </a:r>
+            <a:r>
+              <a:rPr lang="ru-RU" sz="2400" dirty="0" smtClean="0"/>
+              <a:t>массив, стек, список) </a:t>
+            </a:r>
+            <a:r>
+              <a:rPr lang="ru-RU" sz="2400" dirty="0" smtClean="0"/>
+              <a:t>объектов</a:t>
+            </a:r>
+          </a:p>
+          <a:p>
+            <a:pPr marL="285750" indent="-285750">
+              <a:buFont typeface="Arial" panose="020B0604020202020204" pitchFamily="34" charset="0"/>
+              <a:buChar char="•"/>
+            </a:pPr>
+            <a:r>
+              <a:rPr lang="ru-RU" sz="2400" dirty="0" smtClean="0"/>
+              <a:t>Метод выдачи объекта из пула</a:t>
+            </a:r>
+          </a:p>
+          <a:p>
+            <a:pPr marL="285750" indent="-285750">
+              <a:buFont typeface="Arial" panose="020B0604020202020204" pitchFamily="34" charset="0"/>
+              <a:buChar char="•"/>
+            </a:pPr>
+            <a:r>
+              <a:rPr lang="ru-RU" sz="2400" dirty="0" smtClean="0"/>
+              <a:t>Метод возвращения объекта в пул</a:t>
+            </a:r>
+            <a:endParaRPr lang="en-US" sz="2400" dirty="0" smtClean="0"/>
+          </a:p>
+          <a:p>
+            <a:pPr marL="285750" indent="-285750">
+              <a:buFont typeface="Arial" panose="020B0604020202020204" pitchFamily="34" charset="0"/>
+              <a:buChar char="•"/>
+            </a:pPr>
+            <a:r>
+              <a:rPr lang="ru-RU" sz="2400" dirty="0" smtClean="0"/>
               <a:t>Опционально:</a:t>
             </a:r>
           </a:p>
@@ -14027,9 +14062,13 @@
             </a:pPr>
             <a:r>
               <a:rPr lang="ru-RU" sz="2400" dirty="0" smtClean="0"/>
-              <a:t>Другие модификации…</a:t>
-            </a:r>
-            <a:endParaRPr lang="ru-RU" sz="2400" dirty="0" smtClean="0"/>
+              <a:t>Другие модификации</a:t>
+            </a:r>
+            <a:r>
+              <a:rPr lang="ru-RU" sz="2400" dirty="0" smtClean="0"/>
+              <a:t>…</a:t>
+            </a:r>
+            <a:endParaRPr lang="ru-RU" sz="2400" dirty="0"/>
           </a:p>
         </p:txBody>
       </p:sp>
@@ -14105,8 +14144,8 @@
         </p:nvSpPr>
         <p:spPr>
           <a:xfrm>
-            <a:off x="1780915" y="2034724"/>
-            <a:ext cx="9358862" cy="2394154"/>
+            <a:off x="2137175" y="1983178"/>
+            <a:ext cx="9358862" cy="1875683"/>
           </a:xfrm>
         </p:spPr>
         <p:txBody>
@@ -14235,8 +14274,8 @@
         </p:blipFill>
         <p:spPr>
           <a:xfrm>
-            <a:off x="6759404" y="2535887"/>
-            <a:ext cx="4212881" cy="2759682"/>
+            <a:off x="5398945" y="2203378"/>
+            <a:ext cx="6570867" cy="4304300"/>
           </a:xfrm>
         </p:spPr>
       </p:pic>
@@ -14309,7 +14348,7 @@
           <p:nvPr>
             <p:extLst>
               <p:ext uri="{D42A27DB-BD31-4B8C-83A1-F6EECF244321}">
-                <p14:modId xmlns:p14="http://schemas.microsoft.com/office/powerpoint/2010/main" val="898438184"/>
+                <p14:modId xmlns:p14="http://schemas.microsoft.com/office/powerpoint/2010/main" val="2878662615"/>
               </p:ext>
             </p:extLst>
           </p:nvPr>
@@ -14322,7 +14361,7 @@
           <a:graphicData uri="http://schemas.openxmlformats.org/presentationml/2006/ole">
             <mc:AlternateContent xmlns:mc="http://schemas.openxmlformats.org/markup-compatibility/2006">
               <mc:Choice xmlns:v="urn:schemas-microsoft-com:vml" Requires="v">
-                <p:oleObj spid="_x0000_s1026" name="Document" r:id="rId3" imgW="5862962" imgH="9214234" progId="Word.Document.8">
+                <p:oleObj spid="_x0000_s1030" name="Document" r:id="rId3" imgW="5862962" imgH="9214234" progId="Word.Document.8">
                   <p:link updateAutomatic="1"/>
                 </p:oleObj>
               </mc:Choice>
@@ -15470,21 +15509,21 @@
 </file>
 
 <file path=customXml/item2.xml><?xml version="1.0" encoding="utf-8"?>
+<?mso-contentType ?>
+<FormTemplates xmlns="http://schemas.microsoft.com/sharepoint/v3/contenttype/forms">
+  <Display>DocumentLibraryForm</Display>
+  <Edit>DocumentLibraryForm</Edit>
+  <New>DocumentLibraryForm</New>
+</FormTemplates>
+</file>
+
+<file path=customXml/item3.xml><?xml version="1.0" encoding="utf-8"?>
 <p:properties xmlns:p="http://schemas.microsoft.com/office/2006/metadata/properties" xmlns:xsi="http://www.w3.org/2001/XMLSchema-instance" xmlns:pc="http://schemas.microsoft.com/office/infopath/2007/PartnerControls">
   <documentManagement>
     <_ip_UnifiedCompliancePolicyUIAction xmlns="http://schemas.microsoft.com/sharepoint/v3" xsi:nil="true"/>
     <_ip_UnifiedCompliancePolicyProperties xmlns="http://schemas.microsoft.com/sharepoint/v3" xsi:nil="true"/>
   </documentManagement>
 </p:properties>
-</file>
-
-<file path=customXml/item3.xml><?xml version="1.0" encoding="utf-8"?>
-<?mso-contentType ?>
-<FormTemplates xmlns="http://schemas.microsoft.com/sharepoint/v3/contenttype/forms">
-  <Display>DocumentLibraryForm</Display>
-  <Edit>DocumentLibraryForm</Edit>
-  <New>DocumentLibraryForm</New>
-</FormTemplates>
 </file>
 
 <file path=customXml/itemProps1.xml><?xml version="1.0" encoding="utf-8"?>
@@ -15508,6 +15547,14 @@
 </file>
 
 <file path=customXml/itemProps2.xml><?xml version="1.0" encoding="utf-8"?>
+<ds:datastoreItem xmlns:ds="http://schemas.openxmlformats.org/officeDocument/2006/customXml" ds:itemID="{F5873FAD-10D7-4DE7-A029-14288C05F594}">
+  <ds:schemaRefs>
+    <ds:schemaRef ds:uri="http://schemas.microsoft.com/sharepoint/v3/contenttype/forms"/>
+  </ds:schemaRefs>
+</ds:datastoreItem>
+</file>
+
+<file path=customXml/itemProps3.xml><?xml version="1.0" encoding="utf-8"?>
 <ds:datastoreItem xmlns:ds="http://schemas.openxmlformats.org/officeDocument/2006/customXml" ds:itemID="{71DDD245-D6FC-4A3B-8DDB-348DE94B95C6}">
   <ds:schemaRefs>
     <ds:schemaRef ds:uri="http://purl.org/dc/terms/"/>
@@ -15523,12 +15570,4 @@
     <ds:schemaRef ds:uri="http://schemas.microsoft.com/sharepoint/v3"/>
   </ds:schemaRefs>
 </ds:datastoreItem>
-</file>
-
-<file path=customXml/itemProps3.xml><?xml version="1.0" encoding="utf-8"?>
-<ds:datastoreItem xmlns:ds="http://schemas.openxmlformats.org/officeDocument/2006/customXml" ds:itemID="{F5873FAD-10D7-4DE7-A029-14288C05F594}">
-  <ds:schemaRefs>
-    <ds:schemaRef ds:uri="http://schemas.microsoft.com/sharepoint/v3/contenttype/forms"/>
-  </ds:schemaRefs>
-</ds:datastoreItem>
 </file>
--- a/ObjectPool.pptx
+++ b/ObjectPool.pptx
@@ -1301,7 +1301,7 @@
                   <a14:useLocalDpi xmlns:a14="http://schemas.microsoft.com/office/drawing/2010/main" val="0"/>
                 </a:ext>
                 <a:ext uri="{96DAC541-7B7A-43D3-8B79-37D633B846F1}">
-                  <asvg:svgBlip xmlns:asvg="http://schemas.microsoft.com/office/drawing/2016/SVG/main" xmlns="" r:embed="rId3"/>
+                  <asvg:svgBlip xmlns="" xmlns:asvg="http://schemas.microsoft.com/office/drawing/2016/SVG/main" r:embed="rId3"/>
                 </a:ext>
               </a:extLst>
             </a:blip>
@@ -1339,7 +1339,7 @@
                   <a14:useLocalDpi xmlns:a14="http://schemas.microsoft.com/office/drawing/2010/main" val="0"/>
                 </a:ext>
                 <a:ext uri="{96DAC541-7B7A-43D3-8B79-37D633B846F1}">
-                  <asvg:svgBlip xmlns:asvg="http://schemas.microsoft.com/office/drawing/2016/SVG/main" xmlns="" r:embed="rId3"/>
+                  <asvg:svgBlip xmlns="" xmlns:asvg="http://schemas.microsoft.com/office/drawing/2016/SVG/main" r:embed="rId3"/>
                 </a:ext>
               </a:extLst>
             </a:blip>
@@ -1378,7 +1378,7 @@
                   <a14:useLocalDpi xmlns:a14="http://schemas.microsoft.com/office/drawing/2010/main" val="0"/>
                 </a:ext>
                 <a:ext uri="{96DAC541-7B7A-43D3-8B79-37D633B846F1}">
-                  <asvg:svgBlip xmlns:asvg="http://schemas.microsoft.com/office/drawing/2016/SVG/main" xmlns="" r:embed="rId3"/>
+                  <asvg:svgBlip xmlns="" xmlns:asvg="http://schemas.microsoft.com/office/drawing/2016/SVG/main" r:embed="rId3"/>
                 </a:ext>
               </a:extLst>
             </a:blip>
@@ -1417,7 +1417,7 @@
                   <a14:useLocalDpi xmlns:a14="http://schemas.microsoft.com/office/drawing/2010/main" val="0"/>
                 </a:ext>
                 <a:ext uri="{96DAC541-7B7A-43D3-8B79-37D633B846F1}">
-                  <asvg:svgBlip xmlns:asvg="http://schemas.microsoft.com/office/drawing/2016/SVG/main" xmlns="" r:embed="rId3"/>
+                  <asvg:svgBlip xmlns="" xmlns:asvg="http://schemas.microsoft.com/office/drawing/2016/SVG/main" r:embed="rId3"/>
                 </a:ext>
               </a:extLst>
             </a:blip>
@@ -1851,7 +1851,7 @@
                   <a14:useLocalDpi xmlns:a14="http://schemas.microsoft.com/office/drawing/2010/main" val="0"/>
                 </a:ext>
                 <a:ext uri="{96DAC541-7B7A-43D3-8B79-37D633B846F1}">
-                  <asvg:svgBlip xmlns:asvg="http://schemas.microsoft.com/office/drawing/2016/SVG/main" xmlns="" r:embed="rId3"/>
+                  <asvg:svgBlip xmlns="" xmlns:asvg="http://schemas.microsoft.com/office/drawing/2016/SVG/main" r:embed="rId3"/>
                 </a:ext>
               </a:extLst>
             </a:blip>
@@ -1889,7 +1889,7 @@
                   <a14:useLocalDpi xmlns:a14="http://schemas.microsoft.com/office/drawing/2010/main" val="0"/>
                 </a:ext>
                 <a:ext uri="{96DAC541-7B7A-43D3-8B79-37D633B846F1}">
-                  <asvg:svgBlip xmlns:asvg="http://schemas.microsoft.com/office/drawing/2016/SVG/main" xmlns="" r:embed="rId3"/>
+                  <asvg:svgBlip xmlns="" xmlns:asvg="http://schemas.microsoft.com/office/drawing/2016/SVG/main" r:embed="rId3"/>
                 </a:ext>
               </a:extLst>
             </a:blip>
@@ -1928,7 +1928,7 @@
                   <a14:useLocalDpi xmlns:a14="http://schemas.microsoft.com/office/drawing/2010/main" val="0"/>
                 </a:ext>
                 <a:ext uri="{96DAC541-7B7A-43D3-8B79-37D633B846F1}">
-                  <asvg:svgBlip xmlns:asvg="http://schemas.microsoft.com/office/drawing/2016/SVG/main" xmlns="" r:embed="rId3"/>
+                  <asvg:svgBlip xmlns="" xmlns:asvg="http://schemas.microsoft.com/office/drawing/2016/SVG/main" r:embed="rId3"/>
                 </a:ext>
               </a:extLst>
             </a:blip>
@@ -1967,7 +1967,7 @@
                   <a14:useLocalDpi xmlns:a14="http://schemas.microsoft.com/office/drawing/2010/main" val="0"/>
                 </a:ext>
                 <a:ext uri="{96DAC541-7B7A-43D3-8B79-37D633B846F1}">
-                  <asvg:svgBlip xmlns:asvg="http://schemas.microsoft.com/office/drawing/2016/SVG/main" xmlns="" r:embed="rId3"/>
+                  <asvg:svgBlip xmlns="" xmlns:asvg="http://schemas.microsoft.com/office/drawing/2016/SVG/main" r:embed="rId3"/>
                 </a:ext>
               </a:extLst>
             </a:blip>
@@ -2421,7 +2421,7 @@
                   <a14:useLocalDpi xmlns:a14="http://schemas.microsoft.com/office/drawing/2010/main" val="0"/>
                 </a:ext>
                 <a:ext uri="{96DAC541-7B7A-43D3-8B79-37D633B846F1}">
-                  <asvg:svgBlip xmlns:asvg="http://schemas.microsoft.com/office/drawing/2016/SVG/main" xmlns="" r:embed="rId3"/>
+                  <asvg:svgBlip xmlns="" xmlns:asvg="http://schemas.microsoft.com/office/drawing/2016/SVG/main" r:embed="rId3"/>
                 </a:ext>
               </a:extLst>
             </a:blip>
@@ -2459,7 +2459,7 @@
                   <a14:useLocalDpi xmlns:a14="http://schemas.microsoft.com/office/drawing/2010/main" val="0"/>
                 </a:ext>
                 <a:ext uri="{96DAC541-7B7A-43D3-8B79-37D633B846F1}">
-                  <asvg:svgBlip xmlns:asvg="http://schemas.microsoft.com/office/drawing/2016/SVG/main" xmlns="" r:embed="rId3"/>
+                  <asvg:svgBlip xmlns="" xmlns:asvg="http://schemas.microsoft.com/office/drawing/2016/SVG/main" r:embed="rId3"/>
                 </a:ext>
               </a:extLst>
             </a:blip>
@@ -2498,7 +2498,7 @@
                   <a14:useLocalDpi xmlns:a14="http://schemas.microsoft.com/office/drawing/2010/main" val="0"/>
                 </a:ext>
                 <a:ext uri="{96DAC541-7B7A-43D3-8B79-37D633B846F1}">
-                  <asvg:svgBlip xmlns:asvg="http://schemas.microsoft.com/office/drawing/2016/SVG/main" xmlns="" r:embed="rId3"/>
+                  <asvg:svgBlip xmlns="" xmlns:asvg="http://schemas.microsoft.com/office/drawing/2016/SVG/main" r:embed="rId3"/>
                 </a:ext>
               </a:extLst>
             </a:blip>
@@ -2537,7 +2537,7 @@
                   <a14:useLocalDpi xmlns:a14="http://schemas.microsoft.com/office/drawing/2010/main" val="0"/>
                 </a:ext>
                 <a:ext uri="{96DAC541-7B7A-43D3-8B79-37D633B846F1}">
-                  <asvg:svgBlip xmlns:asvg="http://schemas.microsoft.com/office/drawing/2016/SVG/main" xmlns="" r:embed="rId3"/>
+                  <asvg:svgBlip xmlns="" xmlns:asvg="http://schemas.microsoft.com/office/drawing/2016/SVG/main" r:embed="rId3"/>
                 </a:ext>
               </a:extLst>
             </a:blip>
@@ -3321,7 +3321,7 @@
                   <a14:useLocalDpi xmlns:a14="http://schemas.microsoft.com/office/drawing/2010/main" val="0"/>
                 </a:ext>
                 <a:ext uri="{96DAC541-7B7A-43D3-8B79-37D633B846F1}">
-                  <asvg:svgBlip xmlns:asvg="http://schemas.microsoft.com/office/drawing/2016/SVG/main" xmlns="" r:embed="rId3"/>
+                  <asvg:svgBlip xmlns="" xmlns:asvg="http://schemas.microsoft.com/office/drawing/2016/SVG/main" r:embed="rId3"/>
                 </a:ext>
               </a:extLst>
             </a:blip>
@@ -3359,7 +3359,7 @@
                   <a14:useLocalDpi xmlns:a14="http://schemas.microsoft.com/office/drawing/2010/main" val="0"/>
                 </a:ext>
                 <a:ext uri="{96DAC541-7B7A-43D3-8B79-37D633B846F1}">
-                  <asvg:svgBlip xmlns:asvg="http://schemas.microsoft.com/office/drawing/2016/SVG/main" xmlns="" r:embed="rId3"/>
+                  <asvg:svgBlip xmlns="" xmlns:asvg="http://schemas.microsoft.com/office/drawing/2016/SVG/main" r:embed="rId3"/>
                 </a:ext>
               </a:extLst>
             </a:blip>
@@ -3398,7 +3398,7 @@
                   <a14:useLocalDpi xmlns:a14="http://schemas.microsoft.com/office/drawing/2010/main" val="0"/>
                 </a:ext>
                 <a:ext uri="{96DAC541-7B7A-43D3-8B79-37D633B846F1}">
-                  <asvg:svgBlip xmlns:asvg="http://schemas.microsoft.com/office/drawing/2016/SVG/main" xmlns="" r:embed="rId3"/>
+                  <asvg:svgBlip xmlns="" xmlns:asvg="http://schemas.microsoft.com/office/drawing/2016/SVG/main" r:embed="rId3"/>
                 </a:ext>
               </a:extLst>
             </a:blip>
@@ -3437,7 +3437,7 @@
                   <a14:useLocalDpi xmlns:a14="http://schemas.microsoft.com/office/drawing/2010/main" val="0"/>
                 </a:ext>
                 <a:ext uri="{96DAC541-7B7A-43D3-8B79-37D633B846F1}">
-                  <asvg:svgBlip xmlns:asvg="http://schemas.microsoft.com/office/drawing/2016/SVG/main" xmlns="" r:embed="rId3"/>
+                  <asvg:svgBlip xmlns="" xmlns:asvg="http://schemas.microsoft.com/office/drawing/2016/SVG/main" r:embed="rId3"/>
                 </a:ext>
               </a:extLst>
             </a:blip>
@@ -3476,7 +3476,7 @@
                   <a14:useLocalDpi xmlns:a14="http://schemas.microsoft.com/office/drawing/2010/main" val="0"/>
                 </a:ext>
                 <a:ext uri="{96DAC541-7B7A-43D3-8B79-37D633B846F1}">
-                  <asvg:svgBlip xmlns:asvg="http://schemas.microsoft.com/office/drawing/2016/SVG/main" xmlns="" r:embed="rId3"/>
+                  <asvg:svgBlip xmlns="" xmlns:asvg="http://schemas.microsoft.com/office/drawing/2016/SVG/main" r:embed="rId3"/>
                 </a:ext>
               </a:extLst>
             </a:blip>
@@ -3884,7 +3884,7 @@
                   <a14:useLocalDpi xmlns:a14="http://schemas.microsoft.com/office/drawing/2010/main" val="0"/>
                 </a:ext>
                 <a:ext uri="{96DAC541-7B7A-43D3-8B79-37D633B846F1}">
-                  <asvg:svgBlip xmlns:asvg="http://schemas.microsoft.com/office/drawing/2016/SVG/main" xmlns="" r:embed="rId3"/>
+                  <asvg:svgBlip xmlns="" xmlns:asvg="http://schemas.microsoft.com/office/drawing/2016/SVG/main" r:embed="rId3"/>
                 </a:ext>
               </a:extLst>
             </a:blip>
@@ -3922,7 +3922,7 @@
                   <a14:useLocalDpi xmlns:a14="http://schemas.microsoft.com/office/drawing/2010/main" val="0"/>
                 </a:ext>
                 <a:ext uri="{96DAC541-7B7A-43D3-8B79-37D633B846F1}">
-                  <asvg:svgBlip xmlns:asvg="http://schemas.microsoft.com/office/drawing/2016/SVG/main" xmlns="" r:embed="rId3"/>
+                  <asvg:svgBlip xmlns="" xmlns:asvg="http://schemas.microsoft.com/office/drawing/2016/SVG/main" r:embed="rId3"/>
                 </a:ext>
               </a:extLst>
             </a:blip>
@@ -3961,7 +3961,7 @@
                   <a14:useLocalDpi xmlns:a14="http://schemas.microsoft.com/office/drawing/2010/main" val="0"/>
                 </a:ext>
                 <a:ext uri="{96DAC541-7B7A-43D3-8B79-37D633B846F1}">
-                  <asvg:svgBlip xmlns:asvg="http://schemas.microsoft.com/office/drawing/2016/SVG/main" xmlns="" r:embed="rId3"/>
+                  <asvg:svgBlip xmlns="" xmlns:asvg="http://schemas.microsoft.com/office/drawing/2016/SVG/main" r:embed="rId3"/>
                 </a:ext>
               </a:extLst>
             </a:blip>
@@ -4000,7 +4000,7 @@
                   <a14:useLocalDpi xmlns:a14="http://schemas.microsoft.com/office/drawing/2010/main" val="0"/>
                 </a:ext>
                 <a:ext uri="{96DAC541-7B7A-43D3-8B79-37D633B846F1}">
-                  <asvg:svgBlip xmlns:asvg="http://schemas.microsoft.com/office/drawing/2016/SVG/main" xmlns="" r:embed="rId3"/>
+                  <asvg:svgBlip xmlns="" xmlns:asvg="http://schemas.microsoft.com/office/drawing/2016/SVG/main" r:embed="rId3"/>
                 </a:ext>
               </a:extLst>
             </a:blip>
@@ -4709,7 +4709,7 @@
                   <a14:useLocalDpi xmlns:a14="http://schemas.microsoft.com/office/drawing/2010/main" val="0"/>
                 </a:ext>
                 <a:ext uri="{96DAC541-7B7A-43D3-8B79-37D633B846F1}">
-                  <asvg:svgBlip xmlns:asvg="http://schemas.microsoft.com/office/drawing/2016/SVG/main" xmlns="" r:embed="rId3"/>
+                  <asvg:svgBlip xmlns="" xmlns:asvg="http://schemas.microsoft.com/office/drawing/2016/SVG/main" r:embed="rId3"/>
                 </a:ext>
               </a:extLst>
             </a:blip>
@@ -4747,7 +4747,7 @@
                   <a14:useLocalDpi xmlns:a14="http://schemas.microsoft.com/office/drawing/2010/main" val="0"/>
                 </a:ext>
                 <a:ext uri="{96DAC541-7B7A-43D3-8B79-37D633B846F1}">
-                  <asvg:svgBlip xmlns:asvg="http://schemas.microsoft.com/office/drawing/2016/SVG/main" xmlns="" r:embed="rId3"/>
+                  <asvg:svgBlip xmlns="" xmlns:asvg="http://schemas.microsoft.com/office/drawing/2016/SVG/main" r:embed="rId3"/>
                 </a:ext>
               </a:extLst>
             </a:blip>
@@ -4786,7 +4786,7 @@
                   <a14:useLocalDpi xmlns:a14="http://schemas.microsoft.com/office/drawing/2010/main" val="0"/>
                 </a:ext>
                 <a:ext uri="{96DAC541-7B7A-43D3-8B79-37D633B846F1}">
-                  <asvg:svgBlip xmlns:asvg="http://schemas.microsoft.com/office/drawing/2016/SVG/main" xmlns="" r:embed="rId3"/>
+                  <asvg:svgBlip xmlns="" xmlns:asvg="http://schemas.microsoft.com/office/drawing/2016/SVG/main" r:embed="rId3"/>
                 </a:ext>
               </a:extLst>
             </a:blip>
@@ -4825,7 +4825,7 @@
                   <a14:useLocalDpi xmlns:a14="http://schemas.microsoft.com/office/drawing/2010/main" val="0"/>
                 </a:ext>
                 <a:ext uri="{96DAC541-7B7A-43D3-8B79-37D633B846F1}">
-                  <asvg:svgBlip xmlns:asvg="http://schemas.microsoft.com/office/drawing/2016/SVG/main" xmlns="" r:embed="rId3"/>
+                  <asvg:svgBlip xmlns="" xmlns:asvg="http://schemas.microsoft.com/office/drawing/2016/SVG/main" r:embed="rId3"/>
                 </a:ext>
               </a:extLst>
             </a:blip>
@@ -4864,7 +4864,7 @@
                   <a14:useLocalDpi xmlns:a14="http://schemas.microsoft.com/office/drawing/2010/main" val="0"/>
                 </a:ext>
                 <a:ext uri="{96DAC541-7B7A-43D3-8B79-37D633B846F1}">
-                  <asvg:svgBlip xmlns:asvg="http://schemas.microsoft.com/office/drawing/2016/SVG/main" xmlns="" r:embed="rId3"/>
+                  <asvg:svgBlip xmlns="" xmlns:asvg="http://schemas.microsoft.com/office/drawing/2016/SVG/main" r:embed="rId3"/>
                 </a:ext>
               </a:extLst>
             </a:blip>
@@ -5259,7 +5259,7 @@
                   <a14:useLocalDpi xmlns:a14="http://schemas.microsoft.com/office/drawing/2010/main" val="0"/>
                 </a:ext>
                 <a:ext uri="{96DAC541-7B7A-43D3-8B79-37D633B846F1}">
-                  <asvg:svgBlip xmlns:asvg="http://schemas.microsoft.com/office/drawing/2016/SVG/main" xmlns="" r:embed="rId3"/>
+                  <asvg:svgBlip xmlns="" xmlns:asvg="http://schemas.microsoft.com/office/drawing/2016/SVG/main" r:embed="rId3"/>
                 </a:ext>
               </a:extLst>
             </a:blip>
@@ -5297,7 +5297,7 @@
                   <a14:useLocalDpi xmlns:a14="http://schemas.microsoft.com/office/drawing/2010/main" val="0"/>
                 </a:ext>
                 <a:ext uri="{96DAC541-7B7A-43D3-8B79-37D633B846F1}">
-                  <asvg:svgBlip xmlns:asvg="http://schemas.microsoft.com/office/drawing/2016/SVG/main" xmlns="" r:embed="rId3"/>
+                  <asvg:svgBlip xmlns="" xmlns:asvg="http://schemas.microsoft.com/office/drawing/2016/SVG/main" r:embed="rId3"/>
                 </a:ext>
               </a:extLst>
             </a:blip>
@@ -5336,7 +5336,7 @@
                   <a14:useLocalDpi xmlns:a14="http://schemas.microsoft.com/office/drawing/2010/main" val="0"/>
                 </a:ext>
                 <a:ext uri="{96DAC541-7B7A-43D3-8B79-37D633B846F1}">
-                  <asvg:svgBlip xmlns:asvg="http://schemas.microsoft.com/office/drawing/2016/SVG/main" xmlns="" r:embed="rId3"/>
+                  <asvg:svgBlip xmlns="" xmlns:asvg="http://schemas.microsoft.com/office/drawing/2016/SVG/main" r:embed="rId3"/>
                 </a:ext>
               </a:extLst>
             </a:blip>
@@ -5375,7 +5375,7 @@
                   <a14:useLocalDpi xmlns:a14="http://schemas.microsoft.com/office/drawing/2010/main" val="0"/>
                 </a:ext>
                 <a:ext uri="{96DAC541-7B7A-43D3-8B79-37D633B846F1}">
-                  <asvg:svgBlip xmlns:asvg="http://schemas.microsoft.com/office/drawing/2016/SVG/main" xmlns="" r:embed="rId3"/>
+                  <asvg:svgBlip xmlns="" xmlns:asvg="http://schemas.microsoft.com/office/drawing/2016/SVG/main" r:embed="rId3"/>
                 </a:ext>
               </a:extLst>
             </a:blip>
@@ -6123,7 +6123,7 @@
                   <a14:useLocalDpi xmlns:a14="http://schemas.microsoft.com/office/drawing/2010/main" val="0"/>
                 </a:ext>
                 <a:ext uri="{96DAC541-7B7A-43D3-8B79-37D633B846F1}">
-                  <asvg:svgBlip xmlns:asvg="http://schemas.microsoft.com/office/drawing/2016/SVG/main" xmlns="" r:embed="rId3"/>
+                  <asvg:svgBlip xmlns="" xmlns:asvg="http://schemas.microsoft.com/office/drawing/2016/SVG/main" r:embed="rId3"/>
                 </a:ext>
               </a:extLst>
             </a:blip>
@@ -6161,7 +6161,7 @@
                   <a14:useLocalDpi xmlns:a14="http://schemas.microsoft.com/office/drawing/2010/main" val="0"/>
                 </a:ext>
                 <a:ext uri="{96DAC541-7B7A-43D3-8B79-37D633B846F1}">
-                  <asvg:svgBlip xmlns:asvg="http://schemas.microsoft.com/office/drawing/2016/SVG/main" xmlns="" r:embed="rId3"/>
+                  <asvg:svgBlip xmlns="" xmlns:asvg="http://schemas.microsoft.com/office/drawing/2016/SVG/main" r:embed="rId3"/>
                 </a:ext>
               </a:extLst>
             </a:blip>
@@ -6200,7 +6200,7 @@
                   <a14:useLocalDpi xmlns:a14="http://schemas.microsoft.com/office/drawing/2010/main" val="0"/>
                 </a:ext>
                 <a:ext uri="{96DAC541-7B7A-43D3-8B79-37D633B846F1}">
-                  <asvg:svgBlip xmlns:asvg="http://schemas.microsoft.com/office/drawing/2016/SVG/main" xmlns="" r:embed="rId3"/>
+                  <asvg:svgBlip xmlns="" xmlns:asvg="http://schemas.microsoft.com/office/drawing/2016/SVG/main" r:embed="rId3"/>
                 </a:ext>
               </a:extLst>
             </a:blip>
@@ -6239,7 +6239,7 @@
                   <a14:useLocalDpi xmlns:a14="http://schemas.microsoft.com/office/drawing/2010/main" val="0"/>
                 </a:ext>
                 <a:ext uri="{96DAC541-7B7A-43D3-8B79-37D633B846F1}">
-                  <asvg:svgBlip xmlns:asvg="http://schemas.microsoft.com/office/drawing/2016/SVG/main" xmlns="" r:embed="rId3"/>
+                  <asvg:svgBlip xmlns="" xmlns:asvg="http://schemas.microsoft.com/office/drawing/2016/SVG/main" r:embed="rId3"/>
                 </a:ext>
               </a:extLst>
             </a:blip>
@@ -6278,7 +6278,7 @@
                   <a14:useLocalDpi xmlns:a14="http://schemas.microsoft.com/office/drawing/2010/main" val="0"/>
                 </a:ext>
                 <a:ext uri="{96DAC541-7B7A-43D3-8B79-37D633B846F1}">
-                  <asvg:svgBlip xmlns:asvg="http://schemas.microsoft.com/office/drawing/2016/SVG/main" xmlns="" r:embed="rId3"/>
+                  <asvg:svgBlip xmlns="" xmlns:asvg="http://schemas.microsoft.com/office/drawing/2016/SVG/main" r:embed="rId3"/>
                 </a:ext>
               </a:extLst>
             </a:blip>
@@ -7084,7 +7084,7 @@
                   <a14:useLocalDpi xmlns:a14="http://schemas.microsoft.com/office/drawing/2010/main" val="0"/>
                 </a:ext>
                 <a:ext uri="{96DAC541-7B7A-43D3-8B79-37D633B846F1}">
-                  <asvg:svgBlip xmlns:asvg="http://schemas.microsoft.com/office/drawing/2016/SVG/main" xmlns="" r:embed="rId3"/>
+                  <asvg:svgBlip xmlns="" xmlns:asvg="http://schemas.microsoft.com/office/drawing/2016/SVG/main" r:embed="rId3"/>
                 </a:ext>
               </a:extLst>
             </a:blip>
@@ -7122,7 +7122,7 @@
                   <a14:useLocalDpi xmlns:a14="http://schemas.microsoft.com/office/drawing/2010/main" val="0"/>
                 </a:ext>
                 <a:ext uri="{96DAC541-7B7A-43D3-8B79-37D633B846F1}">
-                  <asvg:svgBlip xmlns:asvg="http://schemas.microsoft.com/office/drawing/2016/SVG/main" xmlns="" r:embed="rId3"/>
+                  <asvg:svgBlip xmlns="" xmlns:asvg="http://schemas.microsoft.com/office/drawing/2016/SVG/main" r:embed="rId3"/>
                 </a:ext>
               </a:extLst>
             </a:blip>
@@ -7161,7 +7161,7 @@
                   <a14:useLocalDpi xmlns:a14="http://schemas.microsoft.com/office/drawing/2010/main" val="0"/>
                 </a:ext>
                 <a:ext uri="{96DAC541-7B7A-43D3-8B79-37D633B846F1}">
-                  <asvg:svgBlip xmlns:asvg="http://schemas.microsoft.com/office/drawing/2016/SVG/main" xmlns="" r:embed="rId3"/>
+                  <asvg:svgBlip xmlns="" xmlns:asvg="http://schemas.microsoft.com/office/drawing/2016/SVG/main" r:embed="rId3"/>
                 </a:ext>
               </a:extLst>
             </a:blip>
@@ -7200,7 +7200,7 @@
                   <a14:useLocalDpi xmlns:a14="http://schemas.microsoft.com/office/drawing/2010/main" val="0"/>
                 </a:ext>
                 <a:ext uri="{96DAC541-7B7A-43D3-8B79-37D633B846F1}">
-                  <asvg:svgBlip xmlns:asvg="http://schemas.microsoft.com/office/drawing/2016/SVG/main" xmlns="" r:embed="rId3"/>
+                  <asvg:svgBlip xmlns="" xmlns:asvg="http://schemas.microsoft.com/office/drawing/2016/SVG/main" r:embed="rId3"/>
                 </a:ext>
               </a:extLst>
             </a:blip>
@@ -8267,7 +8267,7 @@
                   <a14:useLocalDpi xmlns:a14="http://schemas.microsoft.com/office/drawing/2010/main" val="0"/>
                 </a:ext>
                 <a:ext uri="{96DAC541-7B7A-43D3-8B79-37D633B846F1}">
-                  <asvg:svgBlip xmlns:asvg="http://schemas.microsoft.com/office/drawing/2016/SVG/main" xmlns="" r:embed="rId3"/>
+                  <asvg:svgBlip xmlns="" xmlns:asvg="http://schemas.microsoft.com/office/drawing/2016/SVG/main" r:embed="rId3"/>
                 </a:ext>
               </a:extLst>
             </a:blip>
@@ -8305,7 +8305,7 @@
                   <a14:useLocalDpi xmlns:a14="http://schemas.microsoft.com/office/drawing/2010/main" val="0"/>
                 </a:ext>
                 <a:ext uri="{96DAC541-7B7A-43D3-8B79-37D633B846F1}">
-                  <asvg:svgBlip xmlns:asvg="http://schemas.microsoft.com/office/drawing/2016/SVG/main" xmlns="" r:embed="rId3"/>
+                  <asvg:svgBlip xmlns="" xmlns:asvg="http://schemas.microsoft.com/office/drawing/2016/SVG/main" r:embed="rId3"/>
                 </a:ext>
               </a:extLst>
             </a:blip>
@@ -8344,7 +8344,7 @@
                   <a14:useLocalDpi xmlns:a14="http://schemas.microsoft.com/office/drawing/2010/main" val="0"/>
                 </a:ext>
                 <a:ext uri="{96DAC541-7B7A-43D3-8B79-37D633B846F1}">
-                  <asvg:svgBlip xmlns:asvg="http://schemas.microsoft.com/office/drawing/2016/SVG/main" xmlns="" r:embed="rId3"/>
+                  <asvg:svgBlip xmlns="" xmlns:asvg="http://schemas.microsoft.com/office/drawing/2016/SVG/main" r:embed="rId3"/>
                 </a:ext>
               </a:extLst>
             </a:blip>
@@ -8383,7 +8383,7 @@
                   <a14:useLocalDpi xmlns:a14="http://schemas.microsoft.com/office/drawing/2010/main" val="0"/>
                 </a:ext>
                 <a:ext uri="{96DAC541-7B7A-43D3-8B79-37D633B846F1}">
-                  <asvg:svgBlip xmlns:asvg="http://schemas.microsoft.com/office/drawing/2016/SVG/main" xmlns="" r:embed="rId3"/>
+                  <asvg:svgBlip xmlns="" xmlns:asvg="http://schemas.microsoft.com/office/drawing/2016/SVG/main" r:embed="rId3"/>
                 </a:ext>
               </a:extLst>
             </a:blip>
@@ -8949,7 +8949,7 @@
                   <a14:useLocalDpi xmlns:a14="http://schemas.microsoft.com/office/drawing/2010/main" val="0"/>
                 </a:ext>
                 <a:ext uri="{96DAC541-7B7A-43D3-8B79-37D633B846F1}">
-                  <asvg:svgBlip xmlns:asvg="http://schemas.microsoft.com/office/drawing/2016/SVG/main" xmlns="" r:embed="rId3"/>
+                  <asvg:svgBlip xmlns="" xmlns:asvg="http://schemas.microsoft.com/office/drawing/2016/SVG/main" r:embed="rId3"/>
                 </a:ext>
               </a:extLst>
             </a:blip>
@@ -8987,7 +8987,7 @@
                   <a14:useLocalDpi xmlns:a14="http://schemas.microsoft.com/office/drawing/2010/main" val="0"/>
                 </a:ext>
                 <a:ext uri="{96DAC541-7B7A-43D3-8B79-37D633B846F1}">
-                  <asvg:svgBlip xmlns:asvg="http://schemas.microsoft.com/office/drawing/2016/SVG/main" xmlns="" r:embed="rId3"/>
+                  <asvg:svgBlip xmlns="" xmlns:asvg="http://schemas.microsoft.com/office/drawing/2016/SVG/main" r:embed="rId3"/>
                 </a:ext>
               </a:extLst>
             </a:blip>
@@ -9026,7 +9026,7 @@
                   <a14:useLocalDpi xmlns:a14="http://schemas.microsoft.com/office/drawing/2010/main" val="0"/>
                 </a:ext>
                 <a:ext uri="{96DAC541-7B7A-43D3-8B79-37D633B846F1}">
-                  <asvg:svgBlip xmlns:asvg="http://schemas.microsoft.com/office/drawing/2016/SVG/main" xmlns="" r:embed="rId3"/>
+                  <asvg:svgBlip xmlns="" xmlns:asvg="http://schemas.microsoft.com/office/drawing/2016/SVG/main" r:embed="rId3"/>
                 </a:ext>
               </a:extLst>
             </a:blip>
@@ -9065,7 +9065,7 @@
                   <a14:useLocalDpi xmlns:a14="http://schemas.microsoft.com/office/drawing/2010/main" val="0"/>
                 </a:ext>
                 <a:ext uri="{96DAC541-7B7A-43D3-8B79-37D633B846F1}">
-                  <asvg:svgBlip xmlns:asvg="http://schemas.microsoft.com/office/drawing/2016/SVG/main" xmlns="" r:embed="rId3"/>
+                  <asvg:svgBlip xmlns="" xmlns:asvg="http://schemas.microsoft.com/office/drawing/2016/SVG/main" r:embed="rId3"/>
                 </a:ext>
               </a:extLst>
             </a:blip>
@@ -9104,7 +9104,7 @@
                   <a14:useLocalDpi xmlns:a14="http://schemas.microsoft.com/office/drawing/2010/main" val="0"/>
                 </a:ext>
                 <a:ext uri="{96DAC541-7B7A-43D3-8B79-37D633B846F1}">
-                  <asvg:svgBlip xmlns:asvg="http://schemas.microsoft.com/office/drawing/2016/SVG/main" xmlns="" r:embed="rId3"/>
+                  <asvg:svgBlip xmlns="" xmlns:asvg="http://schemas.microsoft.com/office/drawing/2016/SVG/main" r:embed="rId3"/>
                 </a:ext>
               </a:extLst>
             </a:blip>
@@ -9570,7 +9570,7 @@
                   <a14:useLocalDpi xmlns:a14="http://schemas.microsoft.com/office/drawing/2010/main" val="0"/>
                 </a:ext>
                 <a:ext uri="{96DAC541-7B7A-43D3-8B79-37D633B846F1}">
-                  <asvg:svgBlip xmlns:asvg="http://schemas.microsoft.com/office/drawing/2016/SVG/main" xmlns="" r:embed="rId3"/>
+                  <asvg:svgBlip xmlns="" xmlns:asvg="http://schemas.microsoft.com/office/drawing/2016/SVG/main" r:embed="rId3"/>
                 </a:ext>
               </a:extLst>
             </a:blip>
@@ -9608,7 +9608,7 @@
                   <a14:useLocalDpi xmlns:a14="http://schemas.microsoft.com/office/drawing/2010/main" val="0"/>
                 </a:ext>
                 <a:ext uri="{96DAC541-7B7A-43D3-8B79-37D633B846F1}">
-                  <asvg:svgBlip xmlns:asvg="http://schemas.microsoft.com/office/drawing/2016/SVG/main" xmlns="" r:embed="rId3"/>
+                  <asvg:svgBlip xmlns="" xmlns:asvg="http://schemas.microsoft.com/office/drawing/2016/SVG/main" r:embed="rId3"/>
                 </a:ext>
               </a:extLst>
             </a:blip>
@@ -9647,7 +9647,7 @@
                   <a14:useLocalDpi xmlns:a14="http://schemas.microsoft.com/office/drawing/2010/main" val="0"/>
                 </a:ext>
                 <a:ext uri="{96DAC541-7B7A-43D3-8B79-37D633B846F1}">
-                  <asvg:svgBlip xmlns:asvg="http://schemas.microsoft.com/office/drawing/2016/SVG/main" xmlns="" r:embed="rId3"/>
+                  <asvg:svgBlip xmlns="" xmlns:asvg="http://schemas.microsoft.com/office/drawing/2016/SVG/main" r:embed="rId3"/>
                 </a:ext>
               </a:extLst>
             </a:blip>
@@ -9686,7 +9686,7 @@
                   <a14:useLocalDpi xmlns:a14="http://schemas.microsoft.com/office/drawing/2010/main" val="0"/>
                 </a:ext>
                 <a:ext uri="{96DAC541-7B7A-43D3-8B79-37D633B846F1}">
-                  <asvg:svgBlip xmlns:asvg="http://schemas.microsoft.com/office/drawing/2016/SVG/main" xmlns="" r:embed="rId3"/>
+                  <asvg:svgBlip xmlns="" xmlns:asvg="http://schemas.microsoft.com/office/drawing/2016/SVG/main" r:embed="rId3"/>
                 </a:ext>
               </a:extLst>
             </a:blip>
@@ -10129,7 +10129,7 @@
                   <a14:useLocalDpi xmlns:a14="http://schemas.microsoft.com/office/drawing/2010/main" val="0"/>
                 </a:ext>
                 <a:ext uri="{96DAC541-7B7A-43D3-8B79-37D633B846F1}">
-                  <asvg:svgBlip xmlns:asvg="http://schemas.microsoft.com/office/drawing/2016/SVG/main" xmlns="" r:embed="rId3"/>
+                  <asvg:svgBlip xmlns="" xmlns:asvg="http://schemas.microsoft.com/office/drawing/2016/SVG/main" r:embed="rId3"/>
                 </a:ext>
               </a:extLst>
             </a:blip>
@@ -10167,7 +10167,7 @@
                   <a14:useLocalDpi xmlns:a14="http://schemas.microsoft.com/office/drawing/2010/main" val="0"/>
                 </a:ext>
                 <a:ext uri="{96DAC541-7B7A-43D3-8B79-37D633B846F1}">
-                  <asvg:svgBlip xmlns:asvg="http://schemas.microsoft.com/office/drawing/2016/SVG/main" xmlns="" r:embed="rId3"/>
+                  <asvg:svgBlip xmlns="" xmlns:asvg="http://schemas.microsoft.com/office/drawing/2016/SVG/main" r:embed="rId3"/>
                 </a:ext>
               </a:extLst>
             </a:blip>
@@ -10206,7 +10206,7 @@
                   <a14:useLocalDpi xmlns:a14="http://schemas.microsoft.com/office/drawing/2010/main" val="0"/>
                 </a:ext>
                 <a:ext uri="{96DAC541-7B7A-43D3-8B79-37D633B846F1}">
-                  <asvg:svgBlip xmlns:asvg="http://schemas.microsoft.com/office/drawing/2016/SVG/main" xmlns="" r:embed="rId3"/>
+                  <asvg:svgBlip xmlns="" xmlns:asvg="http://schemas.microsoft.com/office/drawing/2016/SVG/main" r:embed="rId3"/>
                 </a:ext>
               </a:extLst>
             </a:blip>
@@ -10245,7 +10245,7 @@
                   <a14:useLocalDpi xmlns:a14="http://schemas.microsoft.com/office/drawing/2010/main" val="0"/>
                 </a:ext>
                 <a:ext uri="{96DAC541-7B7A-43D3-8B79-37D633B846F1}">
-                  <asvg:svgBlip xmlns:asvg="http://schemas.microsoft.com/office/drawing/2016/SVG/main" xmlns="" r:embed="rId3"/>
+                  <asvg:svgBlip xmlns="" xmlns:asvg="http://schemas.microsoft.com/office/drawing/2016/SVG/main" r:embed="rId3"/>
                 </a:ext>
               </a:extLst>
             </a:blip>
@@ -10284,7 +10284,7 @@
                   <a14:useLocalDpi xmlns:a14="http://schemas.microsoft.com/office/drawing/2010/main" val="0"/>
                 </a:ext>
                 <a:ext uri="{96DAC541-7B7A-43D3-8B79-37D633B846F1}">
-                  <asvg:svgBlip xmlns:asvg="http://schemas.microsoft.com/office/drawing/2016/SVG/main" xmlns="" r:embed="rId3"/>
+                  <asvg:svgBlip xmlns="" xmlns:asvg="http://schemas.microsoft.com/office/drawing/2016/SVG/main" r:embed="rId3"/>
                 </a:ext>
               </a:extLst>
             </a:blip>
@@ -10740,7 +10740,7 @@
                   <a14:useLocalDpi xmlns:a14="http://schemas.microsoft.com/office/drawing/2010/main" val="0"/>
                 </a:ext>
                 <a:ext uri="{96DAC541-7B7A-43D3-8B79-37D633B846F1}">
-                  <asvg:svgBlip xmlns:asvg="http://schemas.microsoft.com/office/drawing/2016/SVG/main" xmlns="" r:embed="rId3"/>
+                  <asvg:svgBlip xmlns="" xmlns:asvg="http://schemas.microsoft.com/office/drawing/2016/SVG/main" r:embed="rId3"/>
                 </a:ext>
               </a:extLst>
             </a:blip>
@@ -10778,7 +10778,7 @@
                   <a14:useLocalDpi xmlns:a14="http://schemas.microsoft.com/office/drawing/2010/main" val="0"/>
                 </a:ext>
                 <a:ext uri="{96DAC541-7B7A-43D3-8B79-37D633B846F1}">
-                  <asvg:svgBlip xmlns:asvg="http://schemas.microsoft.com/office/drawing/2016/SVG/main" xmlns="" r:embed="rId3"/>
+                  <asvg:svgBlip xmlns="" xmlns:asvg="http://schemas.microsoft.com/office/drawing/2016/SVG/main" r:embed="rId3"/>
                 </a:ext>
               </a:extLst>
             </a:blip>
@@ -10817,7 +10817,7 @@
                   <a14:useLocalDpi xmlns:a14="http://schemas.microsoft.com/office/drawing/2010/main" val="0"/>
                 </a:ext>
                 <a:ext uri="{96DAC541-7B7A-43D3-8B79-37D633B846F1}">
-                  <asvg:svgBlip xmlns:asvg="http://schemas.microsoft.com/office/drawing/2016/SVG/main" xmlns="" r:embed="rId3"/>
+                  <asvg:svgBlip xmlns="" xmlns:asvg="http://schemas.microsoft.com/office/drawing/2016/SVG/main" r:embed="rId3"/>
                 </a:ext>
               </a:extLst>
             </a:blip>
@@ -10856,7 +10856,7 @@
                   <a14:useLocalDpi xmlns:a14="http://schemas.microsoft.com/office/drawing/2010/main" val="0"/>
                 </a:ext>
                 <a:ext uri="{96DAC541-7B7A-43D3-8B79-37D633B846F1}">
-                  <asvg:svgBlip xmlns:asvg="http://schemas.microsoft.com/office/drawing/2016/SVG/main" xmlns="" r:embed="rId3"/>
+                  <asvg:svgBlip xmlns="" xmlns:asvg="http://schemas.microsoft.com/office/drawing/2016/SVG/main" r:embed="rId3"/>
                 </a:ext>
               </a:extLst>
             </a:blip>
@@ -10895,7 +10895,7 @@
                   <a14:useLocalDpi xmlns:a14="http://schemas.microsoft.com/office/drawing/2010/main" val="0"/>
                 </a:ext>
                 <a:ext uri="{96DAC541-7B7A-43D3-8B79-37D633B846F1}">
-                  <asvg:svgBlip xmlns:asvg="http://schemas.microsoft.com/office/drawing/2016/SVG/main" xmlns="" r:embed="rId3"/>
+                  <asvg:svgBlip xmlns="" xmlns:asvg="http://schemas.microsoft.com/office/drawing/2016/SVG/main" r:embed="rId3"/>
                 </a:ext>
               </a:extLst>
             </a:blip>
@@ -11473,7 +11473,7 @@
                   <a14:useLocalDpi xmlns:a14="http://schemas.microsoft.com/office/drawing/2010/main" val="0"/>
                 </a:ext>
                 <a:ext uri="{96DAC541-7B7A-43D3-8B79-37D633B846F1}">
-                  <asvg:svgBlip xmlns:asvg="http://schemas.microsoft.com/office/drawing/2016/SVG/main" xmlns="" r:embed="rId3"/>
+                  <asvg:svgBlip xmlns="" xmlns:asvg="http://schemas.microsoft.com/office/drawing/2016/SVG/main" r:embed="rId3"/>
                 </a:ext>
               </a:extLst>
             </a:blip>
@@ -11511,7 +11511,7 @@
                   <a14:useLocalDpi xmlns:a14="http://schemas.microsoft.com/office/drawing/2010/main" val="0"/>
                 </a:ext>
                 <a:ext uri="{96DAC541-7B7A-43D3-8B79-37D633B846F1}">
-                  <asvg:svgBlip xmlns:asvg="http://schemas.microsoft.com/office/drawing/2016/SVG/main" xmlns="" r:embed="rId3"/>
+                  <asvg:svgBlip xmlns="" xmlns:asvg="http://schemas.microsoft.com/office/drawing/2016/SVG/main" r:embed="rId3"/>
                 </a:ext>
               </a:extLst>
             </a:blip>
@@ -11550,7 +11550,7 @@
                   <a14:useLocalDpi xmlns:a14="http://schemas.microsoft.com/office/drawing/2010/main" val="0"/>
                 </a:ext>
                 <a:ext uri="{96DAC541-7B7A-43D3-8B79-37D633B846F1}">
-                  <asvg:svgBlip xmlns:asvg="http://schemas.microsoft.com/office/drawing/2016/SVG/main" xmlns="" r:embed="rId3"/>
+                  <asvg:svgBlip xmlns="" xmlns:asvg="http://schemas.microsoft.com/office/drawing/2016/SVG/main" r:embed="rId3"/>
                 </a:ext>
               </a:extLst>
             </a:blip>
@@ -11589,7 +11589,7 @@
                   <a14:useLocalDpi xmlns:a14="http://schemas.microsoft.com/office/drawing/2010/main" val="0"/>
                 </a:ext>
                 <a:ext uri="{96DAC541-7B7A-43D3-8B79-37D633B846F1}">
-                  <asvg:svgBlip xmlns:asvg="http://schemas.microsoft.com/office/drawing/2016/SVG/main" xmlns="" r:embed="rId3"/>
+                  <asvg:svgBlip xmlns="" xmlns:asvg="http://schemas.microsoft.com/office/drawing/2016/SVG/main" r:embed="rId3"/>
                 </a:ext>
               </a:extLst>
             </a:blip>
@@ -11628,7 +11628,7 @@
                   <a14:useLocalDpi xmlns:a14="http://schemas.microsoft.com/office/drawing/2010/main" val="0"/>
                 </a:ext>
                 <a:ext uri="{96DAC541-7B7A-43D3-8B79-37D633B846F1}">
-                  <asvg:svgBlip xmlns:asvg="http://schemas.microsoft.com/office/drawing/2016/SVG/main" xmlns="" r:embed="rId3"/>
+                  <asvg:svgBlip xmlns="" xmlns:asvg="http://schemas.microsoft.com/office/drawing/2016/SVG/main" r:embed="rId3"/>
                 </a:ext>
               </a:extLst>
             </a:blip>
@@ -12017,7 +12017,7 @@
                   <a14:useLocalDpi xmlns:a14="http://schemas.microsoft.com/office/drawing/2010/main" val="0"/>
                 </a:ext>
                 <a:ext uri="{96DAC541-7B7A-43D3-8B79-37D633B846F1}">
-                  <asvg:svgBlip xmlns:asvg="http://schemas.microsoft.com/office/drawing/2016/SVG/main" xmlns="" r:embed="rId3"/>
+                  <asvg:svgBlip xmlns="" xmlns:asvg="http://schemas.microsoft.com/office/drawing/2016/SVG/main" r:embed="rId3"/>
                 </a:ext>
               </a:extLst>
             </a:blip>
@@ -12055,7 +12055,7 @@
                   <a14:useLocalDpi xmlns:a14="http://schemas.microsoft.com/office/drawing/2010/main" val="0"/>
                 </a:ext>
                 <a:ext uri="{96DAC541-7B7A-43D3-8B79-37D633B846F1}">
-                  <asvg:svgBlip xmlns:asvg="http://schemas.microsoft.com/office/drawing/2016/SVG/main" xmlns="" r:embed="rId3"/>
+                  <asvg:svgBlip xmlns="" xmlns:asvg="http://schemas.microsoft.com/office/drawing/2016/SVG/main" r:embed="rId3"/>
                 </a:ext>
               </a:extLst>
             </a:blip>
@@ -12094,7 +12094,7 @@
                   <a14:useLocalDpi xmlns:a14="http://schemas.microsoft.com/office/drawing/2010/main" val="0"/>
                 </a:ext>
                 <a:ext uri="{96DAC541-7B7A-43D3-8B79-37D633B846F1}">
-                  <asvg:svgBlip xmlns:asvg="http://schemas.microsoft.com/office/drawing/2016/SVG/main" xmlns="" r:embed="rId3"/>
+                  <asvg:svgBlip xmlns="" xmlns:asvg="http://schemas.microsoft.com/office/drawing/2016/SVG/main" r:embed="rId3"/>
                 </a:ext>
               </a:extLst>
             </a:blip>
@@ -12133,7 +12133,7 @@
                   <a14:useLocalDpi xmlns:a14="http://schemas.microsoft.com/office/drawing/2010/main" val="0"/>
                 </a:ext>
                 <a:ext uri="{96DAC541-7B7A-43D3-8B79-37D633B846F1}">
-                  <asvg:svgBlip xmlns:asvg="http://schemas.microsoft.com/office/drawing/2016/SVG/main" xmlns="" r:embed="rId3"/>
+                  <asvg:svgBlip xmlns="" xmlns:asvg="http://schemas.microsoft.com/office/drawing/2016/SVG/main" r:embed="rId3"/>
                 </a:ext>
               </a:extLst>
             </a:blip>
@@ -12172,7 +12172,7 @@
                   <a14:useLocalDpi xmlns:a14="http://schemas.microsoft.com/office/drawing/2010/main" val="0"/>
                 </a:ext>
                 <a:ext uri="{96DAC541-7B7A-43D3-8B79-37D633B846F1}">
-                  <asvg:svgBlip xmlns:asvg="http://schemas.microsoft.com/office/drawing/2016/SVG/main" xmlns="" r:embed="rId3"/>
+                  <asvg:svgBlip xmlns="" xmlns:asvg="http://schemas.microsoft.com/office/drawing/2016/SVG/main" r:embed="rId3"/>
                 </a:ext>
               </a:extLst>
             </a:blip>
@@ -12501,7 +12501,7 @@
                   <a14:useLocalDpi xmlns:a14="http://schemas.microsoft.com/office/drawing/2010/main" val="0"/>
                 </a:ext>
                 <a:ext uri="{96DAC541-7B7A-43D3-8B79-37D633B846F1}">
-                  <asvg:svgBlip xmlns:asvg="http://schemas.microsoft.com/office/drawing/2016/SVG/main" xmlns="" r:embed="rId3"/>
+                  <asvg:svgBlip xmlns="" xmlns:asvg="http://schemas.microsoft.com/office/drawing/2016/SVG/main" r:embed="rId3"/>
                 </a:ext>
               </a:extLst>
             </a:blip>
@@ -12539,7 +12539,7 @@
                   <a14:useLocalDpi xmlns:a14="http://schemas.microsoft.com/office/drawing/2010/main" val="0"/>
                 </a:ext>
                 <a:ext uri="{96DAC541-7B7A-43D3-8B79-37D633B846F1}">
-                  <asvg:svgBlip xmlns:asvg="http://schemas.microsoft.com/office/drawing/2016/SVG/main" xmlns="" r:embed="rId3"/>
+                  <asvg:svgBlip xmlns="" xmlns:asvg="http://schemas.microsoft.com/office/drawing/2016/SVG/main" r:embed="rId3"/>
                 </a:ext>
               </a:extLst>
             </a:blip>
@@ -12578,7 +12578,7 @@
                   <a14:useLocalDpi xmlns:a14="http://schemas.microsoft.com/office/drawing/2010/main" val="0"/>
                 </a:ext>
                 <a:ext uri="{96DAC541-7B7A-43D3-8B79-37D633B846F1}">
-                  <asvg:svgBlip xmlns:asvg="http://schemas.microsoft.com/office/drawing/2016/SVG/main" xmlns="" r:embed="rId3"/>
+                  <asvg:svgBlip xmlns="" xmlns:asvg="http://schemas.microsoft.com/office/drawing/2016/SVG/main" r:embed="rId3"/>
                 </a:ext>
               </a:extLst>
             </a:blip>
@@ -12617,7 +12617,7 @@
                   <a14:useLocalDpi xmlns:a14="http://schemas.microsoft.com/office/drawing/2010/main" val="0"/>
                 </a:ext>
                 <a:ext uri="{96DAC541-7B7A-43D3-8B79-37D633B846F1}">
-                  <asvg:svgBlip xmlns:asvg="http://schemas.microsoft.com/office/drawing/2016/SVG/main" xmlns="" r:embed="rId3"/>
+                  <asvg:svgBlip xmlns="" xmlns:asvg="http://schemas.microsoft.com/office/drawing/2016/SVG/main" r:embed="rId3"/>
                 </a:ext>
               </a:extLst>
             </a:blip>
@@ -13524,7 +13524,7 @@
                 <a14:useLocalDpi xmlns:a14="http://schemas.microsoft.com/office/drawing/2010/main" val="0"/>
               </a:ext>
               <a:ext uri="{96DAC541-7B7A-43D3-8B79-37D633B846F1}">
-                <asvg:svgBlip xmlns:asvg="http://schemas.microsoft.com/office/drawing/2016/SVG/main" xmlns="" r:embed="rId4"/>
+                <asvg:svgBlip xmlns="" xmlns:asvg="http://schemas.microsoft.com/office/drawing/2016/SVG/main" r:embed="rId4"/>
               </a:ext>
             </a:extLst>
           </a:blip>
@@ -13700,7 +13700,7 @@
                 <a14:useLocalDpi xmlns:a14="http://schemas.microsoft.com/office/drawing/2010/main" val="0"/>
               </a:ext>
               <a:ext uri="{96DAC541-7B7A-43D3-8B79-37D633B846F1}">
-                <asvg:svgBlip xmlns:asvg="http://schemas.microsoft.com/office/drawing/2016/SVG/main" xmlns="" r:embed="rId4"/>
+                <asvg:svgBlip xmlns="" xmlns:asvg="http://schemas.microsoft.com/office/drawing/2016/SVG/main" r:embed="rId4"/>
               </a:ext>
             </a:extLst>
           </a:blip>
@@ -13872,7 +13872,7 @@
                 <a14:useLocalDpi xmlns:a14="http://schemas.microsoft.com/office/drawing/2010/main" val="0"/>
               </a:ext>
               <a:ext uri="{96DAC541-7B7A-43D3-8B79-37D633B846F1}">
-                <asvg:svgBlip xmlns:asvg="http://schemas.microsoft.com/office/drawing/2016/SVG/main" xmlns="" r:embed="rId4"/>
+                <asvg:svgBlip xmlns="" xmlns:asvg="http://schemas.microsoft.com/office/drawing/2016/SVG/main" r:embed="rId4"/>
               </a:ext>
             </a:extLst>
           </a:blip>
@@ -13997,11 +13997,7 @@
             </a:r>
             <a:r>
               <a:rPr lang="ru-RU" sz="2400" dirty="0" smtClean="0"/>
-              <a:t>массив, стек, список) </a:t>
-            </a:r>
-            <a:r>
-              <a:rPr lang="ru-RU" sz="2400" dirty="0" smtClean="0"/>
-              <a:t>объектов</a:t>
+              <a:t>массив, стек, список) объектов</a:t>
             </a:r>
           </a:p>
           <a:p>
@@ -14062,11 +14058,7 @@
             </a:pPr>
             <a:r>
               <a:rPr lang="ru-RU" sz="2400" dirty="0" smtClean="0"/>
-              <a:t>Другие модификации</a:t>
-            </a:r>
-            <a:r>
-              <a:rPr lang="ru-RU" sz="2400" dirty="0" smtClean="0"/>
-              <a:t>…</a:t>
+              <a:t>Другие модификации…</a:t>
             </a:r>
             <a:endParaRPr lang="ru-RU" sz="2400" dirty="0"/>
           </a:p>
@@ -14341,33 +14333,33 @@
       </p:sp>
       <p:graphicFrame>
         <p:nvGraphicFramePr>
-          <p:cNvPr id="5" name="Объект 4"/>
+          <p:cNvPr id="3" name="Объект 2"/>
           <p:cNvGraphicFramePr>
             <a:graphicFrameLocks noChangeAspect="1"/>
           </p:cNvGraphicFramePr>
           <p:nvPr>
             <p:extLst>
               <p:ext uri="{D42A27DB-BD31-4B8C-83A1-F6EECF244321}">
-                <p14:modId xmlns:p14="http://schemas.microsoft.com/office/powerpoint/2010/main" val="2878662615"/>
+                <p14:modId xmlns:p14="http://schemas.microsoft.com/office/powerpoint/2010/main" val="3246537650"/>
               </p:ext>
             </p:extLst>
           </p:nvPr>
         </p:nvGraphicFramePr>
         <p:xfrm>
-          <a:off x="1358430" y="2377438"/>
-          <a:ext cx="2577465" cy="4338353"/>
+          <a:off x="1875266" y="2083242"/>
+          <a:ext cx="2839188" cy="4461394"/>
         </p:xfrm>
         <a:graphic>
           <a:graphicData uri="http://schemas.openxmlformats.org/presentationml/2006/ole">
             <mc:AlternateContent xmlns:mc="http://schemas.openxmlformats.org/markup-compatibility/2006">
               <mc:Choice xmlns:v="urn:schemas-microsoft-com:vml" Requires="v">
-                <p:oleObj spid="_x0000_s1030" name="Document" r:id="rId3" imgW="5862962" imgH="9214234" progId="Word.Document.8">
-                  <p:link updateAutomatic="1"/>
+                <p:oleObj spid="_x0000_s1032" name="Document" r:id="rId3" imgW="5862962" imgH="9214234" progId="Word.Document.8">
+                  <p:embed/>
                 </p:oleObj>
               </mc:Choice>
               <mc:Fallback>
                 <p:oleObj name="Document" r:id="rId3" imgW="5862962" imgH="9214234" progId="Word.Document.8">
-                  <p:link updateAutomatic="1"/>
+                  <p:embed/>
                   <p:pic>
                     <p:nvPicPr>
                       <p:cNvPr id="0" name=""/>
@@ -14375,17 +14367,15 @@
                       <p:nvPr/>
                     </p:nvPicPr>
                     <p:blipFill>
-                      <a:blip r:embed="rId4">
-                        <a:lum bright="-100000" contrast="100000"/>
-                      </a:blip>
+                      <a:blip r:embed="rId4"/>
                       <a:stretch>
                         <a:fillRect/>
                       </a:stretch>
                     </p:blipFill>
                     <p:spPr>
                       <a:xfrm>
-                        <a:off x="1358430" y="2377438"/>
-                        <a:ext cx="2577465" cy="4338353"/>
+                        <a:off x="1875266" y="2083242"/>
+                        <a:ext cx="2839188" cy="4461394"/>
                       </a:xfrm>
                       <a:prstGeom prst="rect">
                         <a:avLst/>
@@ -15509,21 +15499,21 @@
 </file>
 
 <file path=customXml/item2.xml><?xml version="1.0" encoding="utf-8"?>
+<p:properties xmlns:p="http://schemas.microsoft.com/office/2006/metadata/properties" xmlns:xsi="http://www.w3.org/2001/XMLSchema-instance" xmlns:pc="http://schemas.microsoft.com/office/infopath/2007/PartnerControls">
+  <documentManagement>
+    <_ip_UnifiedCompliancePolicyUIAction xmlns="http://schemas.microsoft.com/sharepoint/v3" xsi:nil="true"/>
+    <_ip_UnifiedCompliancePolicyProperties xmlns="http://schemas.microsoft.com/sharepoint/v3" xsi:nil="true"/>
+  </documentManagement>
+</p:properties>
+</file>
+
+<file path=customXml/item3.xml><?xml version="1.0" encoding="utf-8"?>
 <?mso-contentType ?>
 <FormTemplates xmlns="http://schemas.microsoft.com/sharepoint/v3/contenttype/forms">
   <Display>DocumentLibraryForm</Display>
   <Edit>DocumentLibraryForm</Edit>
   <New>DocumentLibraryForm</New>
 </FormTemplates>
-</file>
-
-<file path=customXml/item3.xml><?xml version="1.0" encoding="utf-8"?>
-<p:properties xmlns:p="http://schemas.microsoft.com/office/2006/metadata/properties" xmlns:xsi="http://www.w3.org/2001/XMLSchema-instance" xmlns:pc="http://schemas.microsoft.com/office/infopath/2007/PartnerControls">
-  <documentManagement>
-    <_ip_UnifiedCompliancePolicyUIAction xmlns="http://schemas.microsoft.com/sharepoint/v3" xsi:nil="true"/>
-    <_ip_UnifiedCompliancePolicyProperties xmlns="http://schemas.microsoft.com/sharepoint/v3" xsi:nil="true"/>
-  </documentManagement>
-</p:properties>
 </file>
 
 <file path=customXml/itemProps1.xml><?xml version="1.0" encoding="utf-8"?>
@@ -15547,14 +15537,6 @@
 </file>
 
 <file path=customXml/itemProps2.xml><?xml version="1.0" encoding="utf-8"?>
-<ds:datastoreItem xmlns:ds="http://schemas.openxmlformats.org/officeDocument/2006/customXml" ds:itemID="{F5873FAD-10D7-4DE7-A029-14288C05F594}">
-  <ds:schemaRefs>
-    <ds:schemaRef ds:uri="http://schemas.microsoft.com/sharepoint/v3/contenttype/forms"/>
-  </ds:schemaRefs>
-</ds:datastoreItem>
-</file>
-
-<file path=customXml/itemProps3.xml><?xml version="1.0" encoding="utf-8"?>
 <ds:datastoreItem xmlns:ds="http://schemas.openxmlformats.org/officeDocument/2006/customXml" ds:itemID="{71DDD245-D6FC-4A3B-8DDB-348DE94B95C6}">
   <ds:schemaRefs>
     <ds:schemaRef ds:uri="http://purl.org/dc/terms/"/>
@@ -15570,4 +15552,12 @@
     <ds:schemaRef ds:uri="http://schemas.microsoft.com/sharepoint/v3"/>
   </ds:schemaRefs>
 </ds:datastoreItem>
+</file>
+
+<file path=customXml/itemProps3.xml><?xml version="1.0" encoding="utf-8"?>
+<ds:datastoreItem xmlns:ds="http://schemas.openxmlformats.org/officeDocument/2006/customXml" ds:itemID="{F5873FAD-10D7-4DE7-A029-14288C05F594}">
+  <ds:schemaRefs>
+    <ds:schemaRef ds:uri="http://schemas.microsoft.com/sharepoint/v3/contenttype/forms"/>
+  </ds:schemaRefs>
+</ds:datastoreItem>
 </file>